--- a/class6/2_puredata_basics.pptx
+++ b/class6/2_puredata_basics.pptx
@@ -4,18 +4,17 @@
   <p:sldMasterIdLst>
     <p:sldMasterId id="2147483648" r:id="rId2"/>
     <p:sldMasterId id="2147483661" r:id="rId3"/>
-    <p:sldMasterId id="2147483674" r:id="rId4"/>
   </p:sldMasterIdLst>
   <p:notesMasterIdLst>
-    <p:notesMasterId r:id="rId5"/>
+    <p:notesMasterId r:id="rId4"/>
   </p:notesMasterIdLst>
   <p:sldIdLst>
-    <p:sldId id="256" r:id="rId6"/>
-    <p:sldId id="257" r:id="rId7"/>
-    <p:sldId id="258" r:id="rId8"/>
-    <p:sldId id="259" r:id="rId9"/>
-    <p:sldId id="260" r:id="rId10"/>
-    <p:sldId id="261" r:id="rId11"/>
+    <p:sldId id="256" r:id="rId5"/>
+    <p:sldId id="257" r:id="rId6"/>
+    <p:sldId id="258" r:id="rId7"/>
+    <p:sldId id="259" r:id="rId8"/>
+    <p:sldId id="260" r:id="rId9"/>
+    <p:sldId id="261" r:id="rId10"/>
   </p:sldIdLst>
   <p:sldSz cx="12192000" cy="6858000"/>
   <p:notesSz cx="6858000" cy="9144000"/>
@@ -41,7 +40,7 @@
       </p:grpSpPr>
       <p:sp>
         <p:nvSpPr>
-          <p:cNvPr id="120" name="PlaceHolder 1"/>
+          <p:cNvPr id="76" name="PlaceHolder 1"/>
           <p:cNvSpPr>
             <a:spLocks noGrp="1"/>
           </p:cNvSpPr>
@@ -78,7 +77,7 @@
       </p:sp>
       <p:sp>
         <p:nvSpPr>
-          <p:cNvPr id="121" name="PlaceHolder 2"/>
+          <p:cNvPr id="77" name="PlaceHolder 2"/>
           <p:cNvSpPr>
             <a:spLocks noGrp="1"/>
           </p:cNvSpPr>
@@ -114,7 +113,7 @@
       </p:sp>
       <p:sp>
         <p:nvSpPr>
-          <p:cNvPr id="122" name="PlaceHolder 3"/>
+          <p:cNvPr id="78" name="PlaceHolder 3"/>
           <p:cNvSpPr>
             <a:spLocks noGrp="1"/>
           </p:cNvSpPr>
@@ -150,7 +149,7 @@
       </p:sp>
       <p:sp>
         <p:nvSpPr>
-          <p:cNvPr id="123" name="PlaceHolder 4"/>
+          <p:cNvPr id="79" name="PlaceHolder 4"/>
           <p:cNvSpPr>
             <a:spLocks noGrp="1"/>
           </p:cNvSpPr>
@@ -187,7 +186,7 @@
       </p:sp>
       <p:sp>
         <p:nvSpPr>
-          <p:cNvPr id="124" name="PlaceHolder 5"/>
+          <p:cNvPr id="80" name="PlaceHolder 5"/>
           <p:cNvSpPr>
             <a:spLocks noGrp="1"/>
           </p:cNvSpPr>
@@ -223,7 +222,7 @@
       </p:sp>
       <p:sp>
         <p:nvSpPr>
-          <p:cNvPr id="125" name="PlaceHolder 6"/>
+          <p:cNvPr id="81" name="PlaceHolder 6"/>
           <p:cNvSpPr>
             <a:spLocks noGrp="1"/>
           </p:cNvSpPr>
@@ -246,7 +245,7 @@
           </a:bodyPr>
           <a:p>
             <a:pPr algn="r"/>
-            <a:fld id="{A8B30F5C-400C-43AD-8B10-5BECF7349EC0}" type="slidenum">
+            <a:fld id="{B1677B20-EA09-4502-B070-7BC468D3F729}" type="slidenum">
               <a:rPr b="0" lang="el-GR" sz="1400" spc="-1" strike="noStrike">
                 <a:latin typeface="Times New Roman"/>
               </a:rPr>
@@ -283,7 +282,7 @@
       </p:grpSpPr>
       <p:sp>
         <p:nvSpPr>
-          <p:cNvPr id="141" name="PlaceHolder 1"/>
+          <p:cNvPr id="97" name="PlaceHolder 1"/>
           <p:cNvSpPr>
             <a:spLocks noGrp="1"/>
           </p:cNvSpPr>
@@ -294,16 +293,16 @@
         <p:spPr>
           <a:xfrm>
             <a:off x="685800" y="1143000"/>
-            <a:ext cx="5486040" cy="3085920"/>
-          </a:xfrm>
-          <a:prstGeom prst="rect">
-            <a:avLst/>
-          </a:prstGeom>
-        </p:spPr>
-      </p:sp>
-      <p:sp>
-        <p:nvSpPr>
-          <p:cNvPr id="142" name="PlaceHolder 2"/>
+            <a:ext cx="5485680" cy="3085560"/>
+          </a:xfrm>
+          <a:prstGeom prst="rect">
+            <a:avLst/>
+          </a:prstGeom>
+        </p:spPr>
+      </p:sp>
+      <p:sp>
+        <p:nvSpPr>
+          <p:cNvPr id="98" name="PlaceHolder 2"/>
           <p:cNvSpPr>
             <a:spLocks noGrp="1"/>
           </p:cNvSpPr>
@@ -314,14 +313,14 @@
         <p:spPr>
           <a:xfrm>
             <a:off x="685800" y="4400640"/>
-            <a:ext cx="5486040" cy="3600000"/>
-          </a:xfrm>
-          <a:prstGeom prst="rect">
-            <a:avLst/>
-          </a:prstGeom>
-        </p:spPr>
-        <p:txBody>
-          <a:bodyPr>
+            <a:ext cx="5485680" cy="3599640"/>
+          </a:xfrm>
+          <a:prstGeom prst="rect">
+            <a:avLst/>
+          </a:prstGeom>
+        </p:spPr>
+        <p:txBody>
+          <a:bodyPr lIns="0" rIns="0" tIns="0" bIns="0">
             <a:noAutofit/>
           </a:bodyPr>
           <a:p>
@@ -333,14 +332,14 @@
       </p:sp>
       <p:sp>
         <p:nvSpPr>
-          <p:cNvPr id="143" name="TextShape 3"/>
-          <p:cNvSpPr txBox="1"/>
+          <p:cNvPr id="99" name="CustomShape 3"/>
+          <p:cNvSpPr/>
           <p:nvPr/>
         </p:nvSpPr>
         <p:spPr>
           <a:xfrm>
             <a:off x="3884760" y="8685360"/>
-            <a:ext cx="2971440" cy="458280"/>
+            <a:ext cx="2971080" cy="457920"/>
           </a:xfrm>
           <a:prstGeom prst="rect">
             <a:avLst/>
@@ -350,8 +349,14 @@
             <a:noFill/>
           </a:ln>
         </p:spPr>
-        <p:txBody>
-          <a:bodyPr anchor="b">
+        <p:style>
+          <a:lnRef idx="0"/>
+          <a:fillRef idx="0"/>
+          <a:effectRef idx="0"/>
+          <a:fontRef idx="minor"/>
+        </p:style>
+        <p:txBody>
+          <a:bodyPr lIns="90000" rIns="90000" tIns="45000" bIns="45000" anchor="b">
             <a:noAutofit/>
           </a:bodyPr>
           <a:p>
@@ -360,7 +365,7 @@
                 <a:spcPct val="100000"/>
               </a:lnSpc>
             </a:pPr>
-            <a:fld id="{AC461D17-14CC-4FB6-A21D-32ECB92122E5}" type="slidenum">
+            <a:fld id="{AC5D4B6D-F76B-49A1-BEF6-2B3DDA62BD4B}" type="slidenum">
               <a:rPr b="0" lang="en-US" sz="1200" spc="-1" strike="noStrike">
                 <a:solidFill>
                   <a:srgbClr val="000000"/>
@@ -371,7 +376,7 @@
               <a:t>&lt;αριθμός&gt;</a:t>
             </a:fld>
             <a:endParaRPr b="0" lang="el-GR" sz="1200" spc="-1" strike="noStrike">
-              <a:latin typeface="Times New Roman"/>
+              <a:latin typeface="Arial"/>
             </a:endParaRPr>
           </a:p>
         </p:txBody>
@@ -422,7 +427,7 @@
       </p:grpSpPr>
       <p:sp>
         <p:nvSpPr>
-          <p:cNvPr id="26" name="PlaceHolder 1"/>
+          <p:cNvPr id="23" name="PlaceHolder 1"/>
           <p:cNvSpPr>
             <a:spLocks noGrp="1"/>
           </p:cNvSpPr>
@@ -432,8 +437,8 @@
         </p:nvSpPr>
         <p:spPr>
           <a:xfrm>
-            <a:off x="838080" y="365040"/>
-            <a:ext cx="10515240" cy="1325160"/>
+            <a:off x="609480" y="273600"/>
+            <a:ext cx="10972440" cy="1144800"/>
           </a:xfrm>
           <a:prstGeom prst="rect">
             <a:avLst/>
@@ -444,18 +449,16 @@
             <a:noAutofit/>
           </a:bodyPr>
           <a:p>
-            <a:endParaRPr b="0" lang="en-US" sz="1800" spc="-1" strike="noStrike">
-              <a:solidFill>
-                <a:srgbClr val="000000"/>
-              </a:solidFill>
-              <a:latin typeface="Calibri"/>
-            </a:endParaRPr>
-          </a:p>
-        </p:txBody>
-      </p:sp>
-      <p:sp>
-        <p:nvSpPr>
-          <p:cNvPr id="27" name="PlaceHolder 2"/>
+            <a:pPr algn="ctr"/>
+            <a:endParaRPr b="0" lang="el-GR" sz="4400" spc="-1" strike="noStrike">
+              <a:latin typeface="Arial"/>
+            </a:endParaRPr>
+          </a:p>
+        </p:txBody>
+      </p:sp>
+      <p:sp>
+        <p:nvSpPr>
+          <p:cNvPr id="24" name="PlaceHolder 2"/>
           <p:cNvSpPr>
             <a:spLocks noGrp="1"/>
           </p:cNvSpPr>
@@ -465,8 +468,8 @@
         </p:nvSpPr>
         <p:spPr>
           <a:xfrm>
-            <a:off x="838080" y="1825560"/>
-            <a:ext cx="10515240" cy="2075040"/>
+            <a:off x="609480" y="1604520"/>
+            <a:ext cx="10972440" cy="1896840"/>
           </a:xfrm>
           <a:prstGeom prst="rect">
             <a:avLst/>
@@ -477,18 +480,15 @@
             <a:normAutofit/>
           </a:bodyPr>
           <a:p>
-            <a:endParaRPr b="0" lang="en-US" sz="2800" spc="-1" strike="noStrike">
-              <a:solidFill>
-                <a:srgbClr val="000000"/>
-              </a:solidFill>
-              <a:latin typeface="Calibri"/>
-            </a:endParaRPr>
-          </a:p>
-        </p:txBody>
-      </p:sp>
-      <p:sp>
-        <p:nvSpPr>
-          <p:cNvPr id="28" name="PlaceHolder 3"/>
+            <a:endParaRPr b="0" lang="el-GR" sz="3200" spc="-1" strike="noStrike">
+              <a:latin typeface="Arial"/>
+            </a:endParaRPr>
+          </a:p>
+        </p:txBody>
+      </p:sp>
+      <p:sp>
+        <p:nvSpPr>
+          <p:cNvPr id="25" name="PlaceHolder 3"/>
           <p:cNvSpPr>
             <a:spLocks noGrp="1"/>
           </p:cNvSpPr>
@@ -498,8 +498,8 @@
         </p:nvSpPr>
         <p:spPr>
           <a:xfrm>
-            <a:off x="838080" y="4098240"/>
-            <a:ext cx="10515240" cy="2075040"/>
+            <a:off x="609480" y="3682080"/>
+            <a:ext cx="10972440" cy="1896840"/>
           </a:xfrm>
           <a:prstGeom prst="rect">
             <a:avLst/>
@@ -510,11 +510,8 @@
             <a:normAutofit/>
           </a:bodyPr>
           <a:p>
-            <a:endParaRPr b="0" lang="en-US" sz="2800" spc="-1" strike="noStrike">
-              <a:solidFill>
-                <a:srgbClr val="000000"/>
-              </a:solidFill>
-              <a:latin typeface="Calibri"/>
+            <a:endParaRPr b="0" lang="el-GR" sz="3200" spc="-1" strike="noStrike">
+              <a:latin typeface="Arial"/>
             </a:endParaRPr>
           </a:p>
         </p:txBody>
@@ -543,7 +540,7 @@
       </p:grpSpPr>
       <p:sp>
         <p:nvSpPr>
-          <p:cNvPr id="29" name="PlaceHolder 1"/>
+          <p:cNvPr id="26" name="PlaceHolder 1"/>
           <p:cNvSpPr>
             <a:spLocks noGrp="1"/>
           </p:cNvSpPr>
@@ -553,8 +550,8 @@
         </p:nvSpPr>
         <p:spPr>
           <a:xfrm>
-            <a:off x="838080" y="365040"/>
-            <a:ext cx="10515240" cy="1325160"/>
+            <a:off x="609480" y="273600"/>
+            <a:ext cx="10972440" cy="1144800"/>
           </a:xfrm>
           <a:prstGeom prst="rect">
             <a:avLst/>
@@ -565,18 +562,16 @@
             <a:noAutofit/>
           </a:bodyPr>
           <a:p>
-            <a:endParaRPr b="0" lang="en-US" sz="1800" spc="-1" strike="noStrike">
-              <a:solidFill>
-                <a:srgbClr val="000000"/>
-              </a:solidFill>
-              <a:latin typeface="Calibri"/>
-            </a:endParaRPr>
-          </a:p>
-        </p:txBody>
-      </p:sp>
-      <p:sp>
-        <p:nvSpPr>
-          <p:cNvPr id="30" name="PlaceHolder 2"/>
+            <a:pPr algn="ctr"/>
+            <a:endParaRPr b="0" lang="el-GR" sz="4400" spc="-1" strike="noStrike">
+              <a:latin typeface="Arial"/>
+            </a:endParaRPr>
+          </a:p>
+        </p:txBody>
+      </p:sp>
+      <p:sp>
+        <p:nvSpPr>
+          <p:cNvPr id="27" name="PlaceHolder 2"/>
           <p:cNvSpPr>
             <a:spLocks noGrp="1"/>
           </p:cNvSpPr>
@@ -586,8 +581,8 @@
         </p:nvSpPr>
         <p:spPr>
           <a:xfrm>
-            <a:off x="838080" y="1825560"/>
-            <a:ext cx="5131080" cy="2075040"/>
+            <a:off x="609480" y="1604520"/>
+            <a:ext cx="5354280" cy="1896840"/>
           </a:xfrm>
           <a:prstGeom prst="rect">
             <a:avLst/>
@@ -598,18 +593,15 @@
             <a:normAutofit/>
           </a:bodyPr>
           <a:p>
-            <a:endParaRPr b="0" lang="en-US" sz="2800" spc="-1" strike="noStrike">
-              <a:solidFill>
-                <a:srgbClr val="000000"/>
-              </a:solidFill>
-              <a:latin typeface="Calibri"/>
-            </a:endParaRPr>
-          </a:p>
-        </p:txBody>
-      </p:sp>
-      <p:sp>
-        <p:nvSpPr>
-          <p:cNvPr id="31" name="PlaceHolder 3"/>
+            <a:endParaRPr b="0" lang="el-GR" sz="3200" spc="-1" strike="noStrike">
+              <a:latin typeface="Arial"/>
+            </a:endParaRPr>
+          </a:p>
+        </p:txBody>
+      </p:sp>
+      <p:sp>
+        <p:nvSpPr>
+          <p:cNvPr id="28" name="PlaceHolder 3"/>
           <p:cNvSpPr>
             <a:spLocks noGrp="1"/>
           </p:cNvSpPr>
@@ -619,8 +611,8 @@
         </p:nvSpPr>
         <p:spPr>
           <a:xfrm>
-            <a:off x="6226200" y="1825560"/>
-            <a:ext cx="5131080" cy="2075040"/>
+            <a:off x="6231960" y="1604520"/>
+            <a:ext cx="5354280" cy="1896840"/>
           </a:xfrm>
           <a:prstGeom prst="rect">
             <a:avLst/>
@@ -631,18 +623,15 @@
             <a:normAutofit/>
           </a:bodyPr>
           <a:p>
-            <a:endParaRPr b="0" lang="en-US" sz="2800" spc="-1" strike="noStrike">
-              <a:solidFill>
-                <a:srgbClr val="000000"/>
-              </a:solidFill>
-              <a:latin typeface="Calibri"/>
-            </a:endParaRPr>
-          </a:p>
-        </p:txBody>
-      </p:sp>
-      <p:sp>
-        <p:nvSpPr>
-          <p:cNvPr id="32" name="PlaceHolder 4"/>
+            <a:endParaRPr b="0" lang="el-GR" sz="3200" spc="-1" strike="noStrike">
+              <a:latin typeface="Arial"/>
+            </a:endParaRPr>
+          </a:p>
+        </p:txBody>
+      </p:sp>
+      <p:sp>
+        <p:nvSpPr>
+          <p:cNvPr id="29" name="PlaceHolder 4"/>
           <p:cNvSpPr>
             <a:spLocks noGrp="1"/>
           </p:cNvSpPr>
@@ -652,8 +641,8 @@
         </p:nvSpPr>
         <p:spPr>
           <a:xfrm>
-            <a:off x="838080" y="4098240"/>
-            <a:ext cx="5131080" cy="2075040"/>
+            <a:off x="609480" y="3682080"/>
+            <a:ext cx="5354280" cy="1896840"/>
           </a:xfrm>
           <a:prstGeom prst="rect">
             <a:avLst/>
@@ -664,18 +653,15 @@
             <a:normAutofit/>
           </a:bodyPr>
           <a:p>
-            <a:endParaRPr b="0" lang="en-US" sz="2800" spc="-1" strike="noStrike">
-              <a:solidFill>
-                <a:srgbClr val="000000"/>
-              </a:solidFill>
-              <a:latin typeface="Calibri"/>
-            </a:endParaRPr>
-          </a:p>
-        </p:txBody>
-      </p:sp>
-      <p:sp>
-        <p:nvSpPr>
-          <p:cNvPr id="33" name="PlaceHolder 5"/>
+            <a:endParaRPr b="0" lang="el-GR" sz="3200" spc="-1" strike="noStrike">
+              <a:latin typeface="Arial"/>
+            </a:endParaRPr>
+          </a:p>
+        </p:txBody>
+      </p:sp>
+      <p:sp>
+        <p:nvSpPr>
+          <p:cNvPr id="30" name="PlaceHolder 5"/>
           <p:cNvSpPr>
             <a:spLocks noGrp="1"/>
           </p:cNvSpPr>
@@ -685,8 +671,8 @@
         </p:nvSpPr>
         <p:spPr>
           <a:xfrm>
-            <a:off x="6226200" y="4098240"/>
-            <a:ext cx="5131080" cy="2075040"/>
+            <a:off x="6231960" y="3682080"/>
+            <a:ext cx="5354280" cy="1896840"/>
           </a:xfrm>
           <a:prstGeom prst="rect">
             <a:avLst/>
@@ -697,11 +683,8 @@
             <a:normAutofit/>
           </a:bodyPr>
           <a:p>
-            <a:endParaRPr b="0" lang="en-US" sz="2800" spc="-1" strike="noStrike">
-              <a:solidFill>
-                <a:srgbClr val="000000"/>
-              </a:solidFill>
-              <a:latin typeface="Calibri"/>
+            <a:endParaRPr b="0" lang="el-GR" sz="3200" spc="-1" strike="noStrike">
+              <a:latin typeface="Arial"/>
             </a:endParaRPr>
           </a:p>
         </p:txBody>
@@ -730,7 +713,7 @@
       </p:grpSpPr>
       <p:sp>
         <p:nvSpPr>
-          <p:cNvPr id="34" name="PlaceHolder 1"/>
+          <p:cNvPr id="31" name="PlaceHolder 1"/>
           <p:cNvSpPr>
             <a:spLocks noGrp="1"/>
           </p:cNvSpPr>
@@ -740,8 +723,8 @@
         </p:nvSpPr>
         <p:spPr>
           <a:xfrm>
-            <a:off x="838080" y="365040"/>
-            <a:ext cx="10515240" cy="1325160"/>
+            <a:off x="609480" y="273600"/>
+            <a:ext cx="10972440" cy="1144800"/>
           </a:xfrm>
           <a:prstGeom prst="rect">
             <a:avLst/>
@@ -752,18 +735,16 @@
             <a:noAutofit/>
           </a:bodyPr>
           <a:p>
-            <a:endParaRPr b="0" lang="en-US" sz="1800" spc="-1" strike="noStrike">
-              <a:solidFill>
-                <a:srgbClr val="000000"/>
-              </a:solidFill>
-              <a:latin typeface="Calibri"/>
-            </a:endParaRPr>
-          </a:p>
-        </p:txBody>
-      </p:sp>
-      <p:sp>
-        <p:nvSpPr>
-          <p:cNvPr id="35" name="PlaceHolder 2"/>
+            <a:pPr algn="ctr"/>
+            <a:endParaRPr b="0" lang="el-GR" sz="4400" spc="-1" strike="noStrike">
+              <a:latin typeface="Arial"/>
+            </a:endParaRPr>
+          </a:p>
+        </p:txBody>
+      </p:sp>
+      <p:sp>
+        <p:nvSpPr>
+          <p:cNvPr id="32" name="PlaceHolder 2"/>
           <p:cNvSpPr>
             <a:spLocks noGrp="1"/>
           </p:cNvSpPr>
@@ -773,8 +754,8 @@
         </p:nvSpPr>
         <p:spPr>
           <a:xfrm>
-            <a:off x="838080" y="1825560"/>
-            <a:ext cx="3385800" cy="2075040"/>
+            <a:off x="609480" y="1604520"/>
+            <a:ext cx="3533040" cy="1896840"/>
           </a:xfrm>
           <a:prstGeom prst="rect">
             <a:avLst/>
@@ -785,18 +766,15 @@
             <a:normAutofit/>
           </a:bodyPr>
           <a:p>
-            <a:endParaRPr b="0" lang="en-US" sz="2800" spc="-1" strike="noStrike">
-              <a:solidFill>
-                <a:srgbClr val="000000"/>
-              </a:solidFill>
-              <a:latin typeface="Calibri"/>
-            </a:endParaRPr>
-          </a:p>
-        </p:txBody>
-      </p:sp>
-      <p:sp>
-        <p:nvSpPr>
-          <p:cNvPr id="36" name="PlaceHolder 3"/>
+            <a:endParaRPr b="0" lang="el-GR" sz="3200" spc="-1" strike="noStrike">
+              <a:latin typeface="Arial"/>
+            </a:endParaRPr>
+          </a:p>
+        </p:txBody>
+      </p:sp>
+      <p:sp>
+        <p:nvSpPr>
+          <p:cNvPr id="33" name="PlaceHolder 3"/>
           <p:cNvSpPr>
             <a:spLocks noGrp="1"/>
           </p:cNvSpPr>
@@ -806,8 +784,8 @@
         </p:nvSpPr>
         <p:spPr>
           <a:xfrm>
-            <a:off x="4393440" y="1825560"/>
-            <a:ext cx="3385800" cy="2075040"/>
+            <a:off x="4319640" y="1604520"/>
+            <a:ext cx="3533040" cy="1896840"/>
           </a:xfrm>
           <a:prstGeom prst="rect">
             <a:avLst/>
@@ -818,18 +796,15 @@
             <a:normAutofit/>
           </a:bodyPr>
           <a:p>
-            <a:endParaRPr b="0" lang="en-US" sz="2800" spc="-1" strike="noStrike">
-              <a:solidFill>
-                <a:srgbClr val="000000"/>
-              </a:solidFill>
-              <a:latin typeface="Calibri"/>
-            </a:endParaRPr>
-          </a:p>
-        </p:txBody>
-      </p:sp>
-      <p:sp>
-        <p:nvSpPr>
-          <p:cNvPr id="37" name="PlaceHolder 4"/>
+            <a:endParaRPr b="0" lang="el-GR" sz="3200" spc="-1" strike="noStrike">
+              <a:latin typeface="Arial"/>
+            </a:endParaRPr>
+          </a:p>
+        </p:txBody>
+      </p:sp>
+      <p:sp>
+        <p:nvSpPr>
+          <p:cNvPr id="34" name="PlaceHolder 4"/>
           <p:cNvSpPr>
             <a:spLocks noGrp="1"/>
           </p:cNvSpPr>
@@ -839,8 +814,8 @@
         </p:nvSpPr>
         <p:spPr>
           <a:xfrm>
-            <a:off x="7949160" y="1825560"/>
-            <a:ext cx="3385800" cy="2075040"/>
+            <a:off x="8029800" y="1604520"/>
+            <a:ext cx="3533040" cy="1896840"/>
           </a:xfrm>
           <a:prstGeom prst="rect">
             <a:avLst/>
@@ -851,18 +826,15 @@
             <a:normAutofit/>
           </a:bodyPr>
           <a:p>
-            <a:endParaRPr b="0" lang="en-US" sz="2800" spc="-1" strike="noStrike">
-              <a:solidFill>
-                <a:srgbClr val="000000"/>
-              </a:solidFill>
-              <a:latin typeface="Calibri"/>
-            </a:endParaRPr>
-          </a:p>
-        </p:txBody>
-      </p:sp>
-      <p:sp>
-        <p:nvSpPr>
-          <p:cNvPr id="38" name="PlaceHolder 5"/>
+            <a:endParaRPr b="0" lang="el-GR" sz="3200" spc="-1" strike="noStrike">
+              <a:latin typeface="Arial"/>
+            </a:endParaRPr>
+          </a:p>
+        </p:txBody>
+      </p:sp>
+      <p:sp>
+        <p:nvSpPr>
+          <p:cNvPr id="35" name="PlaceHolder 5"/>
           <p:cNvSpPr>
             <a:spLocks noGrp="1"/>
           </p:cNvSpPr>
@@ -872,8 +844,8 @@
         </p:nvSpPr>
         <p:spPr>
           <a:xfrm>
-            <a:off x="838080" y="4098240"/>
-            <a:ext cx="3385800" cy="2075040"/>
+            <a:off x="609480" y="3682080"/>
+            <a:ext cx="3533040" cy="1896840"/>
           </a:xfrm>
           <a:prstGeom prst="rect">
             <a:avLst/>
@@ -884,18 +856,15 @@
             <a:normAutofit/>
           </a:bodyPr>
           <a:p>
-            <a:endParaRPr b="0" lang="en-US" sz="2800" spc="-1" strike="noStrike">
-              <a:solidFill>
-                <a:srgbClr val="000000"/>
-              </a:solidFill>
-              <a:latin typeface="Calibri"/>
-            </a:endParaRPr>
-          </a:p>
-        </p:txBody>
-      </p:sp>
-      <p:sp>
-        <p:nvSpPr>
-          <p:cNvPr id="39" name="PlaceHolder 6"/>
+            <a:endParaRPr b="0" lang="el-GR" sz="3200" spc="-1" strike="noStrike">
+              <a:latin typeface="Arial"/>
+            </a:endParaRPr>
+          </a:p>
+        </p:txBody>
+      </p:sp>
+      <p:sp>
+        <p:nvSpPr>
+          <p:cNvPr id="36" name="PlaceHolder 6"/>
           <p:cNvSpPr>
             <a:spLocks noGrp="1"/>
           </p:cNvSpPr>
@@ -905,8 +874,8 @@
         </p:nvSpPr>
         <p:spPr>
           <a:xfrm>
-            <a:off x="4393440" y="4098240"/>
-            <a:ext cx="3385800" cy="2075040"/>
+            <a:off x="4319640" y="3682080"/>
+            <a:ext cx="3533040" cy="1896840"/>
           </a:xfrm>
           <a:prstGeom prst="rect">
             <a:avLst/>
@@ -917,18 +886,15 @@
             <a:normAutofit/>
           </a:bodyPr>
           <a:p>
-            <a:endParaRPr b="0" lang="en-US" sz="2800" spc="-1" strike="noStrike">
-              <a:solidFill>
-                <a:srgbClr val="000000"/>
-              </a:solidFill>
-              <a:latin typeface="Calibri"/>
-            </a:endParaRPr>
-          </a:p>
-        </p:txBody>
-      </p:sp>
-      <p:sp>
-        <p:nvSpPr>
-          <p:cNvPr id="40" name="PlaceHolder 7"/>
+            <a:endParaRPr b="0" lang="el-GR" sz="3200" spc="-1" strike="noStrike">
+              <a:latin typeface="Arial"/>
+            </a:endParaRPr>
+          </a:p>
+        </p:txBody>
+      </p:sp>
+      <p:sp>
+        <p:nvSpPr>
+          <p:cNvPr id="37" name="PlaceHolder 7"/>
           <p:cNvSpPr>
             <a:spLocks noGrp="1"/>
           </p:cNvSpPr>
@@ -938,8 +904,8 @@
         </p:nvSpPr>
         <p:spPr>
           <a:xfrm>
-            <a:off x="7949160" y="4098240"/>
-            <a:ext cx="3385800" cy="2075040"/>
+            <a:off x="8029800" y="3682080"/>
+            <a:ext cx="3533040" cy="1896840"/>
           </a:xfrm>
           <a:prstGeom prst="rect">
             <a:avLst/>
@@ -950,11 +916,8 @@
             <a:normAutofit/>
           </a:bodyPr>
           <a:p>
-            <a:endParaRPr b="0" lang="en-US" sz="2800" spc="-1" strike="noStrike">
-              <a:solidFill>
-                <a:srgbClr val="000000"/>
-              </a:solidFill>
-              <a:latin typeface="Calibri"/>
+            <a:endParaRPr b="0" lang="el-GR" sz="3200" spc="-1" strike="noStrike">
+              <a:latin typeface="Arial"/>
             </a:endParaRPr>
           </a:p>
         </p:txBody>
@@ -1005,7 +968,7 @@
       </p:grpSpPr>
       <p:sp>
         <p:nvSpPr>
-          <p:cNvPr id="46" name="PlaceHolder 1"/>
+          <p:cNvPr id="40" name="PlaceHolder 1"/>
           <p:cNvSpPr>
             <a:spLocks noGrp="1"/>
           </p:cNvSpPr>
@@ -1015,8 +978,8 @@
         </p:nvSpPr>
         <p:spPr>
           <a:xfrm>
-            <a:off x="838080" y="365040"/>
-            <a:ext cx="10515240" cy="1325160"/>
+            <a:off x="609480" y="273600"/>
+            <a:ext cx="10972440" cy="1144800"/>
           </a:xfrm>
           <a:prstGeom prst="rect">
             <a:avLst/>
@@ -1027,18 +990,16 @@
             <a:noAutofit/>
           </a:bodyPr>
           <a:p>
-            <a:endParaRPr b="0" lang="en-US" sz="1800" spc="-1" strike="noStrike">
-              <a:solidFill>
-                <a:srgbClr val="000000"/>
-              </a:solidFill>
-              <a:latin typeface="Calibri"/>
-            </a:endParaRPr>
-          </a:p>
-        </p:txBody>
-      </p:sp>
-      <p:sp>
-        <p:nvSpPr>
-          <p:cNvPr id="47" name="PlaceHolder 2"/>
+            <a:pPr algn="ctr"/>
+            <a:endParaRPr b="0" lang="el-GR" sz="4400" spc="-1" strike="noStrike">
+              <a:latin typeface="Arial"/>
+            </a:endParaRPr>
+          </a:p>
+        </p:txBody>
+      </p:sp>
+      <p:sp>
+        <p:nvSpPr>
+          <p:cNvPr id="41" name="PlaceHolder 2"/>
           <p:cNvSpPr>
             <a:spLocks noGrp="1"/>
           </p:cNvSpPr>
@@ -1048,8 +1009,8 @@
         </p:nvSpPr>
         <p:spPr>
           <a:xfrm>
-            <a:off x="838080" y="1825560"/>
-            <a:ext cx="10515240" cy="4350960"/>
+            <a:off x="609480" y="1604520"/>
+            <a:ext cx="10972440" cy="3977280"/>
           </a:xfrm>
           <a:prstGeom prst="rect">
             <a:avLst/>
@@ -1091,7 +1052,7 @@
       </p:grpSpPr>
       <p:sp>
         <p:nvSpPr>
-          <p:cNvPr id="48" name="PlaceHolder 1"/>
+          <p:cNvPr id="42" name="PlaceHolder 1"/>
           <p:cNvSpPr>
             <a:spLocks noGrp="1"/>
           </p:cNvSpPr>
@@ -1101,8 +1062,8 @@
         </p:nvSpPr>
         <p:spPr>
           <a:xfrm>
-            <a:off x="838080" y="365040"/>
-            <a:ext cx="10515240" cy="1325160"/>
+            <a:off x="609480" y="273600"/>
+            <a:ext cx="10972440" cy="1144800"/>
           </a:xfrm>
           <a:prstGeom prst="rect">
             <a:avLst/>
@@ -1113,18 +1074,16 @@
             <a:noAutofit/>
           </a:bodyPr>
           <a:p>
-            <a:endParaRPr b="0" lang="en-US" sz="1800" spc="-1" strike="noStrike">
-              <a:solidFill>
-                <a:srgbClr val="000000"/>
-              </a:solidFill>
-              <a:latin typeface="Calibri"/>
-            </a:endParaRPr>
-          </a:p>
-        </p:txBody>
-      </p:sp>
-      <p:sp>
-        <p:nvSpPr>
-          <p:cNvPr id="49" name="PlaceHolder 2"/>
+            <a:pPr algn="ctr"/>
+            <a:endParaRPr b="0" lang="el-GR" sz="4400" spc="-1" strike="noStrike">
+              <a:latin typeface="Arial"/>
+            </a:endParaRPr>
+          </a:p>
+        </p:txBody>
+      </p:sp>
+      <p:sp>
+        <p:nvSpPr>
+          <p:cNvPr id="43" name="PlaceHolder 2"/>
           <p:cNvSpPr>
             <a:spLocks noGrp="1"/>
           </p:cNvSpPr>
@@ -1134,8 +1093,8 @@
         </p:nvSpPr>
         <p:spPr>
           <a:xfrm>
-            <a:off x="838080" y="1825560"/>
-            <a:ext cx="10515240" cy="4350960"/>
+            <a:off x="609480" y="1604520"/>
+            <a:ext cx="10972440" cy="3977280"/>
           </a:xfrm>
           <a:prstGeom prst="rect">
             <a:avLst/>
@@ -1146,11 +1105,8 @@
             <a:normAutofit/>
           </a:bodyPr>
           <a:p>
-            <a:endParaRPr b="0" lang="en-US" sz="2800" spc="-1" strike="noStrike">
-              <a:solidFill>
-                <a:srgbClr val="000000"/>
-              </a:solidFill>
-              <a:latin typeface="Calibri"/>
+            <a:endParaRPr b="0" lang="el-GR" sz="3200" spc="-1" strike="noStrike">
+              <a:latin typeface="Arial"/>
             </a:endParaRPr>
           </a:p>
         </p:txBody>
@@ -1179,7 +1135,7 @@
       </p:grpSpPr>
       <p:sp>
         <p:nvSpPr>
-          <p:cNvPr id="50" name="PlaceHolder 1"/>
+          <p:cNvPr id="44" name="PlaceHolder 1"/>
           <p:cNvSpPr>
             <a:spLocks noGrp="1"/>
           </p:cNvSpPr>
@@ -1189,8 +1145,8 @@
         </p:nvSpPr>
         <p:spPr>
           <a:xfrm>
-            <a:off x="838080" y="365040"/>
-            <a:ext cx="10515240" cy="1325160"/>
+            <a:off x="609480" y="273600"/>
+            <a:ext cx="10972440" cy="1144800"/>
           </a:xfrm>
           <a:prstGeom prst="rect">
             <a:avLst/>
@@ -1201,18 +1157,16 @@
             <a:noAutofit/>
           </a:bodyPr>
           <a:p>
-            <a:endParaRPr b="0" lang="en-US" sz="1800" spc="-1" strike="noStrike">
-              <a:solidFill>
-                <a:srgbClr val="000000"/>
-              </a:solidFill>
-              <a:latin typeface="Calibri"/>
-            </a:endParaRPr>
-          </a:p>
-        </p:txBody>
-      </p:sp>
-      <p:sp>
-        <p:nvSpPr>
-          <p:cNvPr id="51" name="PlaceHolder 2"/>
+            <a:pPr algn="ctr"/>
+            <a:endParaRPr b="0" lang="el-GR" sz="4400" spc="-1" strike="noStrike">
+              <a:latin typeface="Arial"/>
+            </a:endParaRPr>
+          </a:p>
+        </p:txBody>
+      </p:sp>
+      <p:sp>
+        <p:nvSpPr>
+          <p:cNvPr id="45" name="PlaceHolder 2"/>
           <p:cNvSpPr>
             <a:spLocks noGrp="1"/>
           </p:cNvSpPr>
@@ -1222,8 +1176,8 @@
         </p:nvSpPr>
         <p:spPr>
           <a:xfrm>
-            <a:off x="838080" y="1825560"/>
-            <a:ext cx="5131080" cy="4350960"/>
+            <a:off x="609480" y="1604520"/>
+            <a:ext cx="5354280" cy="3977280"/>
           </a:xfrm>
           <a:prstGeom prst="rect">
             <a:avLst/>
@@ -1234,18 +1188,15 @@
             <a:normAutofit/>
           </a:bodyPr>
           <a:p>
-            <a:endParaRPr b="0" lang="en-US" sz="2800" spc="-1" strike="noStrike">
-              <a:solidFill>
-                <a:srgbClr val="000000"/>
-              </a:solidFill>
-              <a:latin typeface="Calibri"/>
-            </a:endParaRPr>
-          </a:p>
-        </p:txBody>
-      </p:sp>
-      <p:sp>
-        <p:nvSpPr>
-          <p:cNvPr id="52" name="PlaceHolder 3"/>
+            <a:endParaRPr b="0" lang="el-GR" sz="3200" spc="-1" strike="noStrike">
+              <a:latin typeface="Arial"/>
+            </a:endParaRPr>
+          </a:p>
+        </p:txBody>
+      </p:sp>
+      <p:sp>
+        <p:nvSpPr>
+          <p:cNvPr id="46" name="PlaceHolder 3"/>
           <p:cNvSpPr>
             <a:spLocks noGrp="1"/>
           </p:cNvSpPr>
@@ -1255,8 +1206,8 @@
         </p:nvSpPr>
         <p:spPr>
           <a:xfrm>
-            <a:off x="6226200" y="1825560"/>
-            <a:ext cx="5131080" cy="4350960"/>
+            <a:off x="6231960" y="1604520"/>
+            <a:ext cx="5354280" cy="3977280"/>
           </a:xfrm>
           <a:prstGeom prst="rect">
             <a:avLst/>
@@ -1267,11 +1218,8 @@
             <a:normAutofit/>
           </a:bodyPr>
           <a:p>
-            <a:endParaRPr b="0" lang="en-US" sz="2800" spc="-1" strike="noStrike">
-              <a:solidFill>
-                <a:srgbClr val="000000"/>
-              </a:solidFill>
-              <a:latin typeface="Calibri"/>
+            <a:endParaRPr b="0" lang="el-GR" sz="3200" spc="-1" strike="noStrike">
+              <a:latin typeface="Arial"/>
             </a:endParaRPr>
           </a:p>
         </p:txBody>
@@ -1300,7 +1248,7 @@
       </p:grpSpPr>
       <p:sp>
         <p:nvSpPr>
-          <p:cNvPr id="53" name="PlaceHolder 1"/>
+          <p:cNvPr id="47" name="PlaceHolder 1"/>
           <p:cNvSpPr>
             <a:spLocks noGrp="1"/>
           </p:cNvSpPr>
@@ -1310,8 +1258,8 @@
         </p:nvSpPr>
         <p:spPr>
           <a:xfrm>
-            <a:off x="838080" y="365040"/>
-            <a:ext cx="10515240" cy="1325160"/>
+            <a:off x="609480" y="273600"/>
+            <a:ext cx="10972440" cy="1144800"/>
           </a:xfrm>
           <a:prstGeom prst="rect">
             <a:avLst/>
@@ -1322,11 +1270,9 @@
             <a:noAutofit/>
           </a:bodyPr>
           <a:p>
-            <a:endParaRPr b="0" lang="en-US" sz="1800" spc="-1" strike="noStrike">
-              <a:solidFill>
-                <a:srgbClr val="000000"/>
-              </a:solidFill>
-              <a:latin typeface="Calibri"/>
+            <a:pPr algn="ctr"/>
+            <a:endParaRPr b="0" lang="el-GR" sz="4400" spc="-1" strike="noStrike">
+              <a:latin typeface="Arial"/>
             </a:endParaRPr>
           </a:p>
         </p:txBody>
@@ -1355,7 +1301,7 @@
       </p:grpSpPr>
       <p:sp>
         <p:nvSpPr>
-          <p:cNvPr id="54" name="PlaceHolder 1"/>
+          <p:cNvPr id="48" name="PlaceHolder 1"/>
           <p:cNvSpPr>
             <a:spLocks noGrp="1"/>
           </p:cNvSpPr>
@@ -1365,8 +1311,8 @@
         </p:nvSpPr>
         <p:spPr>
           <a:xfrm>
-            <a:off x="838080" y="365040"/>
-            <a:ext cx="10515240" cy="6144120"/>
+            <a:off x="609480" y="273600"/>
+            <a:ext cx="10972440" cy="5307840"/>
           </a:xfrm>
           <a:prstGeom prst="rect">
             <a:avLst/>
@@ -1408,7 +1354,7 @@
       </p:grpSpPr>
       <p:sp>
         <p:nvSpPr>
-          <p:cNvPr id="55" name="PlaceHolder 1"/>
+          <p:cNvPr id="49" name="PlaceHolder 1"/>
           <p:cNvSpPr>
             <a:spLocks noGrp="1"/>
           </p:cNvSpPr>
@@ -1418,8 +1364,8 @@
         </p:nvSpPr>
         <p:spPr>
           <a:xfrm>
-            <a:off x="838080" y="365040"/>
-            <a:ext cx="10515240" cy="1325160"/>
+            <a:off x="609480" y="273600"/>
+            <a:ext cx="10972440" cy="1144800"/>
           </a:xfrm>
           <a:prstGeom prst="rect">
             <a:avLst/>
@@ -1430,18 +1376,16 @@
             <a:noAutofit/>
           </a:bodyPr>
           <a:p>
-            <a:endParaRPr b="0" lang="en-US" sz="1800" spc="-1" strike="noStrike">
-              <a:solidFill>
-                <a:srgbClr val="000000"/>
-              </a:solidFill>
-              <a:latin typeface="Calibri"/>
-            </a:endParaRPr>
-          </a:p>
-        </p:txBody>
-      </p:sp>
-      <p:sp>
-        <p:nvSpPr>
-          <p:cNvPr id="56" name="PlaceHolder 2"/>
+            <a:pPr algn="ctr"/>
+            <a:endParaRPr b="0" lang="el-GR" sz="4400" spc="-1" strike="noStrike">
+              <a:latin typeface="Arial"/>
+            </a:endParaRPr>
+          </a:p>
+        </p:txBody>
+      </p:sp>
+      <p:sp>
+        <p:nvSpPr>
+          <p:cNvPr id="50" name="PlaceHolder 2"/>
           <p:cNvSpPr>
             <a:spLocks noGrp="1"/>
           </p:cNvSpPr>
@@ -1451,8 +1395,8 @@
         </p:nvSpPr>
         <p:spPr>
           <a:xfrm>
-            <a:off x="838080" y="1825560"/>
-            <a:ext cx="5131080" cy="2075040"/>
+            <a:off x="609480" y="1604520"/>
+            <a:ext cx="5354280" cy="1896840"/>
           </a:xfrm>
           <a:prstGeom prst="rect">
             <a:avLst/>
@@ -1463,18 +1407,15 @@
             <a:normAutofit/>
           </a:bodyPr>
           <a:p>
-            <a:endParaRPr b="0" lang="en-US" sz="2800" spc="-1" strike="noStrike">
-              <a:solidFill>
-                <a:srgbClr val="000000"/>
-              </a:solidFill>
-              <a:latin typeface="Calibri"/>
-            </a:endParaRPr>
-          </a:p>
-        </p:txBody>
-      </p:sp>
-      <p:sp>
-        <p:nvSpPr>
-          <p:cNvPr id="57" name="PlaceHolder 3"/>
+            <a:endParaRPr b="0" lang="el-GR" sz="3200" spc="-1" strike="noStrike">
+              <a:latin typeface="Arial"/>
+            </a:endParaRPr>
+          </a:p>
+        </p:txBody>
+      </p:sp>
+      <p:sp>
+        <p:nvSpPr>
+          <p:cNvPr id="51" name="PlaceHolder 3"/>
           <p:cNvSpPr>
             <a:spLocks noGrp="1"/>
           </p:cNvSpPr>
@@ -1484,8 +1425,8 @@
         </p:nvSpPr>
         <p:spPr>
           <a:xfrm>
-            <a:off x="6226200" y="1825560"/>
-            <a:ext cx="5131080" cy="4350960"/>
+            <a:off x="6231960" y="1604520"/>
+            <a:ext cx="5354280" cy="3977280"/>
           </a:xfrm>
           <a:prstGeom prst="rect">
             <a:avLst/>
@@ -1496,18 +1437,15 @@
             <a:normAutofit/>
           </a:bodyPr>
           <a:p>
-            <a:endParaRPr b="0" lang="en-US" sz="2800" spc="-1" strike="noStrike">
-              <a:solidFill>
-                <a:srgbClr val="000000"/>
-              </a:solidFill>
-              <a:latin typeface="Calibri"/>
-            </a:endParaRPr>
-          </a:p>
-        </p:txBody>
-      </p:sp>
-      <p:sp>
-        <p:nvSpPr>
-          <p:cNvPr id="58" name="PlaceHolder 4"/>
+            <a:endParaRPr b="0" lang="el-GR" sz="3200" spc="-1" strike="noStrike">
+              <a:latin typeface="Arial"/>
+            </a:endParaRPr>
+          </a:p>
+        </p:txBody>
+      </p:sp>
+      <p:sp>
+        <p:nvSpPr>
+          <p:cNvPr id="52" name="PlaceHolder 4"/>
           <p:cNvSpPr>
             <a:spLocks noGrp="1"/>
           </p:cNvSpPr>
@@ -1517,8 +1455,8 @@
         </p:nvSpPr>
         <p:spPr>
           <a:xfrm>
-            <a:off x="838080" y="4098240"/>
-            <a:ext cx="5131080" cy="2075040"/>
+            <a:off x="609480" y="3682080"/>
+            <a:ext cx="5354280" cy="1896840"/>
           </a:xfrm>
           <a:prstGeom prst="rect">
             <a:avLst/>
@@ -1529,11 +1467,8 @@
             <a:normAutofit/>
           </a:bodyPr>
           <a:p>
-            <a:endParaRPr b="0" lang="en-US" sz="2800" spc="-1" strike="noStrike">
-              <a:solidFill>
-                <a:srgbClr val="000000"/>
-              </a:solidFill>
-              <a:latin typeface="Calibri"/>
+            <a:endParaRPr b="0" lang="el-GR" sz="3200" spc="-1" strike="noStrike">
+              <a:latin typeface="Arial"/>
             </a:endParaRPr>
           </a:p>
         </p:txBody>
@@ -1562,7 +1497,7 @@
       </p:grpSpPr>
       <p:sp>
         <p:nvSpPr>
-          <p:cNvPr id="5" name="PlaceHolder 1"/>
+          <p:cNvPr id="2" name="PlaceHolder 1"/>
           <p:cNvSpPr>
             <a:spLocks noGrp="1"/>
           </p:cNvSpPr>
@@ -1572,8 +1507,8 @@
         </p:nvSpPr>
         <p:spPr>
           <a:xfrm>
-            <a:off x="838080" y="365040"/>
-            <a:ext cx="10515240" cy="1325160"/>
+            <a:off x="609480" y="273600"/>
+            <a:ext cx="10972440" cy="1144800"/>
           </a:xfrm>
           <a:prstGeom prst="rect">
             <a:avLst/>
@@ -1584,18 +1519,16 @@
             <a:noAutofit/>
           </a:bodyPr>
           <a:p>
-            <a:endParaRPr b="0" lang="en-US" sz="1800" spc="-1" strike="noStrike">
-              <a:solidFill>
-                <a:srgbClr val="000000"/>
-              </a:solidFill>
-              <a:latin typeface="Calibri"/>
-            </a:endParaRPr>
-          </a:p>
-        </p:txBody>
-      </p:sp>
-      <p:sp>
-        <p:nvSpPr>
-          <p:cNvPr id="6" name="PlaceHolder 2"/>
+            <a:pPr algn="ctr"/>
+            <a:endParaRPr b="0" lang="el-GR" sz="4400" spc="-1" strike="noStrike">
+              <a:latin typeface="Arial"/>
+            </a:endParaRPr>
+          </a:p>
+        </p:txBody>
+      </p:sp>
+      <p:sp>
+        <p:nvSpPr>
+          <p:cNvPr id="3" name="PlaceHolder 2"/>
           <p:cNvSpPr>
             <a:spLocks noGrp="1"/>
           </p:cNvSpPr>
@@ -1605,8 +1538,8 @@
         </p:nvSpPr>
         <p:spPr>
           <a:xfrm>
-            <a:off x="838080" y="1825560"/>
-            <a:ext cx="10515240" cy="4350960"/>
+            <a:off x="609480" y="1604520"/>
+            <a:ext cx="10972440" cy="3977280"/>
           </a:xfrm>
           <a:prstGeom prst="rect">
             <a:avLst/>
@@ -1648,7 +1581,7 @@
       </p:grpSpPr>
       <p:sp>
         <p:nvSpPr>
-          <p:cNvPr id="59" name="PlaceHolder 1"/>
+          <p:cNvPr id="53" name="PlaceHolder 1"/>
           <p:cNvSpPr>
             <a:spLocks noGrp="1"/>
           </p:cNvSpPr>
@@ -1658,8 +1591,8 @@
         </p:nvSpPr>
         <p:spPr>
           <a:xfrm>
-            <a:off x="838080" y="365040"/>
-            <a:ext cx="10515240" cy="1325160"/>
+            <a:off x="609480" y="273600"/>
+            <a:ext cx="10972440" cy="1144800"/>
           </a:xfrm>
           <a:prstGeom prst="rect">
             <a:avLst/>
@@ -1670,18 +1603,16 @@
             <a:noAutofit/>
           </a:bodyPr>
           <a:p>
-            <a:endParaRPr b="0" lang="en-US" sz="1800" spc="-1" strike="noStrike">
-              <a:solidFill>
-                <a:srgbClr val="000000"/>
-              </a:solidFill>
-              <a:latin typeface="Calibri"/>
-            </a:endParaRPr>
-          </a:p>
-        </p:txBody>
-      </p:sp>
-      <p:sp>
-        <p:nvSpPr>
-          <p:cNvPr id="60" name="PlaceHolder 2"/>
+            <a:pPr algn="ctr"/>
+            <a:endParaRPr b="0" lang="el-GR" sz="4400" spc="-1" strike="noStrike">
+              <a:latin typeface="Arial"/>
+            </a:endParaRPr>
+          </a:p>
+        </p:txBody>
+      </p:sp>
+      <p:sp>
+        <p:nvSpPr>
+          <p:cNvPr id="54" name="PlaceHolder 2"/>
           <p:cNvSpPr>
             <a:spLocks noGrp="1"/>
           </p:cNvSpPr>
@@ -1691,8 +1622,8 @@
         </p:nvSpPr>
         <p:spPr>
           <a:xfrm>
-            <a:off x="838080" y="1825560"/>
-            <a:ext cx="5131080" cy="4350960"/>
+            <a:off x="609480" y="1604520"/>
+            <a:ext cx="5354280" cy="3977280"/>
           </a:xfrm>
           <a:prstGeom prst="rect">
             <a:avLst/>
@@ -1703,18 +1634,15 @@
             <a:normAutofit/>
           </a:bodyPr>
           <a:p>
-            <a:endParaRPr b="0" lang="en-US" sz="2800" spc="-1" strike="noStrike">
-              <a:solidFill>
-                <a:srgbClr val="000000"/>
-              </a:solidFill>
-              <a:latin typeface="Calibri"/>
-            </a:endParaRPr>
-          </a:p>
-        </p:txBody>
-      </p:sp>
-      <p:sp>
-        <p:nvSpPr>
-          <p:cNvPr id="61" name="PlaceHolder 3"/>
+            <a:endParaRPr b="0" lang="el-GR" sz="3200" spc="-1" strike="noStrike">
+              <a:latin typeface="Arial"/>
+            </a:endParaRPr>
+          </a:p>
+        </p:txBody>
+      </p:sp>
+      <p:sp>
+        <p:nvSpPr>
+          <p:cNvPr id="55" name="PlaceHolder 3"/>
           <p:cNvSpPr>
             <a:spLocks noGrp="1"/>
           </p:cNvSpPr>
@@ -1724,8 +1652,8 @@
         </p:nvSpPr>
         <p:spPr>
           <a:xfrm>
-            <a:off x="6226200" y="1825560"/>
-            <a:ext cx="5131080" cy="2075040"/>
+            <a:off x="6231960" y="1604520"/>
+            <a:ext cx="5354280" cy="1896840"/>
           </a:xfrm>
           <a:prstGeom prst="rect">
             <a:avLst/>
@@ -1736,18 +1664,15 @@
             <a:normAutofit/>
           </a:bodyPr>
           <a:p>
-            <a:endParaRPr b="0" lang="en-US" sz="2800" spc="-1" strike="noStrike">
-              <a:solidFill>
-                <a:srgbClr val="000000"/>
-              </a:solidFill>
-              <a:latin typeface="Calibri"/>
-            </a:endParaRPr>
-          </a:p>
-        </p:txBody>
-      </p:sp>
-      <p:sp>
-        <p:nvSpPr>
-          <p:cNvPr id="62" name="PlaceHolder 4"/>
+            <a:endParaRPr b="0" lang="el-GR" sz="3200" spc="-1" strike="noStrike">
+              <a:latin typeface="Arial"/>
+            </a:endParaRPr>
+          </a:p>
+        </p:txBody>
+      </p:sp>
+      <p:sp>
+        <p:nvSpPr>
+          <p:cNvPr id="56" name="PlaceHolder 4"/>
           <p:cNvSpPr>
             <a:spLocks noGrp="1"/>
           </p:cNvSpPr>
@@ -1757,8 +1682,8 @@
         </p:nvSpPr>
         <p:spPr>
           <a:xfrm>
-            <a:off x="6226200" y="4098240"/>
-            <a:ext cx="5131080" cy="2075040"/>
+            <a:off x="6231960" y="3682080"/>
+            <a:ext cx="5354280" cy="1896840"/>
           </a:xfrm>
           <a:prstGeom prst="rect">
             <a:avLst/>
@@ -1769,11 +1694,8 @@
             <a:normAutofit/>
           </a:bodyPr>
           <a:p>
-            <a:endParaRPr b="0" lang="en-US" sz="2800" spc="-1" strike="noStrike">
-              <a:solidFill>
-                <a:srgbClr val="000000"/>
-              </a:solidFill>
-              <a:latin typeface="Calibri"/>
+            <a:endParaRPr b="0" lang="el-GR" sz="3200" spc="-1" strike="noStrike">
+              <a:latin typeface="Arial"/>
             </a:endParaRPr>
           </a:p>
         </p:txBody>
@@ -1802,7 +1724,7 @@
       </p:grpSpPr>
       <p:sp>
         <p:nvSpPr>
-          <p:cNvPr id="63" name="PlaceHolder 1"/>
+          <p:cNvPr id="57" name="PlaceHolder 1"/>
           <p:cNvSpPr>
             <a:spLocks noGrp="1"/>
           </p:cNvSpPr>
@@ -1812,8 +1734,8 @@
         </p:nvSpPr>
         <p:spPr>
           <a:xfrm>
-            <a:off x="838080" y="365040"/>
-            <a:ext cx="10515240" cy="1325160"/>
+            <a:off x="609480" y="273600"/>
+            <a:ext cx="10972440" cy="1144800"/>
           </a:xfrm>
           <a:prstGeom prst="rect">
             <a:avLst/>
@@ -1824,18 +1746,16 @@
             <a:noAutofit/>
           </a:bodyPr>
           <a:p>
-            <a:endParaRPr b="0" lang="en-US" sz="1800" spc="-1" strike="noStrike">
-              <a:solidFill>
-                <a:srgbClr val="000000"/>
-              </a:solidFill>
-              <a:latin typeface="Calibri"/>
-            </a:endParaRPr>
-          </a:p>
-        </p:txBody>
-      </p:sp>
-      <p:sp>
-        <p:nvSpPr>
-          <p:cNvPr id="64" name="PlaceHolder 2"/>
+            <a:pPr algn="ctr"/>
+            <a:endParaRPr b="0" lang="el-GR" sz="4400" spc="-1" strike="noStrike">
+              <a:latin typeface="Arial"/>
+            </a:endParaRPr>
+          </a:p>
+        </p:txBody>
+      </p:sp>
+      <p:sp>
+        <p:nvSpPr>
+          <p:cNvPr id="58" name="PlaceHolder 2"/>
           <p:cNvSpPr>
             <a:spLocks noGrp="1"/>
           </p:cNvSpPr>
@@ -1845,8 +1765,8 @@
         </p:nvSpPr>
         <p:spPr>
           <a:xfrm>
-            <a:off x="838080" y="1825560"/>
-            <a:ext cx="5131080" cy="2075040"/>
+            <a:off x="609480" y="1604520"/>
+            <a:ext cx="5354280" cy="1896840"/>
           </a:xfrm>
           <a:prstGeom prst="rect">
             <a:avLst/>
@@ -1857,18 +1777,15 @@
             <a:normAutofit/>
           </a:bodyPr>
           <a:p>
-            <a:endParaRPr b="0" lang="en-US" sz="2800" spc="-1" strike="noStrike">
-              <a:solidFill>
-                <a:srgbClr val="000000"/>
-              </a:solidFill>
-              <a:latin typeface="Calibri"/>
-            </a:endParaRPr>
-          </a:p>
-        </p:txBody>
-      </p:sp>
-      <p:sp>
-        <p:nvSpPr>
-          <p:cNvPr id="65" name="PlaceHolder 3"/>
+            <a:endParaRPr b="0" lang="el-GR" sz="3200" spc="-1" strike="noStrike">
+              <a:latin typeface="Arial"/>
+            </a:endParaRPr>
+          </a:p>
+        </p:txBody>
+      </p:sp>
+      <p:sp>
+        <p:nvSpPr>
+          <p:cNvPr id="59" name="PlaceHolder 3"/>
           <p:cNvSpPr>
             <a:spLocks noGrp="1"/>
           </p:cNvSpPr>
@@ -1878,8 +1795,8 @@
         </p:nvSpPr>
         <p:spPr>
           <a:xfrm>
-            <a:off x="6226200" y="1825560"/>
-            <a:ext cx="5131080" cy="2075040"/>
+            <a:off x="6231960" y="1604520"/>
+            <a:ext cx="5354280" cy="1896840"/>
           </a:xfrm>
           <a:prstGeom prst="rect">
             <a:avLst/>
@@ -1890,18 +1807,15 @@
             <a:normAutofit/>
           </a:bodyPr>
           <a:p>
-            <a:endParaRPr b="0" lang="en-US" sz="2800" spc="-1" strike="noStrike">
-              <a:solidFill>
-                <a:srgbClr val="000000"/>
-              </a:solidFill>
-              <a:latin typeface="Calibri"/>
-            </a:endParaRPr>
-          </a:p>
-        </p:txBody>
-      </p:sp>
-      <p:sp>
-        <p:nvSpPr>
-          <p:cNvPr id="66" name="PlaceHolder 4"/>
+            <a:endParaRPr b="0" lang="el-GR" sz="3200" spc="-1" strike="noStrike">
+              <a:latin typeface="Arial"/>
+            </a:endParaRPr>
+          </a:p>
+        </p:txBody>
+      </p:sp>
+      <p:sp>
+        <p:nvSpPr>
+          <p:cNvPr id="60" name="PlaceHolder 4"/>
           <p:cNvSpPr>
             <a:spLocks noGrp="1"/>
           </p:cNvSpPr>
@@ -1911,8 +1825,8 @@
         </p:nvSpPr>
         <p:spPr>
           <a:xfrm>
-            <a:off x="838080" y="4098240"/>
-            <a:ext cx="10515240" cy="2075040"/>
+            <a:off x="609480" y="3682080"/>
+            <a:ext cx="10972440" cy="1896840"/>
           </a:xfrm>
           <a:prstGeom prst="rect">
             <a:avLst/>
@@ -1923,11 +1837,8 @@
             <a:normAutofit/>
           </a:bodyPr>
           <a:p>
-            <a:endParaRPr b="0" lang="en-US" sz="2800" spc="-1" strike="noStrike">
-              <a:solidFill>
-                <a:srgbClr val="000000"/>
-              </a:solidFill>
-              <a:latin typeface="Calibri"/>
+            <a:endParaRPr b="0" lang="el-GR" sz="3200" spc="-1" strike="noStrike">
+              <a:latin typeface="Arial"/>
             </a:endParaRPr>
           </a:p>
         </p:txBody>
@@ -1956,7 +1867,7 @@
       </p:grpSpPr>
       <p:sp>
         <p:nvSpPr>
-          <p:cNvPr id="67" name="PlaceHolder 1"/>
+          <p:cNvPr id="61" name="PlaceHolder 1"/>
           <p:cNvSpPr>
             <a:spLocks noGrp="1"/>
           </p:cNvSpPr>
@@ -1966,8 +1877,8 @@
         </p:nvSpPr>
         <p:spPr>
           <a:xfrm>
-            <a:off x="838080" y="365040"/>
-            <a:ext cx="10515240" cy="1325160"/>
+            <a:off x="609480" y="273600"/>
+            <a:ext cx="10972440" cy="1144800"/>
           </a:xfrm>
           <a:prstGeom prst="rect">
             <a:avLst/>
@@ -1978,18 +1889,16 @@
             <a:noAutofit/>
           </a:bodyPr>
           <a:p>
-            <a:endParaRPr b="0" lang="en-US" sz="1800" spc="-1" strike="noStrike">
-              <a:solidFill>
-                <a:srgbClr val="000000"/>
-              </a:solidFill>
-              <a:latin typeface="Calibri"/>
-            </a:endParaRPr>
-          </a:p>
-        </p:txBody>
-      </p:sp>
-      <p:sp>
-        <p:nvSpPr>
-          <p:cNvPr id="68" name="PlaceHolder 2"/>
+            <a:pPr algn="ctr"/>
+            <a:endParaRPr b="0" lang="el-GR" sz="4400" spc="-1" strike="noStrike">
+              <a:latin typeface="Arial"/>
+            </a:endParaRPr>
+          </a:p>
+        </p:txBody>
+      </p:sp>
+      <p:sp>
+        <p:nvSpPr>
+          <p:cNvPr id="62" name="PlaceHolder 2"/>
           <p:cNvSpPr>
             <a:spLocks noGrp="1"/>
           </p:cNvSpPr>
@@ -1999,8 +1908,8 @@
         </p:nvSpPr>
         <p:spPr>
           <a:xfrm>
-            <a:off x="838080" y="1825560"/>
-            <a:ext cx="10515240" cy="2075040"/>
+            <a:off x="609480" y="1604520"/>
+            <a:ext cx="10972440" cy="1896840"/>
           </a:xfrm>
           <a:prstGeom prst="rect">
             <a:avLst/>
@@ -2011,18 +1920,15 @@
             <a:normAutofit/>
           </a:bodyPr>
           <a:p>
-            <a:endParaRPr b="0" lang="en-US" sz="2800" spc="-1" strike="noStrike">
-              <a:solidFill>
-                <a:srgbClr val="000000"/>
-              </a:solidFill>
-              <a:latin typeface="Calibri"/>
-            </a:endParaRPr>
-          </a:p>
-        </p:txBody>
-      </p:sp>
-      <p:sp>
-        <p:nvSpPr>
-          <p:cNvPr id="69" name="PlaceHolder 3"/>
+            <a:endParaRPr b="0" lang="el-GR" sz="3200" spc="-1" strike="noStrike">
+              <a:latin typeface="Arial"/>
+            </a:endParaRPr>
+          </a:p>
+        </p:txBody>
+      </p:sp>
+      <p:sp>
+        <p:nvSpPr>
+          <p:cNvPr id="63" name="PlaceHolder 3"/>
           <p:cNvSpPr>
             <a:spLocks noGrp="1"/>
           </p:cNvSpPr>
@@ -2032,8 +1938,8 @@
         </p:nvSpPr>
         <p:spPr>
           <a:xfrm>
-            <a:off x="838080" y="4098240"/>
-            <a:ext cx="10515240" cy="2075040"/>
+            <a:off x="609480" y="3682080"/>
+            <a:ext cx="10972440" cy="1896840"/>
           </a:xfrm>
           <a:prstGeom prst="rect">
             <a:avLst/>
@@ -2044,11 +1950,8 @@
             <a:normAutofit/>
           </a:bodyPr>
           <a:p>
-            <a:endParaRPr b="0" lang="en-US" sz="2800" spc="-1" strike="noStrike">
-              <a:solidFill>
-                <a:srgbClr val="000000"/>
-              </a:solidFill>
-              <a:latin typeface="Calibri"/>
+            <a:endParaRPr b="0" lang="el-GR" sz="3200" spc="-1" strike="noStrike">
+              <a:latin typeface="Arial"/>
             </a:endParaRPr>
           </a:p>
         </p:txBody>
@@ -2077,7 +1980,7 @@
       </p:grpSpPr>
       <p:sp>
         <p:nvSpPr>
-          <p:cNvPr id="70" name="PlaceHolder 1"/>
+          <p:cNvPr id="64" name="PlaceHolder 1"/>
           <p:cNvSpPr>
             <a:spLocks noGrp="1"/>
           </p:cNvSpPr>
@@ -2087,8 +1990,8 @@
         </p:nvSpPr>
         <p:spPr>
           <a:xfrm>
-            <a:off x="838080" y="365040"/>
-            <a:ext cx="10515240" cy="1325160"/>
+            <a:off x="609480" y="273600"/>
+            <a:ext cx="10972440" cy="1144800"/>
           </a:xfrm>
           <a:prstGeom prst="rect">
             <a:avLst/>
@@ -2099,18 +2002,16 @@
             <a:noAutofit/>
           </a:bodyPr>
           <a:p>
-            <a:endParaRPr b="0" lang="en-US" sz="1800" spc="-1" strike="noStrike">
-              <a:solidFill>
-                <a:srgbClr val="000000"/>
-              </a:solidFill>
-              <a:latin typeface="Calibri"/>
-            </a:endParaRPr>
-          </a:p>
-        </p:txBody>
-      </p:sp>
-      <p:sp>
-        <p:nvSpPr>
-          <p:cNvPr id="71" name="PlaceHolder 2"/>
+            <a:pPr algn="ctr"/>
+            <a:endParaRPr b="0" lang="el-GR" sz="4400" spc="-1" strike="noStrike">
+              <a:latin typeface="Arial"/>
+            </a:endParaRPr>
+          </a:p>
+        </p:txBody>
+      </p:sp>
+      <p:sp>
+        <p:nvSpPr>
+          <p:cNvPr id="65" name="PlaceHolder 2"/>
           <p:cNvSpPr>
             <a:spLocks noGrp="1"/>
           </p:cNvSpPr>
@@ -2120,8 +2021,8 @@
         </p:nvSpPr>
         <p:spPr>
           <a:xfrm>
-            <a:off x="838080" y="1825560"/>
-            <a:ext cx="5131080" cy="2075040"/>
+            <a:off x="609480" y="1604520"/>
+            <a:ext cx="5354280" cy="1896840"/>
           </a:xfrm>
           <a:prstGeom prst="rect">
             <a:avLst/>
@@ -2132,18 +2033,15 @@
             <a:normAutofit/>
           </a:bodyPr>
           <a:p>
-            <a:endParaRPr b="0" lang="en-US" sz="2800" spc="-1" strike="noStrike">
-              <a:solidFill>
-                <a:srgbClr val="000000"/>
-              </a:solidFill>
-              <a:latin typeface="Calibri"/>
-            </a:endParaRPr>
-          </a:p>
-        </p:txBody>
-      </p:sp>
-      <p:sp>
-        <p:nvSpPr>
-          <p:cNvPr id="72" name="PlaceHolder 3"/>
+            <a:endParaRPr b="0" lang="el-GR" sz="3200" spc="-1" strike="noStrike">
+              <a:latin typeface="Arial"/>
+            </a:endParaRPr>
+          </a:p>
+        </p:txBody>
+      </p:sp>
+      <p:sp>
+        <p:nvSpPr>
+          <p:cNvPr id="66" name="PlaceHolder 3"/>
           <p:cNvSpPr>
             <a:spLocks noGrp="1"/>
           </p:cNvSpPr>
@@ -2153,8 +2051,8 @@
         </p:nvSpPr>
         <p:spPr>
           <a:xfrm>
-            <a:off x="6226200" y="1825560"/>
-            <a:ext cx="5131080" cy="2075040"/>
+            <a:off x="6231960" y="1604520"/>
+            <a:ext cx="5354280" cy="1896840"/>
           </a:xfrm>
           <a:prstGeom prst="rect">
             <a:avLst/>
@@ -2165,18 +2063,15 @@
             <a:normAutofit/>
           </a:bodyPr>
           <a:p>
-            <a:endParaRPr b="0" lang="en-US" sz="2800" spc="-1" strike="noStrike">
-              <a:solidFill>
-                <a:srgbClr val="000000"/>
-              </a:solidFill>
-              <a:latin typeface="Calibri"/>
-            </a:endParaRPr>
-          </a:p>
-        </p:txBody>
-      </p:sp>
-      <p:sp>
-        <p:nvSpPr>
-          <p:cNvPr id="73" name="PlaceHolder 4"/>
+            <a:endParaRPr b="0" lang="el-GR" sz="3200" spc="-1" strike="noStrike">
+              <a:latin typeface="Arial"/>
+            </a:endParaRPr>
+          </a:p>
+        </p:txBody>
+      </p:sp>
+      <p:sp>
+        <p:nvSpPr>
+          <p:cNvPr id="67" name="PlaceHolder 4"/>
           <p:cNvSpPr>
             <a:spLocks noGrp="1"/>
           </p:cNvSpPr>
@@ -2186,8 +2081,8 @@
         </p:nvSpPr>
         <p:spPr>
           <a:xfrm>
-            <a:off x="838080" y="4098240"/>
-            <a:ext cx="5131080" cy="2075040"/>
+            <a:off x="609480" y="3682080"/>
+            <a:ext cx="5354280" cy="1896840"/>
           </a:xfrm>
           <a:prstGeom prst="rect">
             <a:avLst/>
@@ -2198,18 +2093,15 @@
             <a:normAutofit/>
           </a:bodyPr>
           <a:p>
-            <a:endParaRPr b="0" lang="en-US" sz="2800" spc="-1" strike="noStrike">
-              <a:solidFill>
-                <a:srgbClr val="000000"/>
-              </a:solidFill>
-              <a:latin typeface="Calibri"/>
-            </a:endParaRPr>
-          </a:p>
-        </p:txBody>
-      </p:sp>
-      <p:sp>
-        <p:nvSpPr>
-          <p:cNvPr id="74" name="PlaceHolder 5"/>
+            <a:endParaRPr b="0" lang="el-GR" sz="3200" spc="-1" strike="noStrike">
+              <a:latin typeface="Arial"/>
+            </a:endParaRPr>
+          </a:p>
+        </p:txBody>
+      </p:sp>
+      <p:sp>
+        <p:nvSpPr>
+          <p:cNvPr id="68" name="PlaceHolder 5"/>
           <p:cNvSpPr>
             <a:spLocks noGrp="1"/>
           </p:cNvSpPr>
@@ -2219,8 +2111,8 @@
         </p:nvSpPr>
         <p:spPr>
           <a:xfrm>
-            <a:off x="6226200" y="4098240"/>
-            <a:ext cx="5131080" cy="2075040"/>
+            <a:off x="6231960" y="3682080"/>
+            <a:ext cx="5354280" cy="1896840"/>
           </a:xfrm>
           <a:prstGeom prst="rect">
             <a:avLst/>
@@ -2231,11 +2123,8 @@
             <a:normAutofit/>
           </a:bodyPr>
           <a:p>
-            <a:endParaRPr b="0" lang="en-US" sz="2800" spc="-1" strike="noStrike">
-              <a:solidFill>
-                <a:srgbClr val="000000"/>
-              </a:solidFill>
-              <a:latin typeface="Calibri"/>
+            <a:endParaRPr b="0" lang="el-GR" sz="3200" spc="-1" strike="noStrike">
+              <a:latin typeface="Arial"/>
             </a:endParaRPr>
           </a:p>
         </p:txBody>
@@ -2264,7 +2153,7 @@
       </p:grpSpPr>
       <p:sp>
         <p:nvSpPr>
-          <p:cNvPr id="75" name="PlaceHolder 1"/>
+          <p:cNvPr id="69" name="PlaceHolder 1"/>
           <p:cNvSpPr>
             <a:spLocks noGrp="1"/>
           </p:cNvSpPr>
@@ -2274,8 +2163,8 @@
         </p:nvSpPr>
         <p:spPr>
           <a:xfrm>
-            <a:off x="838080" y="365040"/>
-            <a:ext cx="10515240" cy="1325160"/>
+            <a:off x="609480" y="273600"/>
+            <a:ext cx="10972440" cy="1144800"/>
           </a:xfrm>
           <a:prstGeom prst="rect">
             <a:avLst/>
@@ -2286,18 +2175,16 @@
             <a:noAutofit/>
           </a:bodyPr>
           <a:p>
-            <a:endParaRPr b="0" lang="en-US" sz="1800" spc="-1" strike="noStrike">
-              <a:solidFill>
-                <a:srgbClr val="000000"/>
-              </a:solidFill>
-              <a:latin typeface="Calibri"/>
-            </a:endParaRPr>
-          </a:p>
-        </p:txBody>
-      </p:sp>
-      <p:sp>
-        <p:nvSpPr>
-          <p:cNvPr id="76" name="PlaceHolder 2"/>
+            <a:pPr algn="ctr"/>
+            <a:endParaRPr b="0" lang="el-GR" sz="4400" spc="-1" strike="noStrike">
+              <a:latin typeface="Arial"/>
+            </a:endParaRPr>
+          </a:p>
+        </p:txBody>
+      </p:sp>
+      <p:sp>
+        <p:nvSpPr>
+          <p:cNvPr id="70" name="PlaceHolder 2"/>
           <p:cNvSpPr>
             <a:spLocks noGrp="1"/>
           </p:cNvSpPr>
@@ -2307,8 +2194,8 @@
         </p:nvSpPr>
         <p:spPr>
           <a:xfrm>
-            <a:off x="838080" y="1825560"/>
-            <a:ext cx="3385800" cy="2075040"/>
+            <a:off x="609480" y="1604520"/>
+            <a:ext cx="3533040" cy="1896840"/>
           </a:xfrm>
           <a:prstGeom prst="rect">
             <a:avLst/>
@@ -2319,18 +2206,15 @@
             <a:normAutofit/>
           </a:bodyPr>
           <a:p>
-            <a:endParaRPr b="0" lang="en-US" sz="2800" spc="-1" strike="noStrike">
-              <a:solidFill>
-                <a:srgbClr val="000000"/>
-              </a:solidFill>
-              <a:latin typeface="Calibri"/>
-            </a:endParaRPr>
-          </a:p>
-        </p:txBody>
-      </p:sp>
-      <p:sp>
-        <p:nvSpPr>
-          <p:cNvPr id="77" name="PlaceHolder 3"/>
+            <a:endParaRPr b="0" lang="el-GR" sz="3200" spc="-1" strike="noStrike">
+              <a:latin typeface="Arial"/>
+            </a:endParaRPr>
+          </a:p>
+        </p:txBody>
+      </p:sp>
+      <p:sp>
+        <p:nvSpPr>
+          <p:cNvPr id="71" name="PlaceHolder 3"/>
           <p:cNvSpPr>
             <a:spLocks noGrp="1"/>
           </p:cNvSpPr>
@@ -2340,8 +2224,8 @@
         </p:nvSpPr>
         <p:spPr>
           <a:xfrm>
-            <a:off x="4393440" y="1825560"/>
-            <a:ext cx="3385800" cy="2075040"/>
+            <a:off x="4319640" y="1604520"/>
+            <a:ext cx="3533040" cy="1896840"/>
           </a:xfrm>
           <a:prstGeom prst="rect">
             <a:avLst/>
@@ -2352,18 +2236,15 @@
             <a:normAutofit/>
           </a:bodyPr>
           <a:p>
-            <a:endParaRPr b="0" lang="en-US" sz="2800" spc="-1" strike="noStrike">
-              <a:solidFill>
-                <a:srgbClr val="000000"/>
-              </a:solidFill>
-              <a:latin typeface="Calibri"/>
-            </a:endParaRPr>
-          </a:p>
-        </p:txBody>
-      </p:sp>
-      <p:sp>
-        <p:nvSpPr>
-          <p:cNvPr id="78" name="PlaceHolder 4"/>
+            <a:endParaRPr b="0" lang="el-GR" sz="3200" spc="-1" strike="noStrike">
+              <a:latin typeface="Arial"/>
+            </a:endParaRPr>
+          </a:p>
+        </p:txBody>
+      </p:sp>
+      <p:sp>
+        <p:nvSpPr>
+          <p:cNvPr id="72" name="PlaceHolder 4"/>
           <p:cNvSpPr>
             <a:spLocks noGrp="1"/>
           </p:cNvSpPr>
@@ -2373,8 +2254,8 @@
         </p:nvSpPr>
         <p:spPr>
           <a:xfrm>
-            <a:off x="7949160" y="1825560"/>
-            <a:ext cx="3385800" cy="2075040"/>
+            <a:off x="8029800" y="1604520"/>
+            <a:ext cx="3533040" cy="1896840"/>
           </a:xfrm>
           <a:prstGeom prst="rect">
             <a:avLst/>
@@ -2385,18 +2266,15 @@
             <a:normAutofit/>
           </a:bodyPr>
           <a:p>
-            <a:endParaRPr b="0" lang="en-US" sz="2800" spc="-1" strike="noStrike">
-              <a:solidFill>
-                <a:srgbClr val="000000"/>
-              </a:solidFill>
-              <a:latin typeface="Calibri"/>
-            </a:endParaRPr>
-          </a:p>
-        </p:txBody>
-      </p:sp>
-      <p:sp>
-        <p:nvSpPr>
-          <p:cNvPr id="79" name="PlaceHolder 5"/>
+            <a:endParaRPr b="0" lang="el-GR" sz="3200" spc="-1" strike="noStrike">
+              <a:latin typeface="Arial"/>
+            </a:endParaRPr>
+          </a:p>
+        </p:txBody>
+      </p:sp>
+      <p:sp>
+        <p:nvSpPr>
+          <p:cNvPr id="73" name="PlaceHolder 5"/>
           <p:cNvSpPr>
             <a:spLocks noGrp="1"/>
           </p:cNvSpPr>
@@ -2406,8 +2284,8 @@
         </p:nvSpPr>
         <p:spPr>
           <a:xfrm>
-            <a:off x="838080" y="4098240"/>
-            <a:ext cx="3385800" cy="2075040"/>
+            <a:off x="609480" y="3682080"/>
+            <a:ext cx="3533040" cy="1896840"/>
           </a:xfrm>
           <a:prstGeom prst="rect">
             <a:avLst/>
@@ -2418,18 +2296,15 @@
             <a:normAutofit/>
           </a:bodyPr>
           <a:p>
-            <a:endParaRPr b="0" lang="en-US" sz="2800" spc="-1" strike="noStrike">
-              <a:solidFill>
-                <a:srgbClr val="000000"/>
-              </a:solidFill>
-              <a:latin typeface="Calibri"/>
-            </a:endParaRPr>
-          </a:p>
-        </p:txBody>
-      </p:sp>
-      <p:sp>
-        <p:nvSpPr>
-          <p:cNvPr id="80" name="PlaceHolder 6"/>
+            <a:endParaRPr b="0" lang="el-GR" sz="3200" spc="-1" strike="noStrike">
+              <a:latin typeface="Arial"/>
+            </a:endParaRPr>
+          </a:p>
+        </p:txBody>
+      </p:sp>
+      <p:sp>
+        <p:nvSpPr>
+          <p:cNvPr id="74" name="PlaceHolder 6"/>
           <p:cNvSpPr>
             <a:spLocks noGrp="1"/>
           </p:cNvSpPr>
@@ -2439,8 +2314,8 @@
         </p:nvSpPr>
         <p:spPr>
           <a:xfrm>
-            <a:off x="4393440" y="4098240"/>
-            <a:ext cx="3385800" cy="2075040"/>
+            <a:off x="4319640" y="3682080"/>
+            <a:ext cx="3533040" cy="1896840"/>
           </a:xfrm>
           <a:prstGeom prst="rect">
             <a:avLst/>
@@ -2451,18 +2326,15 @@
             <a:normAutofit/>
           </a:bodyPr>
           <a:p>
-            <a:endParaRPr b="0" lang="en-US" sz="2800" spc="-1" strike="noStrike">
-              <a:solidFill>
-                <a:srgbClr val="000000"/>
-              </a:solidFill>
-              <a:latin typeface="Calibri"/>
-            </a:endParaRPr>
-          </a:p>
-        </p:txBody>
-      </p:sp>
-      <p:sp>
-        <p:nvSpPr>
-          <p:cNvPr id="81" name="PlaceHolder 7"/>
+            <a:endParaRPr b="0" lang="el-GR" sz="3200" spc="-1" strike="noStrike">
+              <a:latin typeface="Arial"/>
+            </a:endParaRPr>
+          </a:p>
+        </p:txBody>
+      </p:sp>
+      <p:sp>
+        <p:nvSpPr>
+          <p:cNvPr id="75" name="PlaceHolder 7"/>
           <p:cNvSpPr>
             <a:spLocks noGrp="1"/>
           </p:cNvSpPr>
@@ -2472,8 +2344,8 @@
         </p:nvSpPr>
         <p:spPr>
           <a:xfrm>
-            <a:off x="7949160" y="4098240"/>
-            <a:ext cx="3385800" cy="2075040"/>
+            <a:off x="8029800" y="3682080"/>
+            <a:ext cx="3533040" cy="1896840"/>
           </a:xfrm>
           <a:prstGeom prst="rect">
             <a:avLst/>
@@ -2484,383 +2356,8 @@
             <a:normAutofit/>
           </a:bodyPr>
           <a:p>
-            <a:endParaRPr b="0" lang="en-US" sz="2800" spc="-1" strike="noStrike">
-              <a:solidFill>
-                <a:srgbClr val="000000"/>
-              </a:solidFill>
-              <a:latin typeface="Calibri"/>
-            </a:endParaRPr>
-          </a:p>
-        </p:txBody>
-      </p:sp>
-    </p:spTree>
-  </p:cSld>
-</p:sldLayout>
-</file>
-
-<file path=ppt/slideLayouts/slideLayout25.xml><?xml version="1.0" encoding="utf-8"?>
-<p:sldLayout xmlns:a="http://schemas.openxmlformats.org/drawingml/2006/main" xmlns:p="http://schemas.openxmlformats.org/presentationml/2006/main" xmlns:r="http://schemas.openxmlformats.org/officeDocument/2006/relationships" xmlns:p14="http://schemas.microsoft.com/office/powerpoint/2010/main" xmlns:p15="http://schemas.microsoft.com/office/powerpoint/2012/main" xmlns:mc="http://schemas.openxmlformats.org/markup-compatibility/2006" type="blank" preserve="1">
-  <p:cSld name="Blank Slide">
-    <p:spTree>
-      <p:nvGrpSpPr>
-        <p:cNvPr id="1" name=""/>
-        <p:cNvGrpSpPr/>
-        <p:nvPr/>
-      </p:nvGrpSpPr>
-      <p:grpSpPr>
-        <a:xfrm>
-          <a:off x="0" y="0"/>
-          <a:ext cx="0" cy="0"/>
-          <a:chOff x="0" y="0"/>
-          <a:chExt cx="0" cy="0"/>
-        </a:xfrm>
-      </p:grpSpPr>
-    </p:spTree>
-  </p:cSld>
-</p:sldLayout>
-</file>
-
-<file path=ppt/slideLayouts/slideLayout26.xml><?xml version="1.0" encoding="utf-8"?>
-<p:sldLayout xmlns:a="http://schemas.openxmlformats.org/drawingml/2006/main" xmlns:p="http://schemas.openxmlformats.org/presentationml/2006/main" xmlns:r="http://schemas.openxmlformats.org/officeDocument/2006/relationships" xmlns:p14="http://schemas.microsoft.com/office/powerpoint/2010/main" xmlns:p15="http://schemas.microsoft.com/office/powerpoint/2012/main" xmlns:mc="http://schemas.openxmlformats.org/markup-compatibility/2006" type="tx" preserve="1">
-  <p:cSld name="Title Slide">
-    <p:spTree>
-      <p:nvGrpSpPr>
-        <p:cNvPr id="1" name=""/>
-        <p:cNvGrpSpPr/>
-        <p:nvPr/>
-      </p:nvGrpSpPr>
-      <p:grpSpPr>
-        <a:xfrm>
-          <a:off x="0" y="0"/>
-          <a:ext cx="0" cy="0"/>
-          <a:chOff x="0" y="0"/>
-          <a:chExt cx="0" cy="0"/>
-        </a:xfrm>
-      </p:grpSpPr>
-      <p:sp>
-        <p:nvSpPr>
-          <p:cNvPr id="84" name="PlaceHolder 1"/>
-          <p:cNvSpPr>
-            <a:spLocks noGrp="1"/>
-          </p:cNvSpPr>
-          <p:nvPr>
-            <p:ph type="title"/>
-          </p:nvPr>
-        </p:nvSpPr>
-        <p:spPr>
-          <a:xfrm>
-            <a:off x="838080" y="365040"/>
-            <a:ext cx="10515240" cy="1325160"/>
-          </a:xfrm>
-          <a:prstGeom prst="rect">
-            <a:avLst/>
-          </a:prstGeom>
-        </p:spPr>
-        <p:txBody>
-          <a:bodyPr lIns="0" rIns="0" tIns="0" bIns="0" anchor="ctr">
-            <a:noAutofit/>
-          </a:bodyPr>
-          <a:p>
-            <a:endParaRPr b="0" lang="en-US" sz="1800" spc="-1" strike="noStrike">
-              <a:solidFill>
-                <a:srgbClr val="000000"/>
-              </a:solidFill>
-              <a:latin typeface="Calibri"/>
-            </a:endParaRPr>
-          </a:p>
-        </p:txBody>
-      </p:sp>
-      <p:sp>
-        <p:nvSpPr>
-          <p:cNvPr id="85" name="PlaceHolder 2"/>
-          <p:cNvSpPr>
-            <a:spLocks noGrp="1"/>
-          </p:cNvSpPr>
-          <p:nvPr>
-            <p:ph type="subTitle"/>
-          </p:nvPr>
-        </p:nvSpPr>
-        <p:spPr>
-          <a:xfrm>
-            <a:off x="838080" y="1825560"/>
-            <a:ext cx="10515240" cy="4350960"/>
-          </a:xfrm>
-          <a:prstGeom prst="rect">
-            <a:avLst/>
-          </a:prstGeom>
-        </p:spPr>
-        <p:txBody>
-          <a:bodyPr lIns="0" rIns="0" tIns="0" bIns="0" anchor="ctr">
-            <a:noAutofit/>
-          </a:bodyPr>
-          <a:p>
-            <a:pPr algn="ctr"/>
             <a:endParaRPr b="0" lang="el-GR" sz="3200" spc="-1" strike="noStrike">
               <a:latin typeface="Arial"/>
-            </a:endParaRPr>
-          </a:p>
-        </p:txBody>
-      </p:sp>
-    </p:spTree>
-  </p:cSld>
-</p:sldLayout>
-</file>
-
-<file path=ppt/slideLayouts/slideLayout27.xml><?xml version="1.0" encoding="utf-8"?>
-<p:sldLayout xmlns:a="http://schemas.openxmlformats.org/drawingml/2006/main" xmlns:p="http://schemas.openxmlformats.org/presentationml/2006/main" xmlns:r="http://schemas.openxmlformats.org/officeDocument/2006/relationships" xmlns:p14="http://schemas.microsoft.com/office/powerpoint/2010/main" xmlns:p15="http://schemas.microsoft.com/office/powerpoint/2012/main" xmlns:mc="http://schemas.openxmlformats.org/markup-compatibility/2006" type="obj" preserve="1">
-  <p:cSld name="Title, Content">
-    <p:spTree>
-      <p:nvGrpSpPr>
-        <p:cNvPr id="1" name=""/>
-        <p:cNvGrpSpPr/>
-        <p:nvPr/>
-      </p:nvGrpSpPr>
-      <p:grpSpPr>
-        <a:xfrm>
-          <a:off x="0" y="0"/>
-          <a:ext cx="0" cy="0"/>
-          <a:chOff x="0" y="0"/>
-          <a:chExt cx="0" cy="0"/>
-        </a:xfrm>
-      </p:grpSpPr>
-      <p:sp>
-        <p:nvSpPr>
-          <p:cNvPr id="86" name="PlaceHolder 1"/>
-          <p:cNvSpPr>
-            <a:spLocks noGrp="1"/>
-          </p:cNvSpPr>
-          <p:nvPr>
-            <p:ph type="title"/>
-          </p:nvPr>
-        </p:nvSpPr>
-        <p:spPr>
-          <a:xfrm>
-            <a:off x="838080" y="365040"/>
-            <a:ext cx="10515240" cy="1325160"/>
-          </a:xfrm>
-          <a:prstGeom prst="rect">
-            <a:avLst/>
-          </a:prstGeom>
-        </p:spPr>
-        <p:txBody>
-          <a:bodyPr lIns="0" rIns="0" tIns="0" bIns="0" anchor="ctr">
-            <a:noAutofit/>
-          </a:bodyPr>
-          <a:p>
-            <a:endParaRPr b="0" lang="en-US" sz="1800" spc="-1" strike="noStrike">
-              <a:solidFill>
-                <a:srgbClr val="000000"/>
-              </a:solidFill>
-              <a:latin typeface="Calibri"/>
-            </a:endParaRPr>
-          </a:p>
-        </p:txBody>
-      </p:sp>
-      <p:sp>
-        <p:nvSpPr>
-          <p:cNvPr id="87" name="PlaceHolder 2"/>
-          <p:cNvSpPr>
-            <a:spLocks noGrp="1"/>
-          </p:cNvSpPr>
-          <p:nvPr>
-            <p:ph type="body"/>
-          </p:nvPr>
-        </p:nvSpPr>
-        <p:spPr>
-          <a:xfrm>
-            <a:off x="838080" y="1825560"/>
-            <a:ext cx="10515240" cy="4350960"/>
-          </a:xfrm>
-          <a:prstGeom prst="rect">
-            <a:avLst/>
-          </a:prstGeom>
-        </p:spPr>
-        <p:txBody>
-          <a:bodyPr lIns="0" rIns="0" tIns="0" bIns="0">
-            <a:normAutofit/>
-          </a:bodyPr>
-          <a:p>
-            <a:endParaRPr b="0" lang="en-US" sz="2800" spc="-1" strike="noStrike">
-              <a:solidFill>
-                <a:srgbClr val="000000"/>
-              </a:solidFill>
-              <a:latin typeface="Calibri"/>
-            </a:endParaRPr>
-          </a:p>
-        </p:txBody>
-      </p:sp>
-    </p:spTree>
-  </p:cSld>
-</p:sldLayout>
-</file>
-
-<file path=ppt/slideLayouts/slideLayout28.xml><?xml version="1.0" encoding="utf-8"?>
-<p:sldLayout xmlns:a="http://schemas.openxmlformats.org/drawingml/2006/main" xmlns:p="http://schemas.openxmlformats.org/presentationml/2006/main" xmlns:r="http://schemas.openxmlformats.org/officeDocument/2006/relationships" xmlns:p14="http://schemas.microsoft.com/office/powerpoint/2010/main" xmlns:p15="http://schemas.microsoft.com/office/powerpoint/2012/main" xmlns:mc="http://schemas.openxmlformats.org/markup-compatibility/2006" type="twoObj" preserve="1">
-  <p:cSld name="Title, 2 Content">
-    <p:spTree>
-      <p:nvGrpSpPr>
-        <p:cNvPr id="1" name=""/>
-        <p:cNvGrpSpPr/>
-        <p:nvPr/>
-      </p:nvGrpSpPr>
-      <p:grpSpPr>
-        <a:xfrm>
-          <a:off x="0" y="0"/>
-          <a:ext cx="0" cy="0"/>
-          <a:chOff x="0" y="0"/>
-          <a:chExt cx="0" cy="0"/>
-        </a:xfrm>
-      </p:grpSpPr>
-      <p:sp>
-        <p:nvSpPr>
-          <p:cNvPr id="88" name="PlaceHolder 1"/>
-          <p:cNvSpPr>
-            <a:spLocks noGrp="1"/>
-          </p:cNvSpPr>
-          <p:nvPr>
-            <p:ph type="title"/>
-          </p:nvPr>
-        </p:nvSpPr>
-        <p:spPr>
-          <a:xfrm>
-            <a:off x="838080" y="365040"/>
-            <a:ext cx="10515240" cy="1325160"/>
-          </a:xfrm>
-          <a:prstGeom prst="rect">
-            <a:avLst/>
-          </a:prstGeom>
-        </p:spPr>
-        <p:txBody>
-          <a:bodyPr lIns="0" rIns="0" tIns="0" bIns="0" anchor="ctr">
-            <a:noAutofit/>
-          </a:bodyPr>
-          <a:p>
-            <a:endParaRPr b="0" lang="en-US" sz="1800" spc="-1" strike="noStrike">
-              <a:solidFill>
-                <a:srgbClr val="000000"/>
-              </a:solidFill>
-              <a:latin typeface="Calibri"/>
-            </a:endParaRPr>
-          </a:p>
-        </p:txBody>
-      </p:sp>
-      <p:sp>
-        <p:nvSpPr>
-          <p:cNvPr id="89" name="PlaceHolder 2"/>
-          <p:cNvSpPr>
-            <a:spLocks noGrp="1"/>
-          </p:cNvSpPr>
-          <p:nvPr>
-            <p:ph type="body"/>
-          </p:nvPr>
-        </p:nvSpPr>
-        <p:spPr>
-          <a:xfrm>
-            <a:off x="838080" y="1825560"/>
-            <a:ext cx="5131080" cy="4350960"/>
-          </a:xfrm>
-          <a:prstGeom prst="rect">
-            <a:avLst/>
-          </a:prstGeom>
-        </p:spPr>
-        <p:txBody>
-          <a:bodyPr lIns="0" rIns="0" tIns="0" bIns="0">
-            <a:normAutofit/>
-          </a:bodyPr>
-          <a:p>
-            <a:endParaRPr b="0" lang="en-US" sz="2800" spc="-1" strike="noStrike">
-              <a:solidFill>
-                <a:srgbClr val="000000"/>
-              </a:solidFill>
-              <a:latin typeface="Calibri"/>
-            </a:endParaRPr>
-          </a:p>
-        </p:txBody>
-      </p:sp>
-      <p:sp>
-        <p:nvSpPr>
-          <p:cNvPr id="90" name="PlaceHolder 3"/>
-          <p:cNvSpPr>
-            <a:spLocks noGrp="1"/>
-          </p:cNvSpPr>
-          <p:nvPr>
-            <p:ph type="body"/>
-          </p:nvPr>
-        </p:nvSpPr>
-        <p:spPr>
-          <a:xfrm>
-            <a:off x="6226200" y="1825560"/>
-            <a:ext cx="5131080" cy="4350960"/>
-          </a:xfrm>
-          <a:prstGeom prst="rect">
-            <a:avLst/>
-          </a:prstGeom>
-        </p:spPr>
-        <p:txBody>
-          <a:bodyPr lIns="0" rIns="0" tIns="0" bIns="0">
-            <a:normAutofit/>
-          </a:bodyPr>
-          <a:p>
-            <a:endParaRPr b="0" lang="en-US" sz="2800" spc="-1" strike="noStrike">
-              <a:solidFill>
-                <a:srgbClr val="000000"/>
-              </a:solidFill>
-              <a:latin typeface="Calibri"/>
-            </a:endParaRPr>
-          </a:p>
-        </p:txBody>
-      </p:sp>
-    </p:spTree>
-  </p:cSld>
-</p:sldLayout>
-</file>
-
-<file path=ppt/slideLayouts/slideLayout29.xml><?xml version="1.0" encoding="utf-8"?>
-<p:sldLayout xmlns:a="http://schemas.openxmlformats.org/drawingml/2006/main" xmlns:p="http://schemas.openxmlformats.org/presentationml/2006/main" xmlns:r="http://schemas.openxmlformats.org/officeDocument/2006/relationships" xmlns:p14="http://schemas.microsoft.com/office/powerpoint/2010/main" xmlns:p15="http://schemas.microsoft.com/office/powerpoint/2012/main" xmlns:mc="http://schemas.openxmlformats.org/markup-compatibility/2006" type="titleOnly" preserve="1">
-  <p:cSld name="Title Only">
-    <p:spTree>
-      <p:nvGrpSpPr>
-        <p:cNvPr id="1" name=""/>
-        <p:cNvGrpSpPr/>
-        <p:nvPr/>
-      </p:nvGrpSpPr>
-      <p:grpSpPr>
-        <a:xfrm>
-          <a:off x="0" y="0"/>
-          <a:ext cx="0" cy="0"/>
-          <a:chOff x="0" y="0"/>
-          <a:chExt cx="0" cy="0"/>
-        </a:xfrm>
-      </p:grpSpPr>
-      <p:sp>
-        <p:nvSpPr>
-          <p:cNvPr id="91" name="PlaceHolder 1"/>
-          <p:cNvSpPr>
-            <a:spLocks noGrp="1"/>
-          </p:cNvSpPr>
-          <p:nvPr>
-            <p:ph type="title"/>
-          </p:nvPr>
-        </p:nvSpPr>
-        <p:spPr>
-          <a:xfrm>
-            <a:off x="838080" y="365040"/>
-            <a:ext cx="10515240" cy="1325160"/>
-          </a:xfrm>
-          <a:prstGeom prst="rect">
-            <a:avLst/>
-          </a:prstGeom>
-        </p:spPr>
-        <p:txBody>
-          <a:bodyPr lIns="0" rIns="0" tIns="0" bIns="0" anchor="ctr">
-            <a:noAutofit/>
-          </a:bodyPr>
-          <a:p>
-            <a:endParaRPr b="0" lang="en-US" sz="1800" spc="-1" strike="noStrike">
-              <a:solidFill>
-                <a:srgbClr val="000000"/>
-              </a:solidFill>
-              <a:latin typeface="Calibri"/>
             </a:endParaRPr>
           </a:p>
         </p:txBody>
@@ -2889,7 +2386,7 @@
       </p:grpSpPr>
       <p:sp>
         <p:nvSpPr>
-          <p:cNvPr id="7" name="PlaceHolder 1"/>
+          <p:cNvPr id="4" name="PlaceHolder 1"/>
           <p:cNvSpPr>
             <a:spLocks noGrp="1"/>
           </p:cNvSpPr>
@@ -2899,8 +2396,8 @@
         </p:nvSpPr>
         <p:spPr>
           <a:xfrm>
-            <a:off x="838080" y="365040"/>
-            <a:ext cx="10515240" cy="1325160"/>
+            <a:off x="609480" y="273600"/>
+            <a:ext cx="10972440" cy="1144800"/>
           </a:xfrm>
           <a:prstGeom prst="rect">
             <a:avLst/>
@@ -2911,18 +2408,16 @@
             <a:noAutofit/>
           </a:bodyPr>
           <a:p>
-            <a:endParaRPr b="0" lang="en-US" sz="1800" spc="-1" strike="noStrike">
-              <a:solidFill>
-                <a:srgbClr val="000000"/>
-              </a:solidFill>
-              <a:latin typeface="Calibri"/>
-            </a:endParaRPr>
-          </a:p>
-        </p:txBody>
-      </p:sp>
-      <p:sp>
-        <p:nvSpPr>
-          <p:cNvPr id="8" name="PlaceHolder 2"/>
+            <a:pPr algn="ctr"/>
+            <a:endParaRPr b="0" lang="el-GR" sz="4400" spc="-1" strike="noStrike">
+              <a:latin typeface="Arial"/>
+            </a:endParaRPr>
+          </a:p>
+        </p:txBody>
+      </p:sp>
+      <p:sp>
+        <p:nvSpPr>
+          <p:cNvPr id="5" name="PlaceHolder 2"/>
           <p:cNvSpPr>
             <a:spLocks noGrp="1"/>
           </p:cNvSpPr>
@@ -2932,8 +2427,8 @@
         </p:nvSpPr>
         <p:spPr>
           <a:xfrm>
-            <a:off x="838080" y="1825560"/>
-            <a:ext cx="10515240" cy="4350960"/>
+            <a:off x="609480" y="1604520"/>
+            <a:ext cx="10972440" cy="3977280"/>
           </a:xfrm>
           <a:prstGeom prst="rect">
             <a:avLst/>
@@ -2944,1087 +2439,8 @@
             <a:normAutofit/>
           </a:bodyPr>
           <a:p>
-            <a:endParaRPr b="0" lang="en-US" sz="2800" spc="-1" strike="noStrike">
-              <a:solidFill>
-                <a:srgbClr val="000000"/>
-              </a:solidFill>
-              <a:latin typeface="Calibri"/>
-            </a:endParaRPr>
-          </a:p>
-        </p:txBody>
-      </p:sp>
-    </p:spTree>
-  </p:cSld>
-</p:sldLayout>
-</file>
-
-<file path=ppt/slideLayouts/slideLayout30.xml><?xml version="1.0" encoding="utf-8"?>
-<p:sldLayout xmlns:a="http://schemas.openxmlformats.org/drawingml/2006/main" xmlns:p="http://schemas.openxmlformats.org/presentationml/2006/main" xmlns:r="http://schemas.openxmlformats.org/officeDocument/2006/relationships" xmlns:p14="http://schemas.microsoft.com/office/powerpoint/2010/main" xmlns:p15="http://schemas.microsoft.com/office/powerpoint/2012/main" xmlns:mc="http://schemas.openxmlformats.org/markup-compatibility/2006" type="objOnly" preserve="1">
-  <p:cSld name="Centered Text">
-    <p:spTree>
-      <p:nvGrpSpPr>
-        <p:cNvPr id="1" name=""/>
-        <p:cNvGrpSpPr/>
-        <p:nvPr/>
-      </p:nvGrpSpPr>
-      <p:grpSpPr>
-        <a:xfrm>
-          <a:off x="0" y="0"/>
-          <a:ext cx="0" cy="0"/>
-          <a:chOff x="0" y="0"/>
-          <a:chExt cx="0" cy="0"/>
-        </a:xfrm>
-      </p:grpSpPr>
-      <p:sp>
-        <p:nvSpPr>
-          <p:cNvPr id="92" name="PlaceHolder 1"/>
-          <p:cNvSpPr>
-            <a:spLocks noGrp="1"/>
-          </p:cNvSpPr>
-          <p:nvPr>
-            <p:ph type="subTitle"/>
-          </p:nvPr>
-        </p:nvSpPr>
-        <p:spPr>
-          <a:xfrm>
-            <a:off x="838080" y="365040"/>
-            <a:ext cx="10515240" cy="6144120"/>
-          </a:xfrm>
-          <a:prstGeom prst="rect">
-            <a:avLst/>
-          </a:prstGeom>
-        </p:spPr>
-        <p:txBody>
-          <a:bodyPr lIns="0" rIns="0" tIns="0" bIns="0" anchor="ctr">
-            <a:noAutofit/>
-          </a:bodyPr>
-          <a:p>
-            <a:pPr algn="ctr"/>
             <a:endParaRPr b="0" lang="el-GR" sz="3200" spc="-1" strike="noStrike">
               <a:latin typeface="Arial"/>
-            </a:endParaRPr>
-          </a:p>
-        </p:txBody>
-      </p:sp>
-    </p:spTree>
-  </p:cSld>
-</p:sldLayout>
-</file>
-
-<file path=ppt/slideLayouts/slideLayout31.xml><?xml version="1.0" encoding="utf-8"?>
-<p:sldLayout xmlns:a="http://schemas.openxmlformats.org/drawingml/2006/main" xmlns:p="http://schemas.openxmlformats.org/presentationml/2006/main" xmlns:r="http://schemas.openxmlformats.org/officeDocument/2006/relationships" xmlns:p14="http://schemas.microsoft.com/office/powerpoint/2010/main" xmlns:p15="http://schemas.microsoft.com/office/powerpoint/2012/main" xmlns:mc="http://schemas.openxmlformats.org/markup-compatibility/2006" type="twoObjAndObj" preserve="1">
-  <p:cSld name="Title, 2 Content and Content">
-    <p:spTree>
-      <p:nvGrpSpPr>
-        <p:cNvPr id="1" name=""/>
-        <p:cNvGrpSpPr/>
-        <p:nvPr/>
-      </p:nvGrpSpPr>
-      <p:grpSpPr>
-        <a:xfrm>
-          <a:off x="0" y="0"/>
-          <a:ext cx="0" cy="0"/>
-          <a:chOff x="0" y="0"/>
-          <a:chExt cx="0" cy="0"/>
-        </a:xfrm>
-      </p:grpSpPr>
-      <p:sp>
-        <p:nvSpPr>
-          <p:cNvPr id="93" name="PlaceHolder 1"/>
-          <p:cNvSpPr>
-            <a:spLocks noGrp="1"/>
-          </p:cNvSpPr>
-          <p:nvPr>
-            <p:ph type="title"/>
-          </p:nvPr>
-        </p:nvSpPr>
-        <p:spPr>
-          <a:xfrm>
-            <a:off x="838080" y="365040"/>
-            <a:ext cx="10515240" cy="1325160"/>
-          </a:xfrm>
-          <a:prstGeom prst="rect">
-            <a:avLst/>
-          </a:prstGeom>
-        </p:spPr>
-        <p:txBody>
-          <a:bodyPr lIns="0" rIns="0" tIns="0" bIns="0" anchor="ctr">
-            <a:noAutofit/>
-          </a:bodyPr>
-          <a:p>
-            <a:endParaRPr b="0" lang="en-US" sz="1800" spc="-1" strike="noStrike">
-              <a:solidFill>
-                <a:srgbClr val="000000"/>
-              </a:solidFill>
-              <a:latin typeface="Calibri"/>
-            </a:endParaRPr>
-          </a:p>
-        </p:txBody>
-      </p:sp>
-      <p:sp>
-        <p:nvSpPr>
-          <p:cNvPr id="94" name="PlaceHolder 2"/>
-          <p:cNvSpPr>
-            <a:spLocks noGrp="1"/>
-          </p:cNvSpPr>
-          <p:nvPr>
-            <p:ph type="body"/>
-          </p:nvPr>
-        </p:nvSpPr>
-        <p:spPr>
-          <a:xfrm>
-            <a:off x="838080" y="1825560"/>
-            <a:ext cx="5131080" cy="2075040"/>
-          </a:xfrm>
-          <a:prstGeom prst="rect">
-            <a:avLst/>
-          </a:prstGeom>
-        </p:spPr>
-        <p:txBody>
-          <a:bodyPr lIns="0" rIns="0" tIns="0" bIns="0">
-            <a:normAutofit/>
-          </a:bodyPr>
-          <a:p>
-            <a:endParaRPr b="0" lang="en-US" sz="2800" spc="-1" strike="noStrike">
-              <a:solidFill>
-                <a:srgbClr val="000000"/>
-              </a:solidFill>
-              <a:latin typeface="Calibri"/>
-            </a:endParaRPr>
-          </a:p>
-        </p:txBody>
-      </p:sp>
-      <p:sp>
-        <p:nvSpPr>
-          <p:cNvPr id="95" name="PlaceHolder 3"/>
-          <p:cNvSpPr>
-            <a:spLocks noGrp="1"/>
-          </p:cNvSpPr>
-          <p:nvPr>
-            <p:ph type="body"/>
-          </p:nvPr>
-        </p:nvSpPr>
-        <p:spPr>
-          <a:xfrm>
-            <a:off x="6226200" y="1825560"/>
-            <a:ext cx="5131080" cy="4350960"/>
-          </a:xfrm>
-          <a:prstGeom prst="rect">
-            <a:avLst/>
-          </a:prstGeom>
-        </p:spPr>
-        <p:txBody>
-          <a:bodyPr lIns="0" rIns="0" tIns="0" bIns="0">
-            <a:normAutofit/>
-          </a:bodyPr>
-          <a:p>
-            <a:endParaRPr b="0" lang="en-US" sz="2800" spc="-1" strike="noStrike">
-              <a:solidFill>
-                <a:srgbClr val="000000"/>
-              </a:solidFill>
-              <a:latin typeface="Calibri"/>
-            </a:endParaRPr>
-          </a:p>
-        </p:txBody>
-      </p:sp>
-      <p:sp>
-        <p:nvSpPr>
-          <p:cNvPr id="96" name="PlaceHolder 4"/>
-          <p:cNvSpPr>
-            <a:spLocks noGrp="1"/>
-          </p:cNvSpPr>
-          <p:nvPr>
-            <p:ph type="body"/>
-          </p:nvPr>
-        </p:nvSpPr>
-        <p:spPr>
-          <a:xfrm>
-            <a:off x="838080" y="4098240"/>
-            <a:ext cx="5131080" cy="2075040"/>
-          </a:xfrm>
-          <a:prstGeom prst="rect">
-            <a:avLst/>
-          </a:prstGeom>
-        </p:spPr>
-        <p:txBody>
-          <a:bodyPr lIns="0" rIns="0" tIns="0" bIns="0">
-            <a:normAutofit/>
-          </a:bodyPr>
-          <a:p>
-            <a:endParaRPr b="0" lang="en-US" sz="2800" spc="-1" strike="noStrike">
-              <a:solidFill>
-                <a:srgbClr val="000000"/>
-              </a:solidFill>
-              <a:latin typeface="Calibri"/>
-            </a:endParaRPr>
-          </a:p>
-        </p:txBody>
-      </p:sp>
-    </p:spTree>
-  </p:cSld>
-</p:sldLayout>
-</file>
-
-<file path=ppt/slideLayouts/slideLayout32.xml><?xml version="1.0" encoding="utf-8"?>
-<p:sldLayout xmlns:a="http://schemas.openxmlformats.org/drawingml/2006/main" xmlns:p="http://schemas.openxmlformats.org/presentationml/2006/main" xmlns:r="http://schemas.openxmlformats.org/officeDocument/2006/relationships" xmlns:p14="http://schemas.microsoft.com/office/powerpoint/2010/main" xmlns:p15="http://schemas.microsoft.com/office/powerpoint/2012/main" xmlns:mc="http://schemas.openxmlformats.org/markup-compatibility/2006" type="objAndTwoObj" preserve="1">
-  <p:cSld name="Title Content and 2 Content">
-    <p:spTree>
-      <p:nvGrpSpPr>
-        <p:cNvPr id="1" name=""/>
-        <p:cNvGrpSpPr/>
-        <p:nvPr/>
-      </p:nvGrpSpPr>
-      <p:grpSpPr>
-        <a:xfrm>
-          <a:off x="0" y="0"/>
-          <a:ext cx="0" cy="0"/>
-          <a:chOff x="0" y="0"/>
-          <a:chExt cx="0" cy="0"/>
-        </a:xfrm>
-      </p:grpSpPr>
-      <p:sp>
-        <p:nvSpPr>
-          <p:cNvPr id="97" name="PlaceHolder 1"/>
-          <p:cNvSpPr>
-            <a:spLocks noGrp="1"/>
-          </p:cNvSpPr>
-          <p:nvPr>
-            <p:ph type="title"/>
-          </p:nvPr>
-        </p:nvSpPr>
-        <p:spPr>
-          <a:xfrm>
-            <a:off x="838080" y="365040"/>
-            <a:ext cx="10515240" cy="1325160"/>
-          </a:xfrm>
-          <a:prstGeom prst="rect">
-            <a:avLst/>
-          </a:prstGeom>
-        </p:spPr>
-        <p:txBody>
-          <a:bodyPr lIns="0" rIns="0" tIns="0" bIns="0" anchor="ctr">
-            <a:noAutofit/>
-          </a:bodyPr>
-          <a:p>
-            <a:endParaRPr b="0" lang="en-US" sz="1800" spc="-1" strike="noStrike">
-              <a:solidFill>
-                <a:srgbClr val="000000"/>
-              </a:solidFill>
-              <a:latin typeface="Calibri"/>
-            </a:endParaRPr>
-          </a:p>
-        </p:txBody>
-      </p:sp>
-      <p:sp>
-        <p:nvSpPr>
-          <p:cNvPr id="98" name="PlaceHolder 2"/>
-          <p:cNvSpPr>
-            <a:spLocks noGrp="1"/>
-          </p:cNvSpPr>
-          <p:nvPr>
-            <p:ph type="body"/>
-          </p:nvPr>
-        </p:nvSpPr>
-        <p:spPr>
-          <a:xfrm>
-            <a:off x="838080" y="1825560"/>
-            <a:ext cx="5131080" cy="4350960"/>
-          </a:xfrm>
-          <a:prstGeom prst="rect">
-            <a:avLst/>
-          </a:prstGeom>
-        </p:spPr>
-        <p:txBody>
-          <a:bodyPr lIns="0" rIns="0" tIns="0" bIns="0">
-            <a:normAutofit/>
-          </a:bodyPr>
-          <a:p>
-            <a:endParaRPr b="0" lang="en-US" sz="2800" spc="-1" strike="noStrike">
-              <a:solidFill>
-                <a:srgbClr val="000000"/>
-              </a:solidFill>
-              <a:latin typeface="Calibri"/>
-            </a:endParaRPr>
-          </a:p>
-        </p:txBody>
-      </p:sp>
-      <p:sp>
-        <p:nvSpPr>
-          <p:cNvPr id="99" name="PlaceHolder 3"/>
-          <p:cNvSpPr>
-            <a:spLocks noGrp="1"/>
-          </p:cNvSpPr>
-          <p:nvPr>
-            <p:ph type="body"/>
-          </p:nvPr>
-        </p:nvSpPr>
-        <p:spPr>
-          <a:xfrm>
-            <a:off x="6226200" y="1825560"/>
-            <a:ext cx="5131080" cy="2075040"/>
-          </a:xfrm>
-          <a:prstGeom prst="rect">
-            <a:avLst/>
-          </a:prstGeom>
-        </p:spPr>
-        <p:txBody>
-          <a:bodyPr lIns="0" rIns="0" tIns="0" bIns="0">
-            <a:normAutofit/>
-          </a:bodyPr>
-          <a:p>
-            <a:endParaRPr b="0" lang="en-US" sz="2800" spc="-1" strike="noStrike">
-              <a:solidFill>
-                <a:srgbClr val="000000"/>
-              </a:solidFill>
-              <a:latin typeface="Calibri"/>
-            </a:endParaRPr>
-          </a:p>
-        </p:txBody>
-      </p:sp>
-      <p:sp>
-        <p:nvSpPr>
-          <p:cNvPr id="100" name="PlaceHolder 4"/>
-          <p:cNvSpPr>
-            <a:spLocks noGrp="1"/>
-          </p:cNvSpPr>
-          <p:nvPr>
-            <p:ph type="body"/>
-          </p:nvPr>
-        </p:nvSpPr>
-        <p:spPr>
-          <a:xfrm>
-            <a:off x="6226200" y="4098240"/>
-            <a:ext cx="5131080" cy="2075040"/>
-          </a:xfrm>
-          <a:prstGeom prst="rect">
-            <a:avLst/>
-          </a:prstGeom>
-        </p:spPr>
-        <p:txBody>
-          <a:bodyPr lIns="0" rIns="0" tIns="0" bIns="0">
-            <a:normAutofit/>
-          </a:bodyPr>
-          <a:p>
-            <a:endParaRPr b="0" lang="en-US" sz="2800" spc="-1" strike="noStrike">
-              <a:solidFill>
-                <a:srgbClr val="000000"/>
-              </a:solidFill>
-              <a:latin typeface="Calibri"/>
-            </a:endParaRPr>
-          </a:p>
-        </p:txBody>
-      </p:sp>
-    </p:spTree>
-  </p:cSld>
-</p:sldLayout>
-</file>
-
-<file path=ppt/slideLayouts/slideLayout33.xml><?xml version="1.0" encoding="utf-8"?>
-<p:sldLayout xmlns:a="http://schemas.openxmlformats.org/drawingml/2006/main" xmlns:p="http://schemas.openxmlformats.org/presentationml/2006/main" xmlns:r="http://schemas.openxmlformats.org/officeDocument/2006/relationships" xmlns:p14="http://schemas.microsoft.com/office/powerpoint/2010/main" xmlns:p15="http://schemas.microsoft.com/office/powerpoint/2012/main" xmlns:mc="http://schemas.openxmlformats.org/markup-compatibility/2006" type="twoObjOverTx" preserve="1">
-  <p:cSld name="Title, 2 Content over Content">
-    <p:spTree>
-      <p:nvGrpSpPr>
-        <p:cNvPr id="1" name=""/>
-        <p:cNvGrpSpPr/>
-        <p:nvPr/>
-      </p:nvGrpSpPr>
-      <p:grpSpPr>
-        <a:xfrm>
-          <a:off x="0" y="0"/>
-          <a:ext cx="0" cy="0"/>
-          <a:chOff x="0" y="0"/>
-          <a:chExt cx="0" cy="0"/>
-        </a:xfrm>
-      </p:grpSpPr>
-      <p:sp>
-        <p:nvSpPr>
-          <p:cNvPr id="101" name="PlaceHolder 1"/>
-          <p:cNvSpPr>
-            <a:spLocks noGrp="1"/>
-          </p:cNvSpPr>
-          <p:nvPr>
-            <p:ph type="title"/>
-          </p:nvPr>
-        </p:nvSpPr>
-        <p:spPr>
-          <a:xfrm>
-            <a:off x="838080" y="365040"/>
-            <a:ext cx="10515240" cy="1325160"/>
-          </a:xfrm>
-          <a:prstGeom prst="rect">
-            <a:avLst/>
-          </a:prstGeom>
-        </p:spPr>
-        <p:txBody>
-          <a:bodyPr lIns="0" rIns="0" tIns="0" bIns="0" anchor="ctr">
-            <a:noAutofit/>
-          </a:bodyPr>
-          <a:p>
-            <a:endParaRPr b="0" lang="en-US" sz="1800" spc="-1" strike="noStrike">
-              <a:solidFill>
-                <a:srgbClr val="000000"/>
-              </a:solidFill>
-              <a:latin typeface="Calibri"/>
-            </a:endParaRPr>
-          </a:p>
-        </p:txBody>
-      </p:sp>
-      <p:sp>
-        <p:nvSpPr>
-          <p:cNvPr id="102" name="PlaceHolder 2"/>
-          <p:cNvSpPr>
-            <a:spLocks noGrp="1"/>
-          </p:cNvSpPr>
-          <p:nvPr>
-            <p:ph type="body"/>
-          </p:nvPr>
-        </p:nvSpPr>
-        <p:spPr>
-          <a:xfrm>
-            <a:off x="838080" y="1825560"/>
-            <a:ext cx="5131080" cy="2075040"/>
-          </a:xfrm>
-          <a:prstGeom prst="rect">
-            <a:avLst/>
-          </a:prstGeom>
-        </p:spPr>
-        <p:txBody>
-          <a:bodyPr lIns="0" rIns="0" tIns="0" bIns="0">
-            <a:normAutofit/>
-          </a:bodyPr>
-          <a:p>
-            <a:endParaRPr b="0" lang="en-US" sz="2800" spc="-1" strike="noStrike">
-              <a:solidFill>
-                <a:srgbClr val="000000"/>
-              </a:solidFill>
-              <a:latin typeface="Calibri"/>
-            </a:endParaRPr>
-          </a:p>
-        </p:txBody>
-      </p:sp>
-      <p:sp>
-        <p:nvSpPr>
-          <p:cNvPr id="103" name="PlaceHolder 3"/>
-          <p:cNvSpPr>
-            <a:spLocks noGrp="1"/>
-          </p:cNvSpPr>
-          <p:nvPr>
-            <p:ph type="body"/>
-          </p:nvPr>
-        </p:nvSpPr>
-        <p:spPr>
-          <a:xfrm>
-            <a:off x="6226200" y="1825560"/>
-            <a:ext cx="5131080" cy="2075040"/>
-          </a:xfrm>
-          <a:prstGeom prst="rect">
-            <a:avLst/>
-          </a:prstGeom>
-        </p:spPr>
-        <p:txBody>
-          <a:bodyPr lIns="0" rIns="0" tIns="0" bIns="0">
-            <a:normAutofit/>
-          </a:bodyPr>
-          <a:p>
-            <a:endParaRPr b="0" lang="en-US" sz="2800" spc="-1" strike="noStrike">
-              <a:solidFill>
-                <a:srgbClr val="000000"/>
-              </a:solidFill>
-              <a:latin typeface="Calibri"/>
-            </a:endParaRPr>
-          </a:p>
-        </p:txBody>
-      </p:sp>
-      <p:sp>
-        <p:nvSpPr>
-          <p:cNvPr id="104" name="PlaceHolder 4"/>
-          <p:cNvSpPr>
-            <a:spLocks noGrp="1"/>
-          </p:cNvSpPr>
-          <p:nvPr>
-            <p:ph type="body"/>
-          </p:nvPr>
-        </p:nvSpPr>
-        <p:spPr>
-          <a:xfrm>
-            <a:off x="838080" y="4098240"/>
-            <a:ext cx="10515240" cy="2075040"/>
-          </a:xfrm>
-          <a:prstGeom prst="rect">
-            <a:avLst/>
-          </a:prstGeom>
-        </p:spPr>
-        <p:txBody>
-          <a:bodyPr lIns="0" rIns="0" tIns="0" bIns="0">
-            <a:normAutofit/>
-          </a:bodyPr>
-          <a:p>
-            <a:endParaRPr b="0" lang="en-US" sz="2800" spc="-1" strike="noStrike">
-              <a:solidFill>
-                <a:srgbClr val="000000"/>
-              </a:solidFill>
-              <a:latin typeface="Calibri"/>
-            </a:endParaRPr>
-          </a:p>
-        </p:txBody>
-      </p:sp>
-    </p:spTree>
-  </p:cSld>
-</p:sldLayout>
-</file>
-
-<file path=ppt/slideLayouts/slideLayout34.xml><?xml version="1.0" encoding="utf-8"?>
-<p:sldLayout xmlns:a="http://schemas.openxmlformats.org/drawingml/2006/main" xmlns:p="http://schemas.openxmlformats.org/presentationml/2006/main" xmlns:r="http://schemas.openxmlformats.org/officeDocument/2006/relationships" xmlns:p14="http://schemas.microsoft.com/office/powerpoint/2010/main" xmlns:p15="http://schemas.microsoft.com/office/powerpoint/2012/main" xmlns:mc="http://schemas.openxmlformats.org/markup-compatibility/2006" type="objOverTx" preserve="1">
-  <p:cSld name="Title, Content over Content">
-    <p:spTree>
-      <p:nvGrpSpPr>
-        <p:cNvPr id="1" name=""/>
-        <p:cNvGrpSpPr/>
-        <p:nvPr/>
-      </p:nvGrpSpPr>
-      <p:grpSpPr>
-        <a:xfrm>
-          <a:off x="0" y="0"/>
-          <a:ext cx="0" cy="0"/>
-          <a:chOff x="0" y="0"/>
-          <a:chExt cx="0" cy="0"/>
-        </a:xfrm>
-      </p:grpSpPr>
-      <p:sp>
-        <p:nvSpPr>
-          <p:cNvPr id="105" name="PlaceHolder 1"/>
-          <p:cNvSpPr>
-            <a:spLocks noGrp="1"/>
-          </p:cNvSpPr>
-          <p:nvPr>
-            <p:ph type="title"/>
-          </p:nvPr>
-        </p:nvSpPr>
-        <p:spPr>
-          <a:xfrm>
-            <a:off x="838080" y="365040"/>
-            <a:ext cx="10515240" cy="1325160"/>
-          </a:xfrm>
-          <a:prstGeom prst="rect">
-            <a:avLst/>
-          </a:prstGeom>
-        </p:spPr>
-        <p:txBody>
-          <a:bodyPr lIns="0" rIns="0" tIns="0" bIns="0" anchor="ctr">
-            <a:noAutofit/>
-          </a:bodyPr>
-          <a:p>
-            <a:endParaRPr b="0" lang="en-US" sz="1800" spc="-1" strike="noStrike">
-              <a:solidFill>
-                <a:srgbClr val="000000"/>
-              </a:solidFill>
-              <a:latin typeface="Calibri"/>
-            </a:endParaRPr>
-          </a:p>
-        </p:txBody>
-      </p:sp>
-      <p:sp>
-        <p:nvSpPr>
-          <p:cNvPr id="106" name="PlaceHolder 2"/>
-          <p:cNvSpPr>
-            <a:spLocks noGrp="1"/>
-          </p:cNvSpPr>
-          <p:nvPr>
-            <p:ph type="body"/>
-          </p:nvPr>
-        </p:nvSpPr>
-        <p:spPr>
-          <a:xfrm>
-            <a:off x="838080" y="1825560"/>
-            <a:ext cx="10515240" cy="2075040"/>
-          </a:xfrm>
-          <a:prstGeom prst="rect">
-            <a:avLst/>
-          </a:prstGeom>
-        </p:spPr>
-        <p:txBody>
-          <a:bodyPr lIns="0" rIns="0" tIns="0" bIns="0">
-            <a:normAutofit/>
-          </a:bodyPr>
-          <a:p>
-            <a:endParaRPr b="0" lang="en-US" sz="2800" spc="-1" strike="noStrike">
-              <a:solidFill>
-                <a:srgbClr val="000000"/>
-              </a:solidFill>
-              <a:latin typeface="Calibri"/>
-            </a:endParaRPr>
-          </a:p>
-        </p:txBody>
-      </p:sp>
-      <p:sp>
-        <p:nvSpPr>
-          <p:cNvPr id="107" name="PlaceHolder 3"/>
-          <p:cNvSpPr>
-            <a:spLocks noGrp="1"/>
-          </p:cNvSpPr>
-          <p:nvPr>
-            <p:ph type="body"/>
-          </p:nvPr>
-        </p:nvSpPr>
-        <p:spPr>
-          <a:xfrm>
-            <a:off x="838080" y="4098240"/>
-            <a:ext cx="10515240" cy="2075040"/>
-          </a:xfrm>
-          <a:prstGeom prst="rect">
-            <a:avLst/>
-          </a:prstGeom>
-        </p:spPr>
-        <p:txBody>
-          <a:bodyPr lIns="0" rIns="0" tIns="0" bIns="0">
-            <a:normAutofit/>
-          </a:bodyPr>
-          <a:p>
-            <a:endParaRPr b="0" lang="en-US" sz="2800" spc="-1" strike="noStrike">
-              <a:solidFill>
-                <a:srgbClr val="000000"/>
-              </a:solidFill>
-              <a:latin typeface="Calibri"/>
-            </a:endParaRPr>
-          </a:p>
-        </p:txBody>
-      </p:sp>
-    </p:spTree>
-  </p:cSld>
-</p:sldLayout>
-</file>
-
-<file path=ppt/slideLayouts/slideLayout35.xml><?xml version="1.0" encoding="utf-8"?>
-<p:sldLayout xmlns:a="http://schemas.openxmlformats.org/drawingml/2006/main" xmlns:p="http://schemas.openxmlformats.org/presentationml/2006/main" xmlns:r="http://schemas.openxmlformats.org/officeDocument/2006/relationships" xmlns:p14="http://schemas.microsoft.com/office/powerpoint/2010/main" xmlns:p15="http://schemas.microsoft.com/office/powerpoint/2012/main" xmlns:mc="http://schemas.openxmlformats.org/markup-compatibility/2006" type="fourObj" preserve="1">
-  <p:cSld name="Title, 4 Content">
-    <p:spTree>
-      <p:nvGrpSpPr>
-        <p:cNvPr id="1" name=""/>
-        <p:cNvGrpSpPr/>
-        <p:nvPr/>
-      </p:nvGrpSpPr>
-      <p:grpSpPr>
-        <a:xfrm>
-          <a:off x="0" y="0"/>
-          <a:ext cx="0" cy="0"/>
-          <a:chOff x="0" y="0"/>
-          <a:chExt cx="0" cy="0"/>
-        </a:xfrm>
-      </p:grpSpPr>
-      <p:sp>
-        <p:nvSpPr>
-          <p:cNvPr id="108" name="PlaceHolder 1"/>
-          <p:cNvSpPr>
-            <a:spLocks noGrp="1"/>
-          </p:cNvSpPr>
-          <p:nvPr>
-            <p:ph type="title"/>
-          </p:nvPr>
-        </p:nvSpPr>
-        <p:spPr>
-          <a:xfrm>
-            <a:off x="838080" y="365040"/>
-            <a:ext cx="10515240" cy="1325160"/>
-          </a:xfrm>
-          <a:prstGeom prst="rect">
-            <a:avLst/>
-          </a:prstGeom>
-        </p:spPr>
-        <p:txBody>
-          <a:bodyPr lIns="0" rIns="0" tIns="0" bIns="0" anchor="ctr">
-            <a:noAutofit/>
-          </a:bodyPr>
-          <a:p>
-            <a:endParaRPr b="0" lang="en-US" sz="1800" spc="-1" strike="noStrike">
-              <a:solidFill>
-                <a:srgbClr val="000000"/>
-              </a:solidFill>
-              <a:latin typeface="Calibri"/>
-            </a:endParaRPr>
-          </a:p>
-        </p:txBody>
-      </p:sp>
-      <p:sp>
-        <p:nvSpPr>
-          <p:cNvPr id="109" name="PlaceHolder 2"/>
-          <p:cNvSpPr>
-            <a:spLocks noGrp="1"/>
-          </p:cNvSpPr>
-          <p:nvPr>
-            <p:ph type="body"/>
-          </p:nvPr>
-        </p:nvSpPr>
-        <p:spPr>
-          <a:xfrm>
-            <a:off x="838080" y="1825560"/>
-            <a:ext cx="5131080" cy="2075040"/>
-          </a:xfrm>
-          <a:prstGeom prst="rect">
-            <a:avLst/>
-          </a:prstGeom>
-        </p:spPr>
-        <p:txBody>
-          <a:bodyPr lIns="0" rIns="0" tIns="0" bIns="0">
-            <a:normAutofit/>
-          </a:bodyPr>
-          <a:p>
-            <a:endParaRPr b="0" lang="en-US" sz="2800" spc="-1" strike="noStrike">
-              <a:solidFill>
-                <a:srgbClr val="000000"/>
-              </a:solidFill>
-              <a:latin typeface="Calibri"/>
-            </a:endParaRPr>
-          </a:p>
-        </p:txBody>
-      </p:sp>
-      <p:sp>
-        <p:nvSpPr>
-          <p:cNvPr id="110" name="PlaceHolder 3"/>
-          <p:cNvSpPr>
-            <a:spLocks noGrp="1"/>
-          </p:cNvSpPr>
-          <p:nvPr>
-            <p:ph type="body"/>
-          </p:nvPr>
-        </p:nvSpPr>
-        <p:spPr>
-          <a:xfrm>
-            <a:off x="6226200" y="1825560"/>
-            <a:ext cx="5131080" cy="2075040"/>
-          </a:xfrm>
-          <a:prstGeom prst="rect">
-            <a:avLst/>
-          </a:prstGeom>
-        </p:spPr>
-        <p:txBody>
-          <a:bodyPr lIns="0" rIns="0" tIns="0" bIns="0">
-            <a:normAutofit/>
-          </a:bodyPr>
-          <a:p>
-            <a:endParaRPr b="0" lang="en-US" sz="2800" spc="-1" strike="noStrike">
-              <a:solidFill>
-                <a:srgbClr val="000000"/>
-              </a:solidFill>
-              <a:latin typeface="Calibri"/>
-            </a:endParaRPr>
-          </a:p>
-        </p:txBody>
-      </p:sp>
-      <p:sp>
-        <p:nvSpPr>
-          <p:cNvPr id="111" name="PlaceHolder 4"/>
-          <p:cNvSpPr>
-            <a:spLocks noGrp="1"/>
-          </p:cNvSpPr>
-          <p:nvPr>
-            <p:ph type="body"/>
-          </p:nvPr>
-        </p:nvSpPr>
-        <p:spPr>
-          <a:xfrm>
-            <a:off x="838080" y="4098240"/>
-            <a:ext cx="5131080" cy="2075040"/>
-          </a:xfrm>
-          <a:prstGeom prst="rect">
-            <a:avLst/>
-          </a:prstGeom>
-        </p:spPr>
-        <p:txBody>
-          <a:bodyPr lIns="0" rIns="0" tIns="0" bIns="0">
-            <a:normAutofit/>
-          </a:bodyPr>
-          <a:p>
-            <a:endParaRPr b="0" lang="en-US" sz="2800" spc="-1" strike="noStrike">
-              <a:solidFill>
-                <a:srgbClr val="000000"/>
-              </a:solidFill>
-              <a:latin typeface="Calibri"/>
-            </a:endParaRPr>
-          </a:p>
-        </p:txBody>
-      </p:sp>
-      <p:sp>
-        <p:nvSpPr>
-          <p:cNvPr id="112" name="PlaceHolder 5"/>
-          <p:cNvSpPr>
-            <a:spLocks noGrp="1"/>
-          </p:cNvSpPr>
-          <p:nvPr>
-            <p:ph type="body"/>
-          </p:nvPr>
-        </p:nvSpPr>
-        <p:spPr>
-          <a:xfrm>
-            <a:off x="6226200" y="4098240"/>
-            <a:ext cx="5131080" cy="2075040"/>
-          </a:xfrm>
-          <a:prstGeom prst="rect">
-            <a:avLst/>
-          </a:prstGeom>
-        </p:spPr>
-        <p:txBody>
-          <a:bodyPr lIns="0" rIns="0" tIns="0" bIns="0">
-            <a:normAutofit/>
-          </a:bodyPr>
-          <a:p>
-            <a:endParaRPr b="0" lang="en-US" sz="2800" spc="-1" strike="noStrike">
-              <a:solidFill>
-                <a:srgbClr val="000000"/>
-              </a:solidFill>
-              <a:latin typeface="Calibri"/>
-            </a:endParaRPr>
-          </a:p>
-        </p:txBody>
-      </p:sp>
-    </p:spTree>
-  </p:cSld>
-</p:sldLayout>
-</file>
-
-<file path=ppt/slideLayouts/slideLayout36.xml><?xml version="1.0" encoding="utf-8"?>
-<p:sldLayout xmlns:a="http://schemas.openxmlformats.org/drawingml/2006/main" xmlns:p="http://schemas.openxmlformats.org/presentationml/2006/main" xmlns:r="http://schemas.openxmlformats.org/officeDocument/2006/relationships" xmlns:p14="http://schemas.microsoft.com/office/powerpoint/2010/main" xmlns:p15="http://schemas.microsoft.com/office/powerpoint/2012/main" xmlns:mc="http://schemas.openxmlformats.org/markup-compatibility/2006" type="blank" preserve="1">
-  <p:cSld name="Title, 6 Content">
-    <p:spTree>
-      <p:nvGrpSpPr>
-        <p:cNvPr id="1" name=""/>
-        <p:cNvGrpSpPr/>
-        <p:nvPr/>
-      </p:nvGrpSpPr>
-      <p:grpSpPr>
-        <a:xfrm>
-          <a:off x="0" y="0"/>
-          <a:ext cx="0" cy="0"/>
-          <a:chOff x="0" y="0"/>
-          <a:chExt cx="0" cy="0"/>
-        </a:xfrm>
-      </p:grpSpPr>
-      <p:sp>
-        <p:nvSpPr>
-          <p:cNvPr id="113" name="PlaceHolder 1"/>
-          <p:cNvSpPr>
-            <a:spLocks noGrp="1"/>
-          </p:cNvSpPr>
-          <p:nvPr>
-            <p:ph type="title"/>
-          </p:nvPr>
-        </p:nvSpPr>
-        <p:spPr>
-          <a:xfrm>
-            <a:off x="838080" y="365040"/>
-            <a:ext cx="10515240" cy="1325160"/>
-          </a:xfrm>
-          <a:prstGeom prst="rect">
-            <a:avLst/>
-          </a:prstGeom>
-        </p:spPr>
-        <p:txBody>
-          <a:bodyPr lIns="0" rIns="0" tIns="0" bIns="0" anchor="ctr">
-            <a:noAutofit/>
-          </a:bodyPr>
-          <a:p>
-            <a:endParaRPr b="0" lang="en-US" sz="1800" spc="-1" strike="noStrike">
-              <a:solidFill>
-                <a:srgbClr val="000000"/>
-              </a:solidFill>
-              <a:latin typeface="Calibri"/>
-            </a:endParaRPr>
-          </a:p>
-        </p:txBody>
-      </p:sp>
-      <p:sp>
-        <p:nvSpPr>
-          <p:cNvPr id="114" name="PlaceHolder 2"/>
-          <p:cNvSpPr>
-            <a:spLocks noGrp="1"/>
-          </p:cNvSpPr>
-          <p:nvPr>
-            <p:ph type="body"/>
-          </p:nvPr>
-        </p:nvSpPr>
-        <p:spPr>
-          <a:xfrm>
-            <a:off x="838080" y="1825560"/>
-            <a:ext cx="3385800" cy="2075040"/>
-          </a:xfrm>
-          <a:prstGeom prst="rect">
-            <a:avLst/>
-          </a:prstGeom>
-        </p:spPr>
-        <p:txBody>
-          <a:bodyPr lIns="0" rIns="0" tIns="0" bIns="0">
-            <a:normAutofit/>
-          </a:bodyPr>
-          <a:p>
-            <a:endParaRPr b="0" lang="en-US" sz="2800" spc="-1" strike="noStrike">
-              <a:solidFill>
-                <a:srgbClr val="000000"/>
-              </a:solidFill>
-              <a:latin typeface="Calibri"/>
-            </a:endParaRPr>
-          </a:p>
-        </p:txBody>
-      </p:sp>
-      <p:sp>
-        <p:nvSpPr>
-          <p:cNvPr id="115" name="PlaceHolder 3"/>
-          <p:cNvSpPr>
-            <a:spLocks noGrp="1"/>
-          </p:cNvSpPr>
-          <p:nvPr>
-            <p:ph type="body"/>
-          </p:nvPr>
-        </p:nvSpPr>
-        <p:spPr>
-          <a:xfrm>
-            <a:off x="4393440" y="1825560"/>
-            <a:ext cx="3385800" cy="2075040"/>
-          </a:xfrm>
-          <a:prstGeom prst="rect">
-            <a:avLst/>
-          </a:prstGeom>
-        </p:spPr>
-        <p:txBody>
-          <a:bodyPr lIns="0" rIns="0" tIns="0" bIns="0">
-            <a:normAutofit/>
-          </a:bodyPr>
-          <a:p>
-            <a:endParaRPr b="0" lang="en-US" sz="2800" spc="-1" strike="noStrike">
-              <a:solidFill>
-                <a:srgbClr val="000000"/>
-              </a:solidFill>
-              <a:latin typeface="Calibri"/>
-            </a:endParaRPr>
-          </a:p>
-        </p:txBody>
-      </p:sp>
-      <p:sp>
-        <p:nvSpPr>
-          <p:cNvPr id="116" name="PlaceHolder 4"/>
-          <p:cNvSpPr>
-            <a:spLocks noGrp="1"/>
-          </p:cNvSpPr>
-          <p:nvPr>
-            <p:ph type="body"/>
-          </p:nvPr>
-        </p:nvSpPr>
-        <p:spPr>
-          <a:xfrm>
-            <a:off x="7949160" y="1825560"/>
-            <a:ext cx="3385800" cy="2075040"/>
-          </a:xfrm>
-          <a:prstGeom prst="rect">
-            <a:avLst/>
-          </a:prstGeom>
-        </p:spPr>
-        <p:txBody>
-          <a:bodyPr lIns="0" rIns="0" tIns="0" bIns="0">
-            <a:normAutofit/>
-          </a:bodyPr>
-          <a:p>
-            <a:endParaRPr b="0" lang="en-US" sz="2800" spc="-1" strike="noStrike">
-              <a:solidFill>
-                <a:srgbClr val="000000"/>
-              </a:solidFill>
-              <a:latin typeface="Calibri"/>
-            </a:endParaRPr>
-          </a:p>
-        </p:txBody>
-      </p:sp>
-      <p:sp>
-        <p:nvSpPr>
-          <p:cNvPr id="117" name="PlaceHolder 5"/>
-          <p:cNvSpPr>
-            <a:spLocks noGrp="1"/>
-          </p:cNvSpPr>
-          <p:nvPr>
-            <p:ph type="body"/>
-          </p:nvPr>
-        </p:nvSpPr>
-        <p:spPr>
-          <a:xfrm>
-            <a:off x="838080" y="4098240"/>
-            <a:ext cx="3385800" cy="2075040"/>
-          </a:xfrm>
-          <a:prstGeom prst="rect">
-            <a:avLst/>
-          </a:prstGeom>
-        </p:spPr>
-        <p:txBody>
-          <a:bodyPr lIns="0" rIns="0" tIns="0" bIns="0">
-            <a:normAutofit/>
-          </a:bodyPr>
-          <a:p>
-            <a:endParaRPr b="0" lang="en-US" sz="2800" spc="-1" strike="noStrike">
-              <a:solidFill>
-                <a:srgbClr val="000000"/>
-              </a:solidFill>
-              <a:latin typeface="Calibri"/>
-            </a:endParaRPr>
-          </a:p>
-        </p:txBody>
-      </p:sp>
-      <p:sp>
-        <p:nvSpPr>
-          <p:cNvPr id="118" name="PlaceHolder 6"/>
-          <p:cNvSpPr>
-            <a:spLocks noGrp="1"/>
-          </p:cNvSpPr>
-          <p:nvPr>
-            <p:ph type="body"/>
-          </p:nvPr>
-        </p:nvSpPr>
-        <p:spPr>
-          <a:xfrm>
-            <a:off x="4393440" y="4098240"/>
-            <a:ext cx="3385800" cy="2075040"/>
-          </a:xfrm>
-          <a:prstGeom prst="rect">
-            <a:avLst/>
-          </a:prstGeom>
-        </p:spPr>
-        <p:txBody>
-          <a:bodyPr lIns="0" rIns="0" tIns="0" bIns="0">
-            <a:normAutofit/>
-          </a:bodyPr>
-          <a:p>
-            <a:endParaRPr b="0" lang="en-US" sz="2800" spc="-1" strike="noStrike">
-              <a:solidFill>
-                <a:srgbClr val="000000"/>
-              </a:solidFill>
-              <a:latin typeface="Calibri"/>
-            </a:endParaRPr>
-          </a:p>
-        </p:txBody>
-      </p:sp>
-      <p:sp>
-        <p:nvSpPr>
-          <p:cNvPr id="119" name="PlaceHolder 7"/>
-          <p:cNvSpPr>
-            <a:spLocks noGrp="1"/>
-          </p:cNvSpPr>
-          <p:nvPr>
-            <p:ph type="body"/>
-          </p:nvPr>
-        </p:nvSpPr>
-        <p:spPr>
-          <a:xfrm>
-            <a:off x="7949160" y="4098240"/>
-            <a:ext cx="3385800" cy="2075040"/>
-          </a:xfrm>
-          <a:prstGeom prst="rect">
-            <a:avLst/>
-          </a:prstGeom>
-        </p:spPr>
-        <p:txBody>
-          <a:bodyPr lIns="0" rIns="0" tIns="0" bIns="0">
-            <a:normAutofit/>
-          </a:bodyPr>
-          <a:p>
-            <a:endParaRPr b="0" lang="en-US" sz="2800" spc="-1" strike="noStrike">
-              <a:solidFill>
-                <a:srgbClr val="000000"/>
-              </a:solidFill>
-              <a:latin typeface="Calibri"/>
             </a:endParaRPr>
           </a:p>
         </p:txBody>
@@ -4053,7 +2469,7 @@
       </p:grpSpPr>
       <p:sp>
         <p:nvSpPr>
-          <p:cNvPr id="9" name="PlaceHolder 1"/>
+          <p:cNvPr id="6" name="PlaceHolder 1"/>
           <p:cNvSpPr>
             <a:spLocks noGrp="1"/>
           </p:cNvSpPr>
@@ -4063,8 +2479,8 @@
         </p:nvSpPr>
         <p:spPr>
           <a:xfrm>
-            <a:off x="838080" y="365040"/>
-            <a:ext cx="10515240" cy="1325160"/>
+            <a:off x="609480" y="273600"/>
+            <a:ext cx="10972440" cy="1144800"/>
           </a:xfrm>
           <a:prstGeom prst="rect">
             <a:avLst/>
@@ -4075,18 +2491,16 @@
             <a:noAutofit/>
           </a:bodyPr>
           <a:p>
-            <a:endParaRPr b="0" lang="en-US" sz="1800" spc="-1" strike="noStrike">
-              <a:solidFill>
-                <a:srgbClr val="000000"/>
-              </a:solidFill>
-              <a:latin typeface="Calibri"/>
-            </a:endParaRPr>
-          </a:p>
-        </p:txBody>
-      </p:sp>
-      <p:sp>
-        <p:nvSpPr>
-          <p:cNvPr id="10" name="PlaceHolder 2"/>
+            <a:pPr algn="ctr"/>
+            <a:endParaRPr b="0" lang="el-GR" sz="4400" spc="-1" strike="noStrike">
+              <a:latin typeface="Arial"/>
+            </a:endParaRPr>
+          </a:p>
+        </p:txBody>
+      </p:sp>
+      <p:sp>
+        <p:nvSpPr>
+          <p:cNvPr id="7" name="PlaceHolder 2"/>
           <p:cNvSpPr>
             <a:spLocks noGrp="1"/>
           </p:cNvSpPr>
@@ -4096,8 +2510,8 @@
         </p:nvSpPr>
         <p:spPr>
           <a:xfrm>
-            <a:off x="838080" y="1825560"/>
-            <a:ext cx="5131080" cy="4350960"/>
+            <a:off x="609480" y="1604520"/>
+            <a:ext cx="5354280" cy="3977280"/>
           </a:xfrm>
           <a:prstGeom prst="rect">
             <a:avLst/>
@@ -4108,18 +2522,15 @@
             <a:normAutofit/>
           </a:bodyPr>
           <a:p>
-            <a:endParaRPr b="0" lang="en-US" sz="2800" spc="-1" strike="noStrike">
-              <a:solidFill>
-                <a:srgbClr val="000000"/>
-              </a:solidFill>
-              <a:latin typeface="Calibri"/>
-            </a:endParaRPr>
-          </a:p>
-        </p:txBody>
-      </p:sp>
-      <p:sp>
-        <p:nvSpPr>
-          <p:cNvPr id="11" name="PlaceHolder 3"/>
+            <a:endParaRPr b="0" lang="el-GR" sz="3200" spc="-1" strike="noStrike">
+              <a:latin typeface="Arial"/>
+            </a:endParaRPr>
+          </a:p>
+        </p:txBody>
+      </p:sp>
+      <p:sp>
+        <p:nvSpPr>
+          <p:cNvPr id="8" name="PlaceHolder 3"/>
           <p:cNvSpPr>
             <a:spLocks noGrp="1"/>
           </p:cNvSpPr>
@@ -4129,8 +2540,8 @@
         </p:nvSpPr>
         <p:spPr>
           <a:xfrm>
-            <a:off x="6226200" y="1825560"/>
-            <a:ext cx="5131080" cy="4350960"/>
+            <a:off x="6231960" y="1604520"/>
+            <a:ext cx="5354280" cy="3977280"/>
           </a:xfrm>
           <a:prstGeom prst="rect">
             <a:avLst/>
@@ -4141,11 +2552,8 @@
             <a:normAutofit/>
           </a:bodyPr>
           <a:p>
-            <a:endParaRPr b="0" lang="en-US" sz="2800" spc="-1" strike="noStrike">
-              <a:solidFill>
-                <a:srgbClr val="000000"/>
-              </a:solidFill>
-              <a:latin typeface="Calibri"/>
+            <a:endParaRPr b="0" lang="el-GR" sz="3200" spc="-1" strike="noStrike">
+              <a:latin typeface="Arial"/>
             </a:endParaRPr>
           </a:p>
         </p:txBody>
@@ -4174,7 +2582,7 @@
       </p:grpSpPr>
       <p:sp>
         <p:nvSpPr>
-          <p:cNvPr id="12" name="PlaceHolder 1"/>
+          <p:cNvPr id="9" name="PlaceHolder 1"/>
           <p:cNvSpPr>
             <a:spLocks noGrp="1"/>
           </p:cNvSpPr>
@@ -4184,8 +2592,8 @@
         </p:nvSpPr>
         <p:spPr>
           <a:xfrm>
-            <a:off x="838080" y="365040"/>
-            <a:ext cx="10515240" cy="1325160"/>
+            <a:off x="609480" y="273600"/>
+            <a:ext cx="10972440" cy="1144800"/>
           </a:xfrm>
           <a:prstGeom prst="rect">
             <a:avLst/>
@@ -4196,11 +2604,9 @@
             <a:noAutofit/>
           </a:bodyPr>
           <a:p>
-            <a:endParaRPr b="0" lang="en-US" sz="1800" spc="-1" strike="noStrike">
-              <a:solidFill>
-                <a:srgbClr val="000000"/>
-              </a:solidFill>
-              <a:latin typeface="Calibri"/>
+            <a:pPr algn="ctr"/>
+            <a:endParaRPr b="0" lang="el-GR" sz="4400" spc="-1" strike="noStrike">
+              <a:latin typeface="Arial"/>
             </a:endParaRPr>
           </a:p>
         </p:txBody>
@@ -4229,7 +2635,7 @@
       </p:grpSpPr>
       <p:sp>
         <p:nvSpPr>
-          <p:cNvPr id="13" name="PlaceHolder 1"/>
+          <p:cNvPr id="10" name="PlaceHolder 1"/>
           <p:cNvSpPr>
             <a:spLocks noGrp="1"/>
           </p:cNvSpPr>
@@ -4239,8 +2645,8 @@
         </p:nvSpPr>
         <p:spPr>
           <a:xfrm>
-            <a:off x="838080" y="365040"/>
-            <a:ext cx="10515240" cy="6144120"/>
+            <a:off x="609480" y="273600"/>
+            <a:ext cx="10972440" cy="5307840"/>
           </a:xfrm>
           <a:prstGeom prst="rect">
             <a:avLst/>
@@ -4282,7 +2688,7 @@
       </p:grpSpPr>
       <p:sp>
         <p:nvSpPr>
-          <p:cNvPr id="14" name="PlaceHolder 1"/>
+          <p:cNvPr id="11" name="PlaceHolder 1"/>
           <p:cNvSpPr>
             <a:spLocks noGrp="1"/>
           </p:cNvSpPr>
@@ -4292,8 +2698,8 @@
         </p:nvSpPr>
         <p:spPr>
           <a:xfrm>
-            <a:off x="838080" y="365040"/>
-            <a:ext cx="10515240" cy="1325160"/>
+            <a:off x="609480" y="273600"/>
+            <a:ext cx="10972440" cy="1144800"/>
           </a:xfrm>
           <a:prstGeom prst="rect">
             <a:avLst/>
@@ -4304,18 +2710,16 @@
             <a:noAutofit/>
           </a:bodyPr>
           <a:p>
-            <a:endParaRPr b="0" lang="en-US" sz="1800" spc="-1" strike="noStrike">
-              <a:solidFill>
-                <a:srgbClr val="000000"/>
-              </a:solidFill>
-              <a:latin typeface="Calibri"/>
-            </a:endParaRPr>
-          </a:p>
-        </p:txBody>
-      </p:sp>
-      <p:sp>
-        <p:nvSpPr>
-          <p:cNvPr id="15" name="PlaceHolder 2"/>
+            <a:pPr algn="ctr"/>
+            <a:endParaRPr b="0" lang="el-GR" sz="4400" spc="-1" strike="noStrike">
+              <a:latin typeface="Arial"/>
+            </a:endParaRPr>
+          </a:p>
+        </p:txBody>
+      </p:sp>
+      <p:sp>
+        <p:nvSpPr>
+          <p:cNvPr id="12" name="PlaceHolder 2"/>
           <p:cNvSpPr>
             <a:spLocks noGrp="1"/>
           </p:cNvSpPr>
@@ -4325,8 +2729,8 @@
         </p:nvSpPr>
         <p:spPr>
           <a:xfrm>
-            <a:off x="838080" y="1825560"/>
-            <a:ext cx="5131080" cy="2075040"/>
+            <a:off x="609480" y="1604520"/>
+            <a:ext cx="5354280" cy="1896840"/>
           </a:xfrm>
           <a:prstGeom prst="rect">
             <a:avLst/>
@@ -4337,18 +2741,15 @@
             <a:normAutofit/>
           </a:bodyPr>
           <a:p>
-            <a:endParaRPr b="0" lang="en-US" sz="2800" spc="-1" strike="noStrike">
-              <a:solidFill>
-                <a:srgbClr val="000000"/>
-              </a:solidFill>
-              <a:latin typeface="Calibri"/>
-            </a:endParaRPr>
-          </a:p>
-        </p:txBody>
-      </p:sp>
-      <p:sp>
-        <p:nvSpPr>
-          <p:cNvPr id="16" name="PlaceHolder 3"/>
+            <a:endParaRPr b="0" lang="el-GR" sz="3200" spc="-1" strike="noStrike">
+              <a:latin typeface="Arial"/>
+            </a:endParaRPr>
+          </a:p>
+        </p:txBody>
+      </p:sp>
+      <p:sp>
+        <p:nvSpPr>
+          <p:cNvPr id="13" name="PlaceHolder 3"/>
           <p:cNvSpPr>
             <a:spLocks noGrp="1"/>
           </p:cNvSpPr>
@@ -4358,8 +2759,8 @@
         </p:nvSpPr>
         <p:spPr>
           <a:xfrm>
-            <a:off x="6226200" y="1825560"/>
-            <a:ext cx="5131080" cy="4350960"/>
+            <a:off x="6231960" y="1604520"/>
+            <a:ext cx="5354280" cy="3977280"/>
           </a:xfrm>
           <a:prstGeom prst="rect">
             <a:avLst/>
@@ -4370,18 +2771,15 @@
             <a:normAutofit/>
           </a:bodyPr>
           <a:p>
-            <a:endParaRPr b="0" lang="en-US" sz="2800" spc="-1" strike="noStrike">
-              <a:solidFill>
-                <a:srgbClr val="000000"/>
-              </a:solidFill>
-              <a:latin typeface="Calibri"/>
-            </a:endParaRPr>
-          </a:p>
-        </p:txBody>
-      </p:sp>
-      <p:sp>
-        <p:nvSpPr>
-          <p:cNvPr id="17" name="PlaceHolder 4"/>
+            <a:endParaRPr b="0" lang="el-GR" sz="3200" spc="-1" strike="noStrike">
+              <a:latin typeface="Arial"/>
+            </a:endParaRPr>
+          </a:p>
+        </p:txBody>
+      </p:sp>
+      <p:sp>
+        <p:nvSpPr>
+          <p:cNvPr id="14" name="PlaceHolder 4"/>
           <p:cNvSpPr>
             <a:spLocks noGrp="1"/>
           </p:cNvSpPr>
@@ -4391,8 +2789,8 @@
         </p:nvSpPr>
         <p:spPr>
           <a:xfrm>
-            <a:off x="838080" y="4098240"/>
-            <a:ext cx="5131080" cy="2075040"/>
+            <a:off x="609480" y="3682080"/>
+            <a:ext cx="5354280" cy="1896840"/>
           </a:xfrm>
           <a:prstGeom prst="rect">
             <a:avLst/>
@@ -4403,11 +2801,8 @@
             <a:normAutofit/>
           </a:bodyPr>
           <a:p>
-            <a:endParaRPr b="0" lang="en-US" sz="2800" spc="-1" strike="noStrike">
-              <a:solidFill>
-                <a:srgbClr val="000000"/>
-              </a:solidFill>
-              <a:latin typeface="Calibri"/>
+            <a:endParaRPr b="0" lang="el-GR" sz="3200" spc="-1" strike="noStrike">
+              <a:latin typeface="Arial"/>
             </a:endParaRPr>
           </a:p>
         </p:txBody>
@@ -4436,7 +2831,7 @@
       </p:grpSpPr>
       <p:sp>
         <p:nvSpPr>
-          <p:cNvPr id="18" name="PlaceHolder 1"/>
+          <p:cNvPr id="15" name="PlaceHolder 1"/>
           <p:cNvSpPr>
             <a:spLocks noGrp="1"/>
           </p:cNvSpPr>
@@ -4446,8 +2841,8 @@
         </p:nvSpPr>
         <p:spPr>
           <a:xfrm>
-            <a:off x="838080" y="365040"/>
-            <a:ext cx="10515240" cy="1325160"/>
+            <a:off x="609480" y="273600"/>
+            <a:ext cx="10972440" cy="1144800"/>
           </a:xfrm>
           <a:prstGeom prst="rect">
             <a:avLst/>
@@ -4458,18 +2853,16 @@
             <a:noAutofit/>
           </a:bodyPr>
           <a:p>
-            <a:endParaRPr b="0" lang="en-US" sz="1800" spc="-1" strike="noStrike">
-              <a:solidFill>
-                <a:srgbClr val="000000"/>
-              </a:solidFill>
-              <a:latin typeface="Calibri"/>
-            </a:endParaRPr>
-          </a:p>
-        </p:txBody>
-      </p:sp>
-      <p:sp>
-        <p:nvSpPr>
-          <p:cNvPr id="19" name="PlaceHolder 2"/>
+            <a:pPr algn="ctr"/>
+            <a:endParaRPr b="0" lang="el-GR" sz="4400" spc="-1" strike="noStrike">
+              <a:latin typeface="Arial"/>
+            </a:endParaRPr>
+          </a:p>
+        </p:txBody>
+      </p:sp>
+      <p:sp>
+        <p:nvSpPr>
+          <p:cNvPr id="16" name="PlaceHolder 2"/>
           <p:cNvSpPr>
             <a:spLocks noGrp="1"/>
           </p:cNvSpPr>
@@ -4479,8 +2872,8 @@
         </p:nvSpPr>
         <p:spPr>
           <a:xfrm>
-            <a:off x="838080" y="1825560"/>
-            <a:ext cx="5131080" cy="4350960"/>
+            <a:off x="609480" y="1604520"/>
+            <a:ext cx="5354280" cy="3977280"/>
           </a:xfrm>
           <a:prstGeom prst="rect">
             <a:avLst/>
@@ -4491,18 +2884,15 @@
             <a:normAutofit/>
           </a:bodyPr>
           <a:p>
-            <a:endParaRPr b="0" lang="en-US" sz="2800" spc="-1" strike="noStrike">
-              <a:solidFill>
-                <a:srgbClr val="000000"/>
-              </a:solidFill>
-              <a:latin typeface="Calibri"/>
-            </a:endParaRPr>
-          </a:p>
-        </p:txBody>
-      </p:sp>
-      <p:sp>
-        <p:nvSpPr>
-          <p:cNvPr id="20" name="PlaceHolder 3"/>
+            <a:endParaRPr b="0" lang="el-GR" sz="3200" spc="-1" strike="noStrike">
+              <a:latin typeface="Arial"/>
+            </a:endParaRPr>
+          </a:p>
+        </p:txBody>
+      </p:sp>
+      <p:sp>
+        <p:nvSpPr>
+          <p:cNvPr id="17" name="PlaceHolder 3"/>
           <p:cNvSpPr>
             <a:spLocks noGrp="1"/>
           </p:cNvSpPr>
@@ -4512,8 +2902,8 @@
         </p:nvSpPr>
         <p:spPr>
           <a:xfrm>
-            <a:off x="6226200" y="1825560"/>
-            <a:ext cx="5131080" cy="2075040"/>
+            <a:off x="6231960" y="1604520"/>
+            <a:ext cx="5354280" cy="1896840"/>
           </a:xfrm>
           <a:prstGeom prst="rect">
             <a:avLst/>
@@ -4524,18 +2914,15 @@
             <a:normAutofit/>
           </a:bodyPr>
           <a:p>
-            <a:endParaRPr b="0" lang="en-US" sz="2800" spc="-1" strike="noStrike">
-              <a:solidFill>
-                <a:srgbClr val="000000"/>
-              </a:solidFill>
-              <a:latin typeface="Calibri"/>
-            </a:endParaRPr>
-          </a:p>
-        </p:txBody>
-      </p:sp>
-      <p:sp>
-        <p:nvSpPr>
-          <p:cNvPr id="21" name="PlaceHolder 4"/>
+            <a:endParaRPr b="0" lang="el-GR" sz="3200" spc="-1" strike="noStrike">
+              <a:latin typeface="Arial"/>
+            </a:endParaRPr>
+          </a:p>
+        </p:txBody>
+      </p:sp>
+      <p:sp>
+        <p:nvSpPr>
+          <p:cNvPr id="18" name="PlaceHolder 4"/>
           <p:cNvSpPr>
             <a:spLocks noGrp="1"/>
           </p:cNvSpPr>
@@ -4545,8 +2932,8 @@
         </p:nvSpPr>
         <p:spPr>
           <a:xfrm>
-            <a:off x="6226200" y="4098240"/>
-            <a:ext cx="5131080" cy="2075040"/>
+            <a:off x="6231960" y="3682080"/>
+            <a:ext cx="5354280" cy="1896840"/>
           </a:xfrm>
           <a:prstGeom prst="rect">
             <a:avLst/>
@@ -4557,11 +2944,8 @@
             <a:normAutofit/>
           </a:bodyPr>
           <a:p>
-            <a:endParaRPr b="0" lang="en-US" sz="2800" spc="-1" strike="noStrike">
-              <a:solidFill>
-                <a:srgbClr val="000000"/>
-              </a:solidFill>
-              <a:latin typeface="Calibri"/>
+            <a:endParaRPr b="0" lang="el-GR" sz="3200" spc="-1" strike="noStrike">
+              <a:latin typeface="Arial"/>
             </a:endParaRPr>
           </a:p>
         </p:txBody>
@@ -4590,7 +2974,7 @@
       </p:grpSpPr>
       <p:sp>
         <p:nvSpPr>
-          <p:cNvPr id="22" name="PlaceHolder 1"/>
+          <p:cNvPr id="19" name="PlaceHolder 1"/>
           <p:cNvSpPr>
             <a:spLocks noGrp="1"/>
           </p:cNvSpPr>
@@ -4600,8 +2984,8 @@
         </p:nvSpPr>
         <p:spPr>
           <a:xfrm>
-            <a:off x="838080" y="365040"/>
-            <a:ext cx="10515240" cy="1325160"/>
+            <a:off x="609480" y="273600"/>
+            <a:ext cx="10972440" cy="1144800"/>
           </a:xfrm>
           <a:prstGeom prst="rect">
             <a:avLst/>
@@ -4612,18 +2996,16 @@
             <a:noAutofit/>
           </a:bodyPr>
           <a:p>
-            <a:endParaRPr b="0" lang="en-US" sz="1800" spc="-1" strike="noStrike">
-              <a:solidFill>
-                <a:srgbClr val="000000"/>
-              </a:solidFill>
-              <a:latin typeface="Calibri"/>
-            </a:endParaRPr>
-          </a:p>
-        </p:txBody>
-      </p:sp>
-      <p:sp>
-        <p:nvSpPr>
-          <p:cNvPr id="23" name="PlaceHolder 2"/>
+            <a:pPr algn="ctr"/>
+            <a:endParaRPr b="0" lang="el-GR" sz="4400" spc="-1" strike="noStrike">
+              <a:latin typeface="Arial"/>
+            </a:endParaRPr>
+          </a:p>
+        </p:txBody>
+      </p:sp>
+      <p:sp>
+        <p:nvSpPr>
+          <p:cNvPr id="20" name="PlaceHolder 2"/>
           <p:cNvSpPr>
             <a:spLocks noGrp="1"/>
           </p:cNvSpPr>
@@ -4633,8 +3015,8 @@
         </p:nvSpPr>
         <p:spPr>
           <a:xfrm>
-            <a:off x="838080" y="1825560"/>
-            <a:ext cx="5131080" cy="2075040"/>
+            <a:off x="609480" y="1604520"/>
+            <a:ext cx="5354280" cy="1896840"/>
           </a:xfrm>
           <a:prstGeom prst="rect">
             <a:avLst/>
@@ -4645,18 +3027,15 @@
             <a:normAutofit/>
           </a:bodyPr>
           <a:p>
-            <a:endParaRPr b="0" lang="en-US" sz="2800" spc="-1" strike="noStrike">
-              <a:solidFill>
-                <a:srgbClr val="000000"/>
-              </a:solidFill>
-              <a:latin typeface="Calibri"/>
-            </a:endParaRPr>
-          </a:p>
-        </p:txBody>
-      </p:sp>
-      <p:sp>
-        <p:nvSpPr>
-          <p:cNvPr id="24" name="PlaceHolder 3"/>
+            <a:endParaRPr b="0" lang="el-GR" sz="3200" spc="-1" strike="noStrike">
+              <a:latin typeface="Arial"/>
+            </a:endParaRPr>
+          </a:p>
+        </p:txBody>
+      </p:sp>
+      <p:sp>
+        <p:nvSpPr>
+          <p:cNvPr id="21" name="PlaceHolder 3"/>
           <p:cNvSpPr>
             <a:spLocks noGrp="1"/>
           </p:cNvSpPr>
@@ -4666,8 +3045,8 @@
         </p:nvSpPr>
         <p:spPr>
           <a:xfrm>
-            <a:off x="6226200" y="1825560"/>
-            <a:ext cx="5131080" cy="2075040"/>
+            <a:off x="6231960" y="1604520"/>
+            <a:ext cx="5354280" cy="1896840"/>
           </a:xfrm>
           <a:prstGeom prst="rect">
             <a:avLst/>
@@ -4678,18 +3057,15 @@
             <a:normAutofit/>
           </a:bodyPr>
           <a:p>
-            <a:endParaRPr b="0" lang="en-US" sz="2800" spc="-1" strike="noStrike">
-              <a:solidFill>
-                <a:srgbClr val="000000"/>
-              </a:solidFill>
-              <a:latin typeface="Calibri"/>
-            </a:endParaRPr>
-          </a:p>
-        </p:txBody>
-      </p:sp>
-      <p:sp>
-        <p:nvSpPr>
-          <p:cNvPr id="25" name="PlaceHolder 4"/>
+            <a:endParaRPr b="0" lang="el-GR" sz="3200" spc="-1" strike="noStrike">
+              <a:latin typeface="Arial"/>
+            </a:endParaRPr>
+          </a:p>
+        </p:txBody>
+      </p:sp>
+      <p:sp>
+        <p:nvSpPr>
+          <p:cNvPr id="22" name="PlaceHolder 4"/>
           <p:cNvSpPr>
             <a:spLocks noGrp="1"/>
           </p:cNvSpPr>
@@ -4699,8 +3075,8 @@
         </p:nvSpPr>
         <p:spPr>
           <a:xfrm>
-            <a:off x="838080" y="4098240"/>
-            <a:ext cx="10515240" cy="2075040"/>
+            <a:off x="609480" y="3682080"/>
+            <a:ext cx="10972440" cy="1896840"/>
           </a:xfrm>
           <a:prstGeom prst="rect">
             <a:avLst/>
@@ -4711,11 +3087,8 @@
             <a:normAutofit/>
           </a:bodyPr>
           <a:p>
-            <a:endParaRPr b="0" lang="en-US" sz="2800" spc="-1" strike="noStrike">
-              <a:solidFill>
-                <a:srgbClr val="000000"/>
-              </a:solidFill>
-              <a:latin typeface="Calibri"/>
+            <a:endParaRPr b="0" lang="el-GR" sz="3200" spc="-1" strike="noStrike">
+              <a:latin typeface="Arial"/>
             </a:endParaRPr>
           </a:p>
         </p:txBody>
@@ -4761,37 +3134,27 @@
         </p:nvSpPr>
         <p:spPr>
           <a:xfrm>
-            <a:off x="1523880" y="1122480"/>
-            <a:ext cx="9143640" cy="2387160"/>
-          </a:xfrm>
-          <a:prstGeom prst="rect">
-            <a:avLst/>
-          </a:prstGeom>
-        </p:spPr>
-        <p:txBody>
-          <a:bodyPr anchor="b">
+            <a:off x="609480" y="273600"/>
+            <a:ext cx="10972440" cy="1144800"/>
+          </a:xfrm>
+          <a:prstGeom prst="rect">
+            <a:avLst/>
+          </a:prstGeom>
+        </p:spPr>
+        <p:txBody>
+          <a:bodyPr lIns="0" rIns="0" tIns="0" bIns="0" anchor="ctr">
             <a:noAutofit/>
           </a:bodyPr>
           <a:p>
-            <a:pPr algn="ctr">
-              <a:lnSpc>
-                <a:spcPct val="90000"/>
-              </a:lnSpc>
-            </a:pPr>
+            <a:pPr algn="ctr"/>
             <a:r>
-              <a:rPr b="0" lang="en-US" sz="6000" spc="-1" strike="noStrike">
-                <a:solidFill>
-                  <a:srgbClr val="000000"/>
-                </a:solidFill>
-                <a:latin typeface="Calibri Light"/>
+              <a:rPr b="0" lang="el-GR" sz="4400" spc="-1" strike="noStrike">
+                <a:latin typeface="Arial"/>
               </a:rPr>
-              <a:t>Click to edit Master title style</a:t>
+              <a:t>Πατήστε για επεξεργασία της μορφής κειμένου του τίτλου</a:t>
             </a:r>
-            <a:endParaRPr b="0" lang="en-US" sz="6000" spc="-1" strike="noStrike">
-              <a:solidFill>
-                <a:srgbClr val="000000"/>
-              </a:solidFill>
-              <a:latin typeface="Calibri"/>
+            <a:endParaRPr b="0" lang="el-GR" sz="4400" spc="-1" strike="noStrike">
+              <a:latin typeface="Arial"/>
             </a:endParaRPr>
           </a:p>
         </p:txBody>
@@ -4799,124 +3162,6 @@
       <p:sp>
         <p:nvSpPr>
           <p:cNvPr id="1" name="PlaceHolder 2"/>
-          <p:cNvSpPr>
-            <a:spLocks noGrp="1"/>
-          </p:cNvSpPr>
-          <p:nvPr>
-            <p:ph type="dt"/>
-          </p:nvPr>
-        </p:nvSpPr>
-        <p:spPr>
-          <a:xfrm>
-            <a:off x="838080" y="6356520"/>
-            <a:ext cx="2742840" cy="364680"/>
-          </a:xfrm>
-          <a:prstGeom prst="rect">
-            <a:avLst/>
-          </a:prstGeom>
-        </p:spPr>
-        <p:txBody>
-          <a:bodyPr anchor="ctr">
-            <a:noAutofit/>
-          </a:bodyPr>
-          <a:p>
-            <a:pPr>
-              <a:lnSpc>
-                <a:spcPct val="100000"/>
-              </a:lnSpc>
-            </a:pPr>
-            <a:fld id="{CEB26779-BF05-4331-AF49-0464649DC470}" type="datetime">
-              <a:rPr b="0" lang="en-US" sz="1200" spc="-1" strike="noStrike">
-                <a:solidFill>
-                  <a:srgbClr val="8b8b8b"/>
-                </a:solidFill>
-                <a:latin typeface="Calibri"/>
-              </a:rPr>
-              <a:t>11/12/20</a:t>
-            </a:fld>
-            <a:endParaRPr b="0" lang="el-GR" sz="1200" spc="-1" strike="noStrike">
-              <a:latin typeface="Times New Roman"/>
-            </a:endParaRPr>
-          </a:p>
-        </p:txBody>
-      </p:sp>
-      <p:sp>
-        <p:nvSpPr>
-          <p:cNvPr id="2" name="PlaceHolder 3"/>
-          <p:cNvSpPr>
-            <a:spLocks noGrp="1"/>
-          </p:cNvSpPr>
-          <p:nvPr>
-            <p:ph type="ftr"/>
-          </p:nvPr>
-        </p:nvSpPr>
-        <p:spPr>
-          <a:xfrm>
-            <a:off x="4038480" y="6356520"/>
-            <a:ext cx="4114440" cy="364680"/>
-          </a:xfrm>
-          <a:prstGeom prst="rect">
-            <a:avLst/>
-          </a:prstGeom>
-        </p:spPr>
-        <p:txBody>
-          <a:bodyPr anchor="ctr">
-            <a:noAutofit/>
-          </a:bodyPr>
-          <a:p>
-            <a:endParaRPr b="0" lang="el-GR" sz="2400" spc="-1" strike="noStrike">
-              <a:latin typeface="Times New Roman"/>
-            </a:endParaRPr>
-          </a:p>
-        </p:txBody>
-      </p:sp>
-      <p:sp>
-        <p:nvSpPr>
-          <p:cNvPr id="3" name="PlaceHolder 4"/>
-          <p:cNvSpPr>
-            <a:spLocks noGrp="1"/>
-          </p:cNvSpPr>
-          <p:nvPr>
-            <p:ph type="sldNum"/>
-          </p:nvPr>
-        </p:nvSpPr>
-        <p:spPr>
-          <a:xfrm>
-            <a:off x="8610480" y="6356520"/>
-            <a:ext cx="2742840" cy="364680"/>
-          </a:xfrm>
-          <a:prstGeom prst="rect">
-            <a:avLst/>
-          </a:prstGeom>
-        </p:spPr>
-        <p:txBody>
-          <a:bodyPr anchor="ctr">
-            <a:noAutofit/>
-          </a:bodyPr>
-          <a:p>
-            <a:pPr algn="r">
-              <a:lnSpc>
-                <a:spcPct val="100000"/>
-              </a:lnSpc>
-            </a:pPr>
-            <a:fld id="{F467B511-9D36-4A41-925B-D2347B16D90E}" type="slidenum">
-              <a:rPr b="0" lang="en-US" sz="1200" spc="-1" strike="noStrike">
-                <a:solidFill>
-                  <a:srgbClr val="8b8b8b"/>
-                </a:solidFill>
-                <a:latin typeface="Calibri"/>
-              </a:rPr>
-              <a:t>&lt;αριθμός&gt;</a:t>
-            </a:fld>
-            <a:endParaRPr b="0" lang="el-GR" sz="1200" spc="-1" strike="noStrike">
-              <a:latin typeface="Times New Roman"/>
-            </a:endParaRPr>
-          </a:p>
-        </p:txBody>
-      </p:sp>
-      <p:sp>
-        <p:nvSpPr>
-          <p:cNvPr id="4" name="PlaceHolder 5"/>
           <p:cNvSpPr>
             <a:spLocks noGrp="1"/>
           </p:cNvSpPr>
@@ -4950,19 +3195,13 @@
               <a:buChar char=""/>
             </a:pPr>
             <a:r>
-              <a:rPr b="0" lang="en-US" sz="2800" spc="-1" strike="noStrike">
-                <a:solidFill>
-                  <a:srgbClr val="000000"/>
-                </a:solidFill>
-                <a:latin typeface="Calibri"/>
+              <a:rPr b="0" lang="el-GR" sz="3200" spc="-1" strike="noStrike">
+                <a:latin typeface="Arial"/>
               </a:rPr>
               <a:t>Πατήστε για επεξεργασία της μορφής κειμένου διάρθρωσης</a:t>
             </a:r>
-            <a:endParaRPr b="0" lang="en-US" sz="2800" spc="-1" strike="noStrike">
-              <a:solidFill>
-                <a:srgbClr val="000000"/>
-              </a:solidFill>
-              <a:latin typeface="Calibri"/>
+            <a:endParaRPr b="0" lang="el-GR" sz="3200" spc="-1" strike="noStrike">
+              <a:latin typeface="Arial"/>
             </a:endParaRPr>
           </a:p>
           <a:p>
@@ -4978,19 +3217,13 @@
               <a:buChar char=""/>
             </a:pPr>
             <a:r>
-              <a:rPr b="0" lang="en-US" sz="2000" spc="-1" strike="noStrike">
-                <a:solidFill>
-                  <a:srgbClr val="000000"/>
-                </a:solidFill>
-                <a:latin typeface="Calibri"/>
+              <a:rPr b="0" lang="el-GR" sz="2800" spc="-1" strike="noStrike">
+                <a:latin typeface="Arial"/>
               </a:rPr>
               <a:t>Δεύτερο επίπεδο διάρθρωσης</a:t>
             </a:r>
-            <a:endParaRPr b="0" lang="en-US" sz="2000" spc="-1" strike="noStrike">
-              <a:solidFill>
-                <a:srgbClr val="000000"/>
-              </a:solidFill>
-              <a:latin typeface="Calibri"/>
+            <a:endParaRPr b="0" lang="el-GR" sz="2800" spc="-1" strike="noStrike">
+              <a:latin typeface="Arial"/>
             </a:endParaRPr>
           </a:p>
           <a:p>
@@ -5006,19 +3239,13 @@
               <a:buChar char=""/>
             </a:pPr>
             <a:r>
-              <a:rPr b="0" lang="en-US" sz="1800" spc="-1" strike="noStrike">
-                <a:solidFill>
-                  <a:srgbClr val="000000"/>
-                </a:solidFill>
-                <a:latin typeface="Calibri"/>
+              <a:rPr b="0" lang="el-GR" sz="2400" spc="-1" strike="noStrike">
+                <a:latin typeface="Arial"/>
               </a:rPr>
               <a:t>Τρίτο επίπεδο διάρθρωσης</a:t>
             </a:r>
-            <a:endParaRPr b="0" lang="en-US" sz="1800" spc="-1" strike="noStrike">
-              <a:solidFill>
-                <a:srgbClr val="000000"/>
-              </a:solidFill>
-              <a:latin typeface="Calibri"/>
+            <a:endParaRPr b="0" lang="el-GR" sz="2400" spc="-1" strike="noStrike">
+              <a:latin typeface="Arial"/>
             </a:endParaRPr>
           </a:p>
           <a:p>
@@ -5034,19 +3261,13 @@
               <a:buChar char=""/>
             </a:pPr>
             <a:r>
-              <a:rPr b="0" lang="en-US" sz="1800" spc="-1" strike="noStrike">
-                <a:solidFill>
-                  <a:srgbClr val="000000"/>
-                </a:solidFill>
-                <a:latin typeface="Calibri"/>
+              <a:rPr b="0" lang="el-GR" sz="2000" spc="-1" strike="noStrike">
+                <a:latin typeface="Arial"/>
               </a:rPr>
               <a:t>Τέταρτο επίπεδο διάρθρωσης</a:t>
             </a:r>
-            <a:endParaRPr b="0" lang="en-US" sz="1800" spc="-1" strike="noStrike">
-              <a:solidFill>
-                <a:srgbClr val="000000"/>
-              </a:solidFill>
-              <a:latin typeface="Calibri"/>
+            <a:endParaRPr b="0" lang="el-GR" sz="2000" spc="-1" strike="noStrike">
+              <a:latin typeface="Arial"/>
             </a:endParaRPr>
           </a:p>
           <a:p>
@@ -5062,19 +3283,13 @@
               <a:buChar char=""/>
             </a:pPr>
             <a:r>
-              <a:rPr b="0" lang="en-US" sz="2000" spc="-1" strike="noStrike">
-                <a:solidFill>
-                  <a:srgbClr val="000000"/>
-                </a:solidFill>
-                <a:latin typeface="Calibri"/>
+              <a:rPr b="0" lang="el-GR" sz="2000" spc="-1" strike="noStrike">
+                <a:latin typeface="Arial"/>
               </a:rPr>
               <a:t>Πέμπτο επίπεδο διάρθρωσης</a:t>
             </a:r>
-            <a:endParaRPr b="0" lang="en-US" sz="2000" spc="-1" strike="noStrike">
-              <a:solidFill>
-                <a:srgbClr val="000000"/>
-              </a:solidFill>
-              <a:latin typeface="Calibri"/>
+            <a:endParaRPr b="0" lang="el-GR" sz="2000" spc="-1" strike="noStrike">
+              <a:latin typeface="Arial"/>
             </a:endParaRPr>
           </a:p>
           <a:p>
@@ -5090,19 +3305,13 @@
               <a:buChar char=""/>
             </a:pPr>
             <a:r>
-              <a:rPr b="0" lang="en-US" sz="2000" spc="-1" strike="noStrike">
-                <a:solidFill>
-                  <a:srgbClr val="000000"/>
-                </a:solidFill>
-                <a:latin typeface="Calibri"/>
+              <a:rPr b="0" lang="el-GR" sz="2000" spc="-1" strike="noStrike">
+                <a:latin typeface="Arial"/>
               </a:rPr>
               <a:t>Έκτο επίπεδο διάρθρωσης</a:t>
             </a:r>
-            <a:endParaRPr b="0" lang="en-US" sz="2000" spc="-1" strike="noStrike">
-              <a:solidFill>
-                <a:srgbClr val="000000"/>
-              </a:solidFill>
-              <a:latin typeface="Calibri"/>
+            <a:endParaRPr b="0" lang="el-GR" sz="2000" spc="-1" strike="noStrike">
+              <a:latin typeface="Arial"/>
             </a:endParaRPr>
           </a:p>
           <a:p>
@@ -5118,19 +3327,13 @@
               <a:buChar char=""/>
             </a:pPr>
             <a:r>
-              <a:rPr b="0" lang="en-US" sz="2000" spc="-1" strike="noStrike">
-                <a:solidFill>
-                  <a:srgbClr val="000000"/>
-                </a:solidFill>
-                <a:latin typeface="Calibri"/>
+              <a:rPr b="0" lang="el-GR" sz="2000" spc="-1" strike="noStrike">
+                <a:latin typeface="Arial"/>
               </a:rPr>
               <a:t>Έβδομο επίπεδο διάρθρωσης</a:t>
             </a:r>
-            <a:endParaRPr b="0" lang="en-US" sz="2000" spc="-1" strike="noStrike">
-              <a:solidFill>
-                <a:srgbClr val="000000"/>
-              </a:solidFill>
-              <a:latin typeface="Calibri"/>
+            <a:endParaRPr b="0" lang="el-GR" sz="2000" spc="-1" strike="noStrike">
+              <a:latin typeface="Arial"/>
             </a:endParaRPr>
           </a:p>
         </p:txBody>
@@ -5181,391 +3384,7 @@
       </p:grpSpPr>
       <p:sp>
         <p:nvSpPr>
-          <p:cNvPr id="41" name="PlaceHolder 1"/>
-          <p:cNvSpPr>
-            <a:spLocks noGrp="1"/>
-          </p:cNvSpPr>
-          <p:nvPr>
-            <p:ph type="title"/>
-          </p:nvPr>
-        </p:nvSpPr>
-        <p:spPr>
-          <a:xfrm>
-            <a:off x="838080" y="365040"/>
-            <a:ext cx="10515240" cy="1325160"/>
-          </a:xfrm>
-          <a:prstGeom prst="rect">
-            <a:avLst/>
-          </a:prstGeom>
-        </p:spPr>
-        <p:txBody>
-          <a:bodyPr anchor="ctr">
-            <a:noAutofit/>
-          </a:bodyPr>
-          <a:p>
-            <a:pPr>
-              <a:lnSpc>
-                <a:spcPct val="90000"/>
-              </a:lnSpc>
-            </a:pPr>
-            <a:r>
-              <a:rPr b="0" lang="en-US" sz="4400" spc="-1" strike="noStrike">
-                <a:solidFill>
-                  <a:srgbClr val="000000"/>
-                </a:solidFill>
-                <a:latin typeface="Calibri Light"/>
-              </a:rPr>
-              <a:t>Click to edit Master title style</a:t>
-            </a:r>
-            <a:endParaRPr b="0" lang="en-US" sz="4400" spc="-1" strike="noStrike">
-              <a:solidFill>
-                <a:srgbClr val="000000"/>
-              </a:solidFill>
-              <a:latin typeface="Calibri"/>
-            </a:endParaRPr>
-          </a:p>
-        </p:txBody>
-      </p:sp>
-      <p:sp>
-        <p:nvSpPr>
-          <p:cNvPr id="42" name="PlaceHolder 2"/>
-          <p:cNvSpPr>
-            <a:spLocks noGrp="1"/>
-          </p:cNvSpPr>
-          <p:nvPr>
-            <p:ph type="body"/>
-          </p:nvPr>
-        </p:nvSpPr>
-        <p:spPr>
-          <a:xfrm>
-            <a:off x="838080" y="1825560"/>
-            <a:ext cx="10515240" cy="4350960"/>
-          </a:xfrm>
-          <a:prstGeom prst="rect">
-            <a:avLst/>
-          </a:prstGeom>
-        </p:spPr>
-        <p:txBody>
-          <a:bodyPr>
-            <a:noAutofit/>
-          </a:bodyPr>
-          <a:p>
-            <a:pPr marL="228600" indent="-228240">
-              <a:lnSpc>
-                <a:spcPct val="90000"/>
-              </a:lnSpc>
-              <a:spcBef>
-                <a:spcPts val="1001"/>
-              </a:spcBef>
-              <a:buClr>
-                <a:srgbClr val="000000"/>
-              </a:buClr>
-              <a:buFont typeface="Arial"/>
-              <a:buChar char="•"/>
-            </a:pPr>
-            <a:r>
-              <a:rPr b="0" lang="en-US" sz="2800" spc="-1" strike="noStrike">
-                <a:solidFill>
-                  <a:srgbClr val="000000"/>
-                </a:solidFill>
-                <a:latin typeface="Calibri"/>
-              </a:rPr>
-              <a:t>Edit Master text styles</a:t>
-            </a:r>
-            <a:endParaRPr b="0" lang="en-US" sz="2800" spc="-1" strike="noStrike">
-              <a:solidFill>
-                <a:srgbClr val="000000"/>
-              </a:solidFill>
-              <a:latin typeface="Calibri"/>
-            </a:endParaRPr>
-          </a:p>
-          <a:p>
-            <a:pPr lvl="1" marL="685800" indent="-228240">
-              <a:lnSpc>
-                <a:spcPct val="90000"/>
-              </a:lnSpc>
-              <a:spcBef>
-                <a:spcPts val="499"/>
-              </a:spcBef>
-              <a:buClr>
-                <a:srgbClr val="000000"/>
-              </a:buClr>
-              <a:buFont typeface="Arial"/>
-              <a:buChar char="•"/>
-            </a:pPr>
-            <a:r>
-              <a:rPr b="0" lang="en-US" sz="2400" spc="-1" strike="noStrike">
-                <a:solidFill>
-                  <a:srgbClr val="000000"/>
-                </a:solidFill>
-                <a:latin typeface="Calibri"/>
-              </a:rPr>
-              <a:t>Second level</a:t>
-            </a:r>
-            <a:endParaRPr b="0" lang="en-US" sz="2400" spc="-1" strike="noStrike">
-              <a:solidFill>
-                <a:srgbClr val="000000"/>
-              </a:solidFill>
-              <a:latin typeface="Calibri"/>
-            </a:endParaRPr>
-          </a:p>
-          <a:p>
-            <a:pPr lvl="2" marL="1143000" indent="-228240">
-              <a:lnSpc>
-                <a:spcPct val="90000"/>
-              </a:lnSpc>
-              <a:spcBef>
-                <a:spcPts val="499"/>
-              </a:spcBef>
-              <a:buClr>
-                <a:srgbClr val="000000"/>
-              </a:buClr>
-              <a:buFont typeface="Arial"/>
-              <a:buChar char="•"/>
-            </a:pPr>
-            <a:r>
-              <a:rPr b="0" lang="en-US" sz="2000" spc="-1" strike="noStrike">
-                <a:solidFill>
-                  <a:srgbClr val="000000"/>
-                </a:solidFill>
-                <a:latin typeface="Calibri"/>
-              </a:rPr>
-              <a:t>Third level</a:t>
-            </a:r>
-            <a:endParaRPr b="0" lang="en-US" sz="2000" spc="-1" strike="noStrike">
-              <a:solidFill>
-                <a:srgbClr val="000000"/>
-              </a:solidFill>
-              <a:latin typeface="Calibri"/>
-            </a:endParaRPr>
-          </a:p>
-          <a:p>
-            <a:pPr lvl="3" marL="1600200" indent="-228240">
-              <a:lnSpc>
-                <a:spcPct val="90000"/>
-              </a:lnSpc>
-              <a:spcBef>
-                <a:spcPts val="499"/>
-              </a:spcBef>
-              <a:buClr>
-                <a:srgbClr val="000000"/>
-              </a:buClr>
-              <a:buFont typeface="Arial"/>
-              <a:buChar char="•"/>
-            </a:pPr>
-            <a:r>
-              <a:rPr b="0" lang="en-US" sz="1800" spc="-1" strike="noStrike">
-                <a:solidFill>
-                  <a:srgbClr val="000000"/>
-                </a:solidFill>
-                <a:latin typeface="Calibri"/>
-              </a:rPr>
-              <a:t>Fourth level</a:t>
-            </a:r>
-            <a:endParaRPr b="0" lang="en-US" sz="1800" spc="-1" strike="noStrike">
-              <a:solidFill>
-                <a:srgbClr val="000000"/>
-              </a:solidFill>
-              <a:latin typeface="Calibri"/>
-            </a:endParaRPr>
-          </a:p>
-          <a:p>
-            <a:pPr lvl="4" marL="2057400" indent="-228240">
-              <a:lnSpc>
-                <a:spcPct val="90000"/>
-              </a:lnSpc>
-              <a:spcBef>
-                <a:spcPts val="499"/>
-              </a:spcBef>
-              <a:buClr>
-                <a:srgbClr val="000000"/>
-              </a:buClr>
-              <a:buFont typeface="Arial"/>
-              <a:buChar char="•"/>
-            </a:pPr>
-            <a:r>
-              <a:rPr b="0" lang="en-US" sz="1800" spc="-1" strike="noStrike">
-                <a:solidFill>
-                  <a:srgbClr val="000000"/>
-                </a:solidFill>
-                <a:latin typeface="Calibri"/>
-              </a:rPr>
-              <a:t>Fifth level</a:t>
-            </a:r>
-            <a:endParaRPr b="0" lang="en-US" sz="1800" spc="-1" strike="noStrike">
-              <a:solidFill>
-                <a:srgbClr val="000000"/>
-              </a:solidFill>
-              <a:latin typeface="Calibri"/>
-            </a:endParaRPr>
-          </a:p>
-        </p:txBody>
-      </p:sp>
-      <p:sp>
-        <p:nvSpPr>
-          <p:cNvPr id="43" name="PlaceHolder 3"/>
-          <p:cNvSpPr>
-            <a:spLocks noGrp="1"/>
-          </p:cNvSpPr>
-          <p:nvPr>
-            <p:ph type="dt"/>
-          </p:nvPr>
-        </p:nvSpPr>
-        <p:spPr>
-          <a:xfrm>
-            <a:off x="838080" y="6356520"/>
-            <a:ext cx="2742840" cy="364680"/>
-          </a:xfrm>
-          <a:prstGeom prst="rect">
-            <a:avLst/>
-          </a:prstGeom>
-        </p:spPr>
-        <p:txBody>
-          <a:bodyPr anchor="ctr">
-            <a:noAutofit/>
-          </a:bodyPr>
-          <a:p>
-            <a:pPr>
-              <a:lnSpc>
-                <a:spcPct val="100000"/>
-              </a:lnSpc>
-            </a:pPr>
-            <a:fld id="{0F6C5395-27CE-45BF-A645-65924A66BC05}" type="datetime">
-              <a:rPr b="0" lang="en-US" sz="1200" spc="-1" strike="noStrike">
-                <a:solidFill>
-                  <a:srgbClr val="8b8b8b"/>
-                </a:solidFill>
-                <a:latin typeface="Calibri"/>
-              </a:rPr>
-              <a:t>11/12/20</a:t>
-            </a:fld>
-            <a:endParaRPr b="0" lang="el-GR" sz="1200" spc="-1" strike="noStrike">
-              <a:latin typeface="Times New Roman"/>
-            </a:endParaRPr>
-          </a:p>
-        </p:txBody>
-      </p:sp>
-      <p:sp>
-        <p:nvSpPr>
-          <p:cNvPr id="44" name="PlaceHolder 4"/>
-          <p:cNvSpPr>
-            <a:spLocks noGrp="1"/>
-          </p:cNvSpPr>
-          <p:nvPr>
-            <p:ph type="ftr"/>
-          </p:nvPr>
-        </p:nvSpPr>
-        <p:spPr>
-          <a:xfrm>
-            <a:off x="4038480" y="6356520"/>
-            <a:ext cx="4114440" cy="364680"/>
-          </a:xfrm>
-          <a:prstGeom prst="rect">
-            <a:avLst/>
-          </a:prstGeom>
-        </p:spPr>
-        <p:txBody>
-          <a:bodyPr anchor="ctr">
-            <a:noAutofit/>
-          </a:bodyPr>
-          <a:p>
-            <a:endParaRPr b="0" lang="el-GR" sz="2400" spc="-1" strike="noStrike">
-              <a:latin typeface="Times New Roman"/>
-            </a:endParaRPr>
-          </a:p>
-        </p:txBody>
-      </p:sp>
-      <p:sp>
-        <p:nvSpPr>
-          <p:cNvPr id="45" name="PlaceHolder 5"/>
-          <p:cNvSpPr>
-            <a:spLocks noGrp="1"/>
-          </p:cNvSpPr>
-          <p:nvPr>
-            <p:ph type="sldNum"/>
-          </p:nvPr>
-        </p:nvSpPr>
-        <p:spPr>
-          <a:xfrm>
-            <a:off x="8610480" y="6356520"/>
-            <a:ext cx="2742840" cy="364680"/>
-          </a:xfrm>
-          <a:prstGeom prst="rect">
-            <a:avLst/>
-          </a:prstGeom>
-        </p:spPr>
-        <p:txBody>
-          <a:bodyPr anchor="ctr">
-            <a:noAutofit/>
-          </a:bodyPr>
-          <a:p>
-            <a:pPr algn="r">
-              <a:lnSpc>
-                <a:spcPct val="100000"/>
-              </a:lnSpc>
-            </a:pPr>
-            <a:fld id="{2720BBFA-E312-4B33-A1AD-BAFB64B7646A}" type="slidenum">
-              <a:rPr b="0" lang="en-US" sz="1200" spc="-1" strike="noStrike">
-                <a:solidFill>
-                  <a:srgbClr val="8b8b8b"/>
-                </a:solidFill>
-                <a:latin typeface="Calibri"/>
-              </a:rPr>
-              <a:t>&lt;αριθμός&gt;</a:t>
-            </a:fld>
-            <a:endParaRPr b="0" lang="el-GR" sz="1200" spc="-1" strike="noStrike">
-              <a:latin typeface="Times New Roman"/>
-            </a:endParaRPr>
-          </a:p>
-        </p:txBody>
-      </p:sp>
-    </p:spTree>
-  </p:cSld>
-  <p:clrMap bg1="lt1" bg2="lt2" tx1="dk1" tx2="dk2" accent1="accent1" accent2="accent2" accent3="accent3" accent4="accent4" accent5="accent5" accent6="accent6" hlink="hlink" folHlink="folHlink"/>
-  <p:sldLayoutIdLst>
-    <p:sldLayoutId id="2147483662" r:id="rId2"/>
-    <p:sldLayoutId id="2147483663" r:id="rId3"/>
-    <p:sldLayoutId id="2147483664" r:id="rId4"/>
-    <p:sldLayoutId id="2147483665" r:id="rId5"/>
-    <p:sldLayoutId id="2147483666" r:id="rId6"/>
-    <p:sldLayoutId id="2147483667" r:id="rId7"/>
-    <p:sldLayoutId id="2147483668" r:id="rId8"/>
-    <p:sldLayoutId id="2147483669" r:id="rId9"/>
-    <p:sldLayoutId id="2147483670" r:id="rId10"/>
-    <p:sldLayoutId id="2147483671" r:id="rId11"/>
-    <p:sldLayoutId id="2147483672" r:id="rId12"/>
-    <p:sldLayoutId id="2147483673" r:id="rId13"/>
-  </p:sldLayoutIdLst>
-</p:sldMaster>
-</file>
-
-<file path=ppt/slideMasters/slideMaster3.xml><?xml version="1.0" encoding="utf-8"?>
-<p:sldMaster xmlns:a="http://schemas.openxmlformats.org/drawingml/2006/main" xmlns:p="http://schemas.openxmlformats.org/presentationml/2006/main" xmlns:r="http://schemas.openxmlformats.org/officeDocument/2006/relationships" xmlns:p14="http://schemas.microsoft.com/office/powerpoint/2010/main" xmlns:p15="http://schemas.microsoft.com/office/powerpoint/2012/main" xmlns:mc="http://schemas.openxmlformats.org/markup-compatibility/2006">
-  <p:cSld>
-    <p:bg>
-      <p:bgPr>
-        <a:solidFill>
-          <a:srgbClr val="ffffff"/>
-        </a:solidFill>
-      </p:bgPr>
-    </p:bg>
-    <p:spTree>
-      <p:nvGrpSpPr>
-        <p:cNvPr id="1" name=""/>
-        <p:cNvGrpSpPr/>
-        <p:nvPr/>
-      </p:nvGrpSpPr>
-      <p:grpSpPr>
-        <a:xfrm>
-          <a:off x="0" y="0"/>
-          <a:ext cx="0" cy="0"/>
-          <a:chOff x="0" y="0"/>
-          <a:chExt cx="0" cy="0"/>
-        </a:xfrm>
-      </p:grpSpPr>
-      <p:sp>
-        <p:nvSpPr>
-          <p:cNvPr id="82" name="PlaceHolder 1"/>
+          <p:cNvPr id="38" name="PlaceHolder 1"/>
           <p:cNvSpPr>
             <a:spLocks noGrp="1"/>
           </p:cNvSpPr>
@@ -5602,7 +3421,7 @@
       </p:sp>
       <p:sp>
         <p:nvSpPr>
-          <p:cNvPr id="83" name="PlaceHolder 2"/>
+          <p:cNvPr id="39" name="PlaceHolder 2"/>
           <p:cNvSpPr>
             <a:spLocks noGrp="1"/>
           </p:cNvSpPr>
@@ -5783,18 +3602,18 @@
   </p:cSld>
   <p:clrMap bg1="lt1" bg2="lt2" tx1="dk1" tx2="dk2" accent1="accent1" accent2="accent2" accent3="accent3" accent4="accent4" accent5="accent5" accent6="accent6" hlink="hlink" folHlink="folHlink"/>
   <p:sldLayoutIdLst>
-    <p:sldLayoutId id="2147483675" r:id="rId2"/>
-    <p:sldLayoutId id="2147483676" r:id="rId3"/>
-    <p:sldLayoutId id="2147483677" r:id="rId4"/>
-    <p:sldLayoutId id="2147483678" r:id="rId5"/>
-    <p:sldLayoutId id="2147483679" r:id="rId6"/>
-    <p:sldLayoutId id="2147483680" r:id="rId7"/>
-    <p:sldLayoutId id="2147483681" r:id="rId8"/>
-    <p:sldLayoutId id="2147483682" r:id="rId9"/>
-    <p:sldLayoutId id="2147483683" r:id="rId10"/>
-    <p:sldLayoutId id="2147483684" r:id="rId11"/>
-    <p:sldLayoutId id="2147483685" r:id="rId12"/>
-    <p:sldLayoutId id="2147483686" r:id="rId13"/>
+    <p:sldLayoutId id="2147483662" r:id="rId2"/>
+    <p:sldLayoutId id="2147483663" r:id="rId3"/>
+    <p:sldLayoutId id="2147483664" r:id="rId4"/>
+    <p:sldLayoutId id="2147483665" r:id="rId5"/>
+    <p:sldLayoutId id="2147483666" r:id="rId6"/>
+    <p:sldLayoutId id="2147483667" r:id="rId7"/>
+    <p:sldLayoutId id="2147483668" r:id="rId8"/>
+    <p:sldLayoutId id="2147483669" r:id="rId9"/>
+    <p:sldLayoutId id="2147483670" r:id="rId10"/>
+    <p:sldLayoutId id="2147483671" r:id="rId11"/>
+    <p:sldLayoutId id="2147483672" r:id="rId12"/>
+    <p:sldLayoutId id="2147483673" r:id="rId13"/>
   </p:sldLayoutIdLst>
 </p:sldMaster>
 </file>
@@ -5818,14 +3637,14 @@
       </p:grpSpPr>
       <p:sp>
         <p:nvSpPr>
-          <p:cNvPr id="126" name="CustomShape 1"/>
+          <p:cNvPr id="82" name="CustomShape 1"/>
           <p:cNvSpPr/>
           <p:nvPr/>
         </p:nvSpPr>
         <p:spPr>
           <a:xfrm>
             <a:off x="1523880" y="1122480"/>
-            <a:ext cx="9142560" cy="2386080"/>
+            <a:ext cx="9142200" cy="2385720"/>
           </a:xfrm>
           <a:prstGeom prst="rect">
             <a:avLst/>
@@ -5869,14 +3688,14 @@
       </p:sp>
       <p:sp>
         <p:nvSpPr>
-          <p:cNvPr id="127" name="CustomShape 2"/>
+          <p:cNvPr id="83" name="CustomShape 2"/>
           <p:cNvSpPr/>
           <p:nvPr/>
         </p:nvSpPr>
         <p:spPr>
           <a:xfrm>
             <a:off x="1523880" y="3602160"/>
-            <a:ext cx="9142560" cy="1081080"/>
+            <a:ext cx="9142200" cy="1080720"/>
           </a:xfrm>
           <a:prstGeom prst="rect">
             <a:avLst/>
@@ -6004,14 +3823,14 @@
       </p:sp>
       <p:sp>
         <p:nvSpPr>
-          <p:cNvPr id="128" name="CustomShape 3"/>
+          <p:cNvPr id="84" name="CustomShape 3"/>
           <p:cNvSpPr/>
           <p:nvPr/>
         </p:nvSpPr>
         <p:spPr>
           <a:xfrm>
             <a:off x="1523880" y="5395320"/>
-            <a:ext cx="9142560" cy="1081080"/>
+            <a:ext cx="9142200" cy="1080720"/>
           </a:xfrm>
           <a:prstGeom prst="rect">
             <a:avLst/>
@@ -6147,14 +3966,14 @@
       </p:grpSpPr>
       <p:sp>
         <p:nvSpPr>
-          <p:cNvPr id="129" name="TextShape 1"/>
-          <p:cNvSpPr txBox="1"/>
+          <p:cNvPr id="85" name="CustomShape 1"/>
+          <p:cNvSpPr/>
           <p:nvPr/>
         </p:nvSpPr>
         <p:spPr>
           <a:xfrm>
             <a:off x="838080" y="365040"/>
-            <a:ext cx="10515240" cy="1325160"/>
+            <a:ext cx="10514880" cy="1324800"/>
           </a:xfrm>
           <a:prstGeom prst="rect">
             <a:avLst/>
@@ -6164,8 +3983,14 @@
             <a:noFill/>
           </a:ln>
         </p:spPr>
-        <p:txBody>
-          <a:bodyPr anchor="ctr">
+        <p:style>
+          <a:lnRef idx="0"/>
+          <a:fillRef idx="0"/>
+          <a:effectRef idx="0"/>
+          <a:fontRef idx="minor"/>
+        </p:style>
+        <p:txBody>
+          <a:bodyPr lIns="90000" rIns="90000" tIns="45000" bIns="45000" anchor="ctr">
             <a:noAutofit/>
           </a:bodyPr>
           <a:p>
@@ -6183,25 +4008,22 @@
               </a:rPr>
               <a:t>Class content</a:t>
             </a:r>
-            <a:endParaRPr b="0" lang="en-US" sz="4400" spc="-1" strike="noStrike">
-              <a:solidFill>
-                <a:srgbClr val="000000"/>
-              </a:solidFill>
-              <a:latin typeface="Calibri"/>
-            </a:endParaRPr>
-          </a:p>
-        </p:txBody>
-      </p:sp>
-      <p:sp>
-        <p:nvSpPr>
-          <p:cNvPr id="130" name="TextShape 2"/>
-          <p:cNvSpPr txBox="1"/>
+            <a:endParaRPr b="0" lang="el-GR" sz="4400" spc="-1" strike="noStrike">
+              <a:latin typeface="Arial"/>
+            </a:endParaRPr>
+          </a:p>
+        </p:txBody>
+      </p:sp>
+      <p:sp>
+        <p:nvSpPr>
+          <p:cNvPr id="86" name="CustomShape 2"/>
+          <p:cNvSpPr/>
           <p:nvPr/>
         </p:nvSpPr>
         <p:spPr>
           <a:xfrm>
             <a:off x="838080" y="1825560"/>
-            <a:ext cx="4419360" cy="4350960"/>
+            <a:ext cx="4419000" cy="4350600"/>
           </a:xfrm>
           <a:prstGeom prst="rect">
             <a:avLst/>
@@ -6211,12 +4033,18 @@
             <a:noFill/>
           </a:ln>
         </p:spPr>
-        <p:txBody>
-          <a:bodyPr>
+        <p:style>
+          <a:lnRef idx="0"/>
+          <a:fillRef idx="0"/>
+          <a:effectRef idx="0"/>
+          <a:fontRef idx="minor"/>
+        </p:style>
+        <p:txBody>
+          <a:bodyPr lIns="90000" rIns="90000" tIns="45000" bIns="45000">
             <a:normAutofit fontScale="94000"/>
           </a:bodyPr>
           <a:p>
-            <a:pPr marL="228600" indent="-228240">
+            <a:pPr marL="228600" indent="-227880">
               <a:lnSpc>
                 <a:spcPct val="90000"/>
               </a:lnSpc>
@@ -6238,15 +4066,12 @@
               </a:rPr>
               <a:t>Audio basics in Pure Data</a:t>
             </a:r>
-            <a:endParaRPr b="0" lang="en-US" sz="2800" spc="-1" strike="noStrike">
-              <a:solidFill>
-                <a:srgbClr val="000000"/>
-              </a:solidFill>
-              <a:latin typeface="Calibri"/>
-            </a:endParaRPr>
-          </a:p>
-          <a:p>
-            <a:pPr lvl="1" marL="685800" indent="-228240">
+            <a:endParaRPr b="0" lang="el-GR" sz="2800" spc="-1" strike="noStrike">
+              <a:latin typeface="Arial"/>
+            </a:endParaRPr>
+          </a:p>
+          <a:p>
+            <a:pPr lvl="1" marL="685800" indent="-227880">
               <a:lnSpc>
                 <a:spcPct val="90000"/>
               </a:lnSpc>
@@ -6268,15 +4093,12 @@
               </a:rPr>
               <a:t>Wave-shaping basics:</a:t>
             </a:r>
-            <a:endParaRPr b="0" lang="en-US" sz="2400" spc="-1" strike="noStrike">
-              <a:solidFill>
-                <a:srgbClr val="000000"/>
-              </a:solidFill>
-              <a:latin typeface="Calibri"/>
-            </a:endParaRPr>
-          </a:p>
-          <a:p>
-            <a:pPr lvl="2" marL="1143000" indent="-228240">
+            <a:endParaRPr b="0" lang="el-GR" sz="2400" spc="-1" strike="noStrike">
+              <a:latin typeface="Arial"/>
+            </a:endParaRPr>
+          </a:p>
+          <a:p>
+            <a:pPr lvl="2" marL="1143000" indent="-227880">
               <a:lnSpc>
                 <a:spcPct val="90000"/>
               </a:lnSpc>
@@ -6298,15 +4120,12 @@
               </a:rPr>
               <a:t>Oscillator</a:t>
             </a:r>
-            <a:endParaRPr b="0" lang="en-US" sz="2000" spc="-1" strike="noStrike">
-              <a:solidFill>
-                <a:srgbClr val="000000"/>
-              </a:solidFill>
-              <a:latin typeface="Calibri"/>
-            </a:endParaRPr>
-          </a:p>
-          <a:p>
-            <a:pPr lvl="2" marL="1143000" indent="-228240">
+            <a:endParaRPr b="0" lang="el-GR" sz="2000" spc="-1" strike="noStrike">
+              <a:latin typeface="Arial"/>
+            </a:endParaRPr>
+          </a:p>
+          <a:p>
+            <a:pPr lvl="2" marL="1143000" indent="-227880">
               <a:lnSpc>
                 <a:spcPct val="90000"/>
               </a:lnSpc>
@@ -6328,15 +4147,12 @@
               </a:rPr>
               <a:t>Sawtooth (phasor)</a:t>
             </a:r>
-            <a:endParaRPr b="0" lang="en-US" sz="2000" spc="-1" strike="noStrike">
-              <a:solidFill>
-                <a:srgbClr val="000000"/>
-              </a:solidFill>
-              <a:latin typeface="Calibri"/>
-            </a:endParaRPr>
-          </a:p>
-          <a:p>
-            <a:pPr lvl="2" marL="1143000" indent="-228240">
+            <a:endParaRPr b="0" lang="el-GR" sz="2000" spc="-1" strike="noStrike">
+              <a:latin typeface="Arial"/>
+            </a:endParaRPr>
+          </a:p>
+          <a:p>
+            <a:pPr lvl="2" marL="1143000" indent="-227880">
               <a:lnSpc>
                 <a:spcPct val="90000"/>
               </a:lnSpc>
@@ -6358,15 +4174,12 @@
               </a:rPr>
               <a:t>Triangular</a:t>
             </a:r>
-            <a:endParaRPr b="0" lang="en-US" sz="2000" spc="-1" strike="noStrike">
-              <a:solidFill>
-                <a:srgbClr val="000000"/>
-              </a:solidFill>
-              <a:latin typeface="Calibri"/>
-            </a:endParaRPr>
-          </a:p>
-          <a:p>
-            <a:pPr lvl="2" marL="1143000" indent="-228240">
+            <a:endParaRPr b="0" lang="el-GR" sz="2000" spc="-1" strike="noStrike">
+              <a:latin typeface="Arial"/>
+            </a:endParaRPr>
+          </a:p>
+          <a:p>
+            <a:pPr lvl="2" marL="1143000" indent="-227880">
               <a:lnSpc>
                 <a:spcPct val="90000"/>
               </a:lnSpc>
@@ -6388,15 +4201,12 @@
               </a:rPr>
               <a:t>Square pulse</a:t>
             </a:r>
-            <a:endParaRPr b="0" lang="en-US" sz="2000" spc="-1" strike="noStrike">
-              <a:solidFill>
-                <a:srgbClr val="000000"/>
-              </a:solidFill>
-              <a:latin typeface="Calibri"/>
-            </a:endParaRPr>
-          </a:p>
-          <a:p>
-            <a:pPr lvl="2" marL="1143000" indent="-228240">
+            <a:endParaRPr b="0" lang="el-GR" sz="2000" spc="-1" strike="noStrike">
+              <a:latin typeface="Arial"/>
+            </a:endParaRPr>
+          </a:p>
+          <a:p>
+            <a:pPr lvl="2" marL="1143000" indent="-227880">
               <a:lnSpc>
                 <a:spcPct val="90000"/>
               </a:lnSpc>
@@ -6418,15 +4228,12 @@
               </a:rPr>
               <a:t>Additive</a:t>
             </a:r>
-            <a:endParaRPr b="0" lang="en-US" sz="2000" spc="-1" strike="noStrike">
-              <a:solidFill>
-                <a:srgbClr val="000000"/>
-              </a:solidFill>
-              <a:latin typeface="Calibri"/>
-            </a:endParaRPr>
-          </a:p>
-          <a:p>
-            <a:pPr lvl="2" marL="1143000" indent="-228240">
+            <a:endParaRPr b="0" lang="el-GR" sz="2000" spc="-1" strike="noStrike">
+              <a:latin typeface="Arial"/>
+            </a:endParaRPr>
+          </a:p>
+          <a:p>
+            <a:pPr lvl="2" marL="1143000" indent="-227880">
               <a:lnSpc>
                 <a:spcPct val="90000"/>
               </a:lnSpc>
@@ -6448,15 +4255,12 @@
               </a:rPr>
               <a:t>Subtractive</a:t>
             </a:r>
-            <a:endParaRPr b="0" lang="en-US" sz="2000" spc="-1" strike="noStrike">
-              <a:solidFill>
-                <a:srgbClr val="000000"/>
-              </a:solidFill>
-              <a:latin typeface="Calibri"/>
-            </a:endParaRPr>
-          </a:p>
-          <a:p>
-            <a:pPr lvl="2" marL="1143000" indent="-228240">
+            <a:endParaRPr b="0" lang="el-GR" sz="2000" spc="-1" strike="noStrike">
+              <a:latin typeface="Arial"/>
+            </a:endParaRPr>
+          </a:p>
+          <a:p>
+            <a:pPr lvl="2" marL="1143000" indent="-227880">
               <a:lnSpc>
                 <a:spcPct val="90000"/>
               </a:lnSpc>
@@ -6478,15 +4282,12 @@
               </a:rPr>
               <a:t>Tables</a:t>
             </a:r>
-            <a:endParaRPr b="0" lang="en-US" sz="2000" spc="-1" strike="noStrike">
-              <a:solidFill>
-                <a:srgbClr val="000000"/>
-              </a:solidFill>
-              <a:latin typeface="Calibri"/>
-            </a:endParaRPr>
-          </a:p>
-          <a:p>
-            <a:pPr lvl="1" marL="685800" indent="-228240">
+            <a:endParaRPr b="0" lang="el-GR" sz="2000" spc="-1" strike="noStrike">
+              <a:latin typeface="Arial"/>
+            </a:endParaRPr>
+          </a:p>
+          <a:p>
+            <a:pPr lvl="1" marL="685800" indent="-227880">
               <a:lnSpc>
                 <a:spcPct val="90000"/>
               </a:lnSpc>
@@ -6508,15 +4309,12 @@
               </a:rPr>
               <a:t>Modulation</a:t>
             </a:r>
-            <a:endParaRPr b="0" lang="en-US" sz="2400" spc="-1" strike="noStrike">
-              <a:solidFill>
-                <a:srgbClr val="000000"/>
-              </a:solidFill>
-              <a:latin typeface="Calibri"/>
-            </a:endParaRPr>
-          </a:p>
-          <a:p>
-            <a:pPr lvl="2" marL="1143000" indent="-228240">
+            <a:endParaRPr b="0" lang="el-GR" sz="2400" spc="-1" strike="noStrike">
+              <a:latin typeface="Arial"/>
+            </a:endParaRPr>
+          </a:p>
+          <a:p>
+            <a:pPr lvl="2" marL="1143000" indent="-227880">
               <a:lnSpc>
                 <a:spcPct val="90000"/>
               </a:lnSpc>
@@ -6538,15 +4336,12 @@
               </a:rPr>
               <a:t>Amplitude modulation</a:t>
             </a:r>
-            <a:endParaRPr b="0" lang="en-US" sz="2000" spc="-1" strike="noStrike">
-              <a:solidFill>
-                <a:srgbClr val="000000"/>
-              </a:solidFill>
-              <a:latin typeface="Calibri"/>
-            </a:endParaRPr>
-          </a:p>
-          <a:p>
-            <a:pPr lvl="2" marL="1143000" indent="-228240">
+            <a:endParaRPr b="0" lang="el-GR" sz="2000" spc="-1" strike="noStrike">
+              <a:latin typeface="Arial"/>
+            </a:endParaRPr>
+          </a:p>
+          <a:p>
+            <a:pPr lvl="2" marL="1143000" indent="-227880">
               <a:lnSpc>
                 <a:spcPct val="90000"/>
               </a:lnSpc>
@@ -6568,15 +4363,12 @@
               </a:rPr>
               <a:t>Frequency modulation</a:t>
             </a:r>
-            <a:endParaRPr b="0" lang="en-US" sz="2000" spc="-1" strike="noStrike">
-              <a:solidFill>
-                <a:srgbClr val="000000"/>
-              </a:solidFill>
-              <a:latin typeface="Calibri"/>
-            </a:endParaRPr>
-          </a:p>
-          <a:p>
-            <a:pPr lvl="1" marL="685800" indent="-228240">
+            <a:endParaRPr b="0" lang="el-GR" sz="2000" spc="-1" strike="noStrike">
+              <a:latin typeface="Arial"/>
+            </a:endParaRPr>
+          </a:p>
+          <a:p>
+            <a:pPr lvl="1" marL="685800" indent="-227880">
               <a:lnSpc>
                 <a:spcPct val="90000"/>
               </a:lnSpc>
@@ -6598,15 +4390,12 @@
               </a:rPr>
               <a:t>ADSR</a:t>
             </a:r>
-            <a:endParaRPr b="0" lang="en-US" sz="2400" spc="-1" strike="noStrike">
-              <a:solidFill>
-                <a:srgbClr val="000000"/>
-              </a:solidFill>
-              <a:latin typeface="Calibri"/>
-            </a:endParaRPr>
-          </a:p>
-          <a:p>
-            <a:pPr marL="228600" indent="-228240">
+            <a:endParaRPr b="0" lang="el-GR" sz="2400" spc="-1" strike="noStrike">
+              <a:latin typeface="Arial"/>
+            </a:endParaRPr>
+          </a:p>
+          <a:p>
+            <a:pPr marL="228600" indent="-227880">
               <a:lnSpc>
                 <a:spcPct val="90000"/>
               </a:lnSpc>
@@ -6628,25 +4417,22 @@
               </a:rPr>
               <a:t>Projects discussion</a:t>
             </a:r>
-            <a:endParaRPr b="0" lang="en-US" sz="2800" spc="-1" strike="noStrike">
-              <a:solidFill>
-                <a:srgbClr val="000000"/>
-              </a:solidFill>
-              <a:latin typeface="Calibri"/>
-            </a:endParaRPr>
-          </a:p>
-        </p:txBody>
-      </p:sp>
-      <p:sp>
-        <p:nvSpPr>
-          <p:cNvPr id="131" name="CustomShape 3"/>
+            <a:endParaRPr b="0" lang="el-GR" sz="2800" spc="-1" strike="noStrike">
+              <a:latin typeface="Arial"/>
+            </a:endParaRPr>
+          </a:p>
+        </p:txBody>
+      </p:sp>
+      <p:sp>
+        <p:nvSpPr>
+          <p:cNvPr id="87" name="CustomShape 3"/>
           <p:cNvSpPr/>
           <p:nvPr/>
         </p:nvSpPr>
         <p:spPr>
           <a:xfrm>
             <a:off x="4573440" y="4320000"/>
-            <a:ext cx="3346560" cy="364680"/>
+            <a:ext cx="3346560" cy="364320"/>
           </a:xfrm>
           <a:prstGeom prst="rect">
             <a:avLst/>
@@ -6678,6 +4464,7 @@
                   <a:srgbClr val="bfbfbf"/>
                 </a:solidFill>
                 <a:latin typeface="Calibri"/>
+                <a:ea typeface="DejaVu Sans"/>
               </a:rPr>
               <a:t>3_puredata_wave_shapping.pptx</a:t>
             </a:r>
@@ -6689,14 +4476,14 @@
       </p:sp>
       <p:sp>
         <p:nvSpPr>
-          <p:cNvPr id="132" name="CustomShape 4"/>
+          <p:cNvPr id="88" name="CustomShape 4"/>
           <p:cNvSpPr/>
           <p:nvPr/>
         </p:nvSpPr>
         <p:spPr>
           <a:xfrm>
             <a:off x="4178160" y="3581280"/>
-            <a:ext cx="317160" cy="1828440"/>
+            <a:ext cx="316800" cy="1828080"/>
           </a:xfrm>
           <a:prstGeom prst="rightBrace">
             <a:avLst>
@@ -6758,14 +4545,14 @@
       </p:grpSpPr>
       <p:sp>
         <p:nvSpPr>
-          <p:cNvPr id="133" name="TextShape 1"/>
-          <p:cNvSpPr txBox="1"/>
+          <p:cNvPr id="89" name="CustomShape 1"/>
+          <p:cNvSpPr/>
           <p:nvPr/>
         </p:nvSpPr>
         <p:spPr>
           <a:xfrm>
             <a:off x="838080" y="365040"/>
-            <a:ext cx="10515240" cy="1325160"/>
+            <a:ext cx="10514880" cy="1324800"/>
           </a:xfrm>
           <a:prstGeom prst="rect">
             <a:avLst/>
@@ -6775,8 +4562,14 @@
             <a:noFill/>
           </a:ln>
         </p:spPr>
-        <p:txBody>
-          <a:bodyPr anchor="ctr">
+        <p:style>
+          <a:lnRef idx="0"/>
+          <a:fillRef idx="0"/>
+          <a:effectRef idx="0"/>
+          <a:fontRef idx="minor"/>
+        </p:style>
+        <p:txBody>
+          <a:bodyPr lIns="90000" rIns="90000" tIns="45000" bIns="45000" anchor="ctr">
             <a:noAutofit/>
           </a:bodyPr>
           <a:p>
@@ -6803,18 +4596,15 @@
               </a:rPr>
               <a:t>Oscillator</a:t>
             </a:r>
-            <a:endParaRPr b="0" lang="en-US" sz="4400" spc="-1" strike="noStrike">
-              <a:solidFill>
-                <a:srgbClr val="000000"/>
-              </a:solidFill>
-              <a:latin typeface="Calibri"/>
+            <a:endParaRPr b="0" lang="el-GR" sz="4400" spc="-1" strike="noStrike">
+              <a:latin typeface="Arial"/>
             </a:endParaRPr>
           </a:p>
         </p:txBody>
       </p:sp>
       <p:pic>
         <p:nvPicPr>
-          <p:cNvPr id="134" name="Picture 6" descr=""/>
+          <p:cNvPr id="90" name="Picture 6" descr=""/>
           <p:cNvPicPr/>
           <p:nvPr/>
         </p:nvPicPr>
@@ -6825,7 +4615,7 @@
         <p:spPr>
           <a:xfrm>
             <a:off x="50760" y="1690560"/>
-            <a:ext cx="12089880" cy="3593880"/>
+            <a:ext cx="12089520" cy="3593520"/>
           </a:xfrm>
           <a:prstGeom prst="rect">
             <a:avLst/>
@@ -6867,14 +4657,14 @@
       </p:grpSpPr>
       <p:sp>
         <p:nvSpPr>
-          <p:cNvPr id="135" name="TextShape 1"/>
-          <p:cNvSpPr txBox="1"/>
+          <p:cNvPr id="91" name="CustomShape 1"/>
+          <p:cNvSpPr/>
           <p:nvPr/>
         </p:nvSpPr>
         <p:spPr>
           <a:xfrm>
             <a:off x="838080" y="365040"/>
-            <a:ext cx="10515240" cy="1325160"/>
+            <a:ext cx="10514880" cy="1324800"/>
           </a:xfrm>
           <a:prstGeom prst="rect">
             <a:avLst/>
@@ -6884,8 +4674,14 @@
             <a:noFill/>
           </a:ln>
         </p:spPr>
-        <p:txBody>
-          <a:bodyPr anchor="ctr">
+        <p:style>
+          <a:lnRef idx="0"/>
+          <a:fillRef idx="0"/>
+          <a:effectRef idx="0"/>
+          <a:fontRef idx="minor"/>
+        </p:style>
+        <p:txBody>
+          <a:bodyPr lIns="90000" rIns="90000" tIns="45000" bIns="45000" anchor="ctr">
             <a:noAutofit/>
           </a:bodyPr>
           <a:p>
@@ -6910,20 +4706,17 @@
                 </a:solidFill>
                 <a:latin typeface="Calibri Light"/>
               </a:rPr>
-              <a:t>Sawtooth (phasor)</a:t>
+              <a:t>Square</a:t>
             </a:r>
-            <a:endParaRPr b="0" lang="en-US" sz="4400" spc="-1" strike="noStrike">
-              <a:solidFill>
-                <a:srgbClr val="000000"/>
-              </a:solidFill>
-              <a:latin typeface="Calibri"/>
+            <a:endParaRPr b="0" lang="el-GR" sz="4400" spc="-1" strike="noStrike">
+              <a:latin typeface="Arial"/>
             </a:endParaRPr>
           </a:p>
         </p:txBody>
       </p:sp>
       <p:pic>
         <p:nvPicPr>
-          <p:cNvPr id="136" name="Picture 4" descr=""/>
+          <p:cNvPr id="92" name="Picture 3" descr=""/>
           <p:cNvPicPr/>
           <p:nvPr/>
         </p:nvPicPr>
@@ -6933,8 +4726,8 @@
         </p:blipFill>
         <p:spPr>
           <a:xfrm>
-            <a:off x="63360" y="1644480"/>
-            <a:ext cx="12064680" cy="3568320"/>
+            <a:off x="63360" y="1650960"/>
+            <a:ext cx="12064320" cy="3555360"/>
           </a:xfrm>
           <a:prstGeom prst="rect">
             <a:avLst/>
@@ -6976,14 +4769,14 @@
       </p:grpSpPr>
       <p:sp>
         <p:nvSpPr>
-          <p:cNvPr id="137" name="TextShape 1"/>
-          <p:cNvSpPr txBox="1"/>
+          <p:cNvPr id="93" name="CustomShape 1"/>
+          <p:cNvSpPr/>
           <p:nvPr/>
         </p:nvSpPr>
         <p:spPr>
           <a:xfrm>
             <a:off x="838080" y="365040"/>
-            <a:ext cx="10515240" cy="1325160"/>
+            <a:ext cx="10514880" cy="1324800"/>
           </a:xfrm>
           <a:prstGeom prst="rect">
             <a:avLst/>
@@ -6993,8 +4786,14 @@
             <a:noFill/>
           </a:ln>
         </p:spPr>
-        <p:txBody>
-          <a:bodyPr anchor="ctr">
+        <p:style>
+          <a:lnRef idx="0"/>
+          <a:fillRef idx="0"/>
+          <a:effectRef idx="0"/>
+          <a:fontRef idx="minor"/>
+        </p:style>
+        <p:txBody>
+          <a:bodyPr lIns="90000" rIns="90000" tIns="45000" bIns="45000" anchor="ctr">
             <a:noAutofit/>
           </a:bodyPr>
           <a:p>
@@ -7019,20 +4818,17 @@
                 </a:solidFill>
                 <a:latin typeface="Calibri Light"/>
               </a:rPr>
-              <a:t>Triangle</a:t>
+              <a:t>Sawtooth (phasor)</a:t>
             </a:r>
-            <a:endParaRPr b="0" lang="en-US" sz="4400" spc="-1" strike="noStrike">
-              <a:solidFill>
-                <a:srgbClr val="000000"/>
-              </a:solidFill>
-              <a:latin typeface="Calibri"/>
+            <a:endParaRPr b="0" lang="el-GR" sz="4400" spc="-1" strike="noStrike">
+              <a:latin typeface="Arial"/>
             </a:endParaRPr>
           </a:p>
         </p:txBody>
       </p:sp>
       <p:pic>
         <p:nvPicPr>
-          <p:cNvPr id="138" name="Picture 3" descr=""/>
+          <p:cNvPr id="94" name="Picture 4" descr=""/>
           <p:cNvPicPr/>
           <p:nvPr/>
         </p:nvPicPr>
@@ -7042,8 +4838,8 @@
         </p:blipFill>
         <p:spPr>
           <a:xfrm>
-            <a:off x="57240" y="1631880"/>
-            <a:ext cx="12077280" cy="3593880"/>
+            <a:off x="63360" y="1644480"/>
+            <a:ext cx="12064320" cy="3567960"/>
           </a:xfrm>
           <a:prstGeom prst="rect">
             <a:avLst/>
@@ -7085,14 +4881,14 @@
       </p:grpSpPr>
       <p:sp>
         <p:nvSpPr>
-          <p:cNvPr id="139" name="TextShape 1"/>
-          <p:cNvSpPr txBox="1"/>
+          <p:cNvPr id="95" name="CustomShape 1"/>
+          <p:cNvSpPr/>
           <p:nvPr/>
         </p:nvSpPr>
         <p:spPr>
           <a:xfrm>
             <a:off x="838080" y="365040"/>
-            <a:ext cx="10515240" cy="1325160"/>
+            <a:ext cx="10514880" cy="1324800"/>
           </a:xfrm>
           <a:prstGeom prst="rect">
             <a:avLst/>
@@ -7102,8 +4898,14 @@
             <a:noFill/>
           </a:ln>
         </p:spPr>
-        <p:txBody>
-          <a:bodyPr anchor="ctr">
+        <p:style>
+          <a:lnRef idx="0"/>
+          <a:fillRef idx="0"/>
+          <a:effectRef idx="0"/>
+          <a:fontRef idx="minor"/>
+        </p:style>
+        <p:txBody>
+          <a:bodyPr lIns="90000" rIns="90000" tIns="45000" bIns="45000" anchor="ctr">
             <a:noAutofit/>
           </a:bodyPr>
           <a:p>
@@ -7128,20 +4930,17 @@
                 </a:solidFill>
                 <a:latin typeface="Calibri Light"/>
               </a:rPr>
-              <a:t>Square</a:t>
+              <a:t>Triangle</a:t>
             </a:r>
-            <a:endParaRPr b="0" lang="en-US" sz="4400" spc="-1" strike="noStrike">
-              <a:solidFill>
-                <a:srgbClr val="000000"/>
-              </a:solidFill>
-              <a:latin typeface="Calibri"/>
+            <a:endParaRPr b="0" lang="el-GR" sz="4400" spc="-1" strike="noStrike">
+              <a:latin typeface="Arial"/>
             </a:endParaRPr>
           </a:p>
         </p:txBody>
       </p:sp>
       <p:pic>
         <p:nvPicPr>
-          <p:cNvPr id="140" name="Picture 3" descr=""/>
+          <p:cNvPr id="96" name="Picture 3" descr=""/>
           <p:cNvPicPr/>
           <p:nvPr/>
         </p:nvPicPr>
@@ -7151,8 +4950,8 @@
         </p:blipFill>
         <p:spPr>
           <a:xfrm>
-            <a:off x="63360" y="1650960"/>
-            <a:ext cx="12064680" cy="3555720"/>
+            <a:off x="57240" y="1631880"/>
+            <a:ext cx="12076920" cy="3593520"/>
           </a:xfrm>
           <a:prstGeom prst="rect">
             <a:avLst/>
@@ -7851,230 +5650,4 @@
     </a:fmtScheme>
   </a:themeElements>
 </a:theme>
-</file>
-
-<file path=ppt/theme/theme4.xml><?xml version="1.0" encoding="utf-8"?>
-<a:theme xmlns:a="http://schemas.openxmlformats.org/drawingml/2006/main" name="Office Theme">
-  <a:themeElements>
-    <a:clrScheme name="Office">
-      <a:dk1>
-        <a:sysClr val="windowText" lastClr="000000"/>
-      </a:dk1>
-      <a:lt1>
-        <a:sysClr val="window" lastClr="FFFFFF"/>
-      </a:lt1>
-      <a:dk2>
-        <a:srgbClr val="44546a"/>
-      </a:dk2>
-      <a:lt2>
-        <a:srgbClr val="e7e6e6"/>
-      </a:lt2>
-      <a:accent1>
-        <a:srgbClr val="4472c4"/>
-      </a:accent1>
-      <a:accent2>
-        <a:srgbClr val="ed7d31"/>
-      </a:accent2>
-      <a:accent3>
-        <a:srgbClr val="a5a5a5"/>
-      </a:accent3>
-      <a:accent4>
-        <a:srgbClr val="ffc000"/>
-      </a:accent4>
-      <a:accent5>
-        <a:srgbClr val="5b9bd5"/>
-      </a:accent5>
-      <a:accent6>
-        <a:srgbClr val="70ad47"/>
-      </a:accent6>
-      <a:hlink>
-        <a:srgbClr val="0563c1"/>
-      </a:hlink>
-      <a:folHlink>
-        <a:srgbClr val="954f72"/>
-      </a:folHlink>
-    </a:clrScheme>
-    <a:fontScheme name="Office">
-      <a:majorFont>
-        <a:latin typeface="Arial"/>
-        <a:ea typeface="DejaVu Sans"/>
-        <a:cs typeface="DejaVu Sans"/>
-      </a:majorFont>
-      <a:minorFont>
-        <a:latin typeface="Arial"/>
-        <a:ea typeface="DejaVu Sans"/>
-        <a:cs typeface="DejaVu Sans"/>
-      </a:minorFont>
-    </a:fontScheme>
-    <a:fmtScheme name="Office">
-      <a:fillStyleLst>
-        <a:solidFill>
-          <a:schemeClr val="phClr"/>
-        </a:solidFill>
-        <a:gradFill rotWithShape="1">
-          <a:gsLst>
-            <a:gs pos="0">
-              <a:schemeClr val="phClr">
-                <a:tint val="50000"/>
-                <a:satMod val="300000"/>
-              </a:schemeClr>
-            </a:gs>
-            <a:gs pos="35000">
-              <a:schemeClr val="phClr">
-                <a:tint val="37000"/>
-                <a:satMod val="300000"/>
-              </a:schemeClr>
-            </a:gs>
-            <a:gs pos="100000">
-              <a:schemeClr val="phClr">
-                <a:tint val="15000"/>
-                <a:satMod val="350000"/>
-              </a:schemeClr>
-            </a:gs>
-          </a:gsLst>
-          <a:lin ang="16200000" scaled="1"/>
-        </a:gradFill>
-        <a:gradFill rotWithShape="1">
-          <a:gsLst>
-            <a:gs pos="0">
-              <a:schemeClr val="phClr">
-                <a:shade val="51000"/>
-                <a:satMod val="130000"/>
-              </a:schemeClr>
-            </a:gs>
-            <a:gs pos="80000">
-              <a:schemeClr val="phClr">
-                <a:shade val="93000"/>
-                <a:satMod val="130000"/>
-              </a:schemeClr>
-            </a:gs>
-            <a:gs pos="100000">
-              <a:schemeClr val="phClr">
-                <a:shade val="94000"/>
-                <a:satMod val="135000"/>
-              </a:schemeClr>
-            </a:gs>
-          </a:gsLst>
-          <a:lin ang="16200000" scaled="0"/>
-        </a:gradFill>
-      </a:fillStyleLst>
-      <a:lnStyleLst>
-        <a:ln w="9525" cap="flat" cmpd="sng" algn="ctr">
-          <a:solidFill>
-            <a:schemeClr val="phClr">
-              <a:shade val="95000"/>
-              <a:satMod val="105000"/>
-            </a:schemeClr>
-          </a:solidFill>
-          <a:prstDash val="solid"/>
-          <a:miter/>
-        </a:ln>
-        <a:ln w="25400" cap="flat" cmpd="sng" algn="ctr">
-          <a:solidFill>
-            <a:schemeClr val="phClr"/>
-          </a:solidFill>
-          <a:prstDash val="solid"/>
-          <a:miter/>
-        </a:ln>
-        <a:ln w="38100" cap="flat" cmpd="sng" algn="ctr">
-          <a:solidFill>
-            <a:schemeClr val="phClr"/>
-          </a:solidFill>
-          <a:prstDash val="solid"/>
-          <a:miter/>
-        </a:ln>
-      </a:lnStyleLst>
-      <a:effectStyleLst>
-        <a:effectStyle>
-          <a:effectLst>
-            <a:outerShdw blurRad="40000" dist="20000" dir="5400000" rotWithShape="0">
-              <a:srgbClr val="000000">
-                <a:alpha val="38000"/>
-              </a:srgbClr>
-            </a:outerShdw>
-          </a:effectLst>
-        </a:effectStyle>
-        <a:effectStyle>
-          <a:effectLst>
-            <a:outerShdw blurRad="40000" dist="23000" dir="5400000" rotWithShape="0">
-              <a:srgbClr val="000000">
-                <a:alpha val="35000"/>
-              </a:srgbClr>
-            </a:outerShdw>
-          </a:effectLst>
-        </a:effectStyle>
-        <a:effectStyle>
-          <a:effectLst>
-            <a:outerShdw blurRad="40000" dist="23000" dir="5400000" rotWithShape="0">
-              <a:srgbClr val="000000">
-                <a:alpha val="35000"/>
-              </a:srgbClr>
-            </a:outerShdw>
-          </a:effectLst>
-          <a:scene3d>
-            <a:camera prst="orthographicFront">
-              <a:rot lat="0" lon="0" rev="0"/>
-            </a:camera>
-            <a:lightRig rig="threePt" dir="t">
-              <a:rot lat="0" lon="0" rev="1200000"/>
-            </a:lightRig>
-          </a:scene3d>
-          <a:sp3d>
-            <a:bevelT w="63500" h="25400"/>
-          </a:sp3d>
-        </a:effectStyle>
-      </a:effectStyleLst>
-      <a:bgFillStyleLst>
-        <a:solidFill>
-          <a:schemeClr val="phClr"/>
-        </a:solidFill>
-        <a:gradFill rotWithShape="1">
-          <a:gsLst>
-            <a:gs pos="0">
-              <a:schemeClr val="phClr">
-                <a:tint val="40000"/>
-                <a:satMod val="350000"/>
-              </a:schemeClr>
-            </a:gs>
-            <a:gs pos="40000">
-              <a:schemeClr val="phClr">
-                <a:tint val="45000"/>
-                <a:shade val="99000"/>
-                <a:satMod val="350000"/>
-              </a:schemeClr>
-            </a:gs>
-            <a:gs pos="100000">
-              <a:schemeClr val="phClr">
-                <a:shade val="20000"/>
-                <a:satMod val="255000"/>
-              </a:schemeClr>
-            </a:gs>
-          </a:gsLst>
-          <a:path path="circle">
-            <a:fillToRect l="50000" t="-80000" r="50000" b="180000"/>
-          </a:path>
-        </a:gradFill>
-        <a:gradFill rotWithShape="1">
-          <a:gsLst>
-            <a:gs pos="0">
-              <a:schemeClr val="phClr">
-                <a:tint val="80000"/>
-                <a:satMod val="300000"/>
-              </a:schemeClr>
-            </a:gs>
-            <a:gs pos="100000">
-              <a:schemeClr val="phClr">
-                <a:shade val="30000"/>
-                <a:satMod val="200000"/>
-              </a:schemeClr>
-            </a:gs>
-          </a:gsLst>
-          <a:path path="circle">
-            <a:fillToRect l="50000" t="50000" r="50000" b="50000"/>
-          </a:path>
-        </a:gradFill>
-      </a:bgFillStyleLst>
-    </a:fmtScheme>
-  </a:themeElements>
-</a:theme>
 </file>